--- a/auturbo_2019_spring/auturbo_2019_spring_week3/auturbo_2019_spring_week3_ros_programming.pptx
+++ b/auturbo_2019_spring/auturbo_2019_spring_week3/auturbo_2019_spring_week3_ros_programming.pptx
@@ -3,17 +3,21 @@
 <p:presentation xmlns:a="http://schemas.openxmlformats.org/drawingml/2006/main" xmlns:p="http://schemas.openxmlformats.org/presentationml/2006/main" xmlns:r="http://schemas.openxmlformats.org/officeDocument/2006/relationships" xmlns:p14="http://schemas.microsoft.com/office/powerpoint/2010/main" xmlns:p15="http://schemas.microsoft.com/office/powerpoint/2012/main" xmlns:mc="http://schemas.openxmlformats.org/markup-compatibility/2006">
   <p:sldMasterIdLst>
     <p:sldMasterId id="2147483648" r:id="rId2"/>
-    <p:sldMasterId id="2147483661" r:id="rId3"/>
   </p:sldMasterIdLst>
   <p:sldIdLst>
-    <p:sldId id="256" r:id="rId4"/>
-    <p:sldId id="257" r:id="rId5"/>
-    <p:sldId id="258" r:id="rId6"/>
-    <p:sldId id="259" r:id="rId7"/>
-    <p:sldId id="260" r:id="rId8"/>
-    <p:sldId id="261" r:id="rId9"/>
-    <p:sldId id="262" r:id="rId10"/>
-    <p:sldId id="263" r:id="rId11"/>
+    <p:sldId id="256" r:id="rId3"/>
+    <p:sldId id="257" r:id="rId4"/>
+    <p:sldId id="258" r:id="rId5"/>
+    <p:sldId id="259" r:id="rId6"/>
+    <p:sldId id="260" r:id="rId7"/>
+    <p:sldId id="261" r:id="rId8"/>
+    <p:sldId id="262" r:id="rId9"/>
+    <p:sldId id="263" r:id="rId10"/>
+    <p:sldId id="264" r:id="rId11"/>
+    <p:sldId id="265" r:id="rId12"/>
+    <p:sldId id="266" r:id="rId13"/>
+    <p:sldId id="267" r:id="rId14"/>
+    <p:sldId id="268" r:id="rId15"/>
   </p:sldIdLst>
   <p:sldSz cx="12192000" cy="6858000"/>
   <p:notesSz cx="7772400" cy="10058400"/>
@@ -555,543 +559,6 @@
 </p:sldLayout>
 </file>
 
-<file path=ppt/slideLayouts/slideLayout13.xml><?xml version="1.0" encoding="utf-8"?>
-<p:sldLayout xmlns:a="http://schemas.openxmlformats.org/drawingml/2006/main" xmlns:p="http://schemas.openxmlformats.org/presentationml/2006/main" xmlns:r="http://schemas.openxmlformats.org/officeDocument/2006/relationships" xmlns:p14="http://schemas.microsoft.com/office/powerpoint/2010/main" xmlns:p15="http://schemas.microsoft.com/office/powerpoint/2012/main" xmlns:mc="http://schemas.openxmlformats.org/markup-compatibility/2006" type="blank" preserve="1">
-  <p:cSld name="Blank Slide">
-    <p:spTree>
-      <p:nvGrpSpPr>
-        <p:cNvPr id="1" name=""/>
-        <p:cNvGrpSpPr/>
-        <p:nvPr/>
-      </p:nvGrpSpPr>
-      <p:grpSpPr>
-        <a:xfrm>
-          <a:off x="0" y="0"/>
-          <a:ext cx="0" cy="0"/>
-          <a:chOff x="0" y="0"/>
-          <a:chExt cx="0" cy="0"/>
-        </a:xfrm>
-      </p:grpSpPr>
-    </p:spTree>
-  </p:cSld>
-</p:sldLayout>
-</file>
-
-<file path=ppt/slideLayouts/slideLayout14.xml><?xml version="1.0" encoding="utf-8"?>
-<p:sldLayout xmlns:a="http://schemas.openxmlformats.org/drawingml/2006/main" xmlns:p="http://schemas.openxmlformats.org/presentationml/2006/main" xmlns:r="http://schemas.openxmlformats.org/officeDocument/2006/relationships" xmlns:p14="http://schemas.microsoft.com/office/powerpoint/2010/main" xmlns:p15="http://schemas.microsoft.com/office/powerpoint/2012/main" xmlns:mc="http://schemas.openxmlformats.org/markup-compatibility/2006" type="tx" preserve="1">
-  <p:cSld name="Title Slide">
-    <p:spTree>
-      <p:nvGrpSpPr>
-        <p:cNvPr id="1" name=""/>
-        <p:cNvGrpSpPr/>
-        <p:nvPr/>
-      </p:nvGrpSpPr>
-      <p:grpSpPr>
-        <a:xfrm>
-          <a:off x="0" y="0"/>
-          <a:ext cx="0" cy="0"/>
-          <a:chOff x="0" y="0"/>
-          <a:chExt cx="0" cy="0"/>
-        </a:xfrm>
-      </p:grpSpPr>
-      <p:sp>
-        <p:nvSpPr>
-          <p:cNvPr id="40" name="PlaceHolder 1"/>
-          <p:cNvSpPr>
-            <a:spLocks noGrp="1"/>
-          </p:cNvSpPr>
-          <p:nvPr>
-            <p:ph type="title"/>
-          </p:nvPr>
-        </p:nvSpPr>
-        <p:spPr>
-          <a:xfrm>
-            <a:off x="609480" y="273600"/>
-            <a:ext cx="10972440" cy="1144800"/>
-          </a:xfrm>
-          <a:prstGeom prst="rect">
-            <a:avLst/>
-          </a:prstGeom>
-        </p:spPr>
-        <p:txBody>
-          <a:bodyPr lIns="0" rIns="0" tIns="0" bIns="0" anchor="ctr"/>
-          <a:p>
-            <a:pPr algn="ctr"/>
-            <a:endParaRPr b="0" lang="en-US" sz="4400" spc="-1" strike="noStrike">
-              <a:latin typeface="Arial"/>
-            </a:endParaRPr>
-          </a:p>
-        </p:txBody>
-      </p:sp>
-      <p:sp>
-        <p:nvSpPr>
-          <p:cNvPr id="41" name="PlaceHolder 2"/>
-          <p:cNvSpPr>
-            <a:spLocks noGrp="1"/>
-          </p:cNvSpPr>
-          <p:nvPr>
-            <p:ph type="subTitle"/>
-          </p:nvPr>
-        </p:nvSpPr>
-        <p:spPr>
-          <a:xfrm>
-            <a:off x="609480" y="1604520"/>
-            <a:ext cx="10972440" cy="3977280"/>
-          </a:xfrm>
-          <a:prstGeom prst="rect">
-            <a:avLst/>
-          </a:prstGeom>
-        </p:spPr>
-        <p:txBody>
-          <a:bodyPr lIns="0" rIns="0" tIns="0" bIns="0" anchor="ctr"/>
-          <a:p>
-            <a:pPr algn="ctr"/>
-            <a:endParaRPr b="0" lang="en-US" sz="3200" spc="-1" strike="noStrike">
-              <a:latin typeface="Arial"/>
-            </a:endParaRPr>
-          </a:p>
-        </p:txBody>
-      </p:sp>
-    </p:spTree>
-  </p:cSld>
-</p:sldLayout>
-</file>
-
-<file path=ppt/slideLayouts/slideLayout15.xml><?xml version="1.0" encoding="utf-8"?>
-<p:sldLayout xmlns:a="http://schemas.openxmlformats.org/drawingml/2006/main" xmlns:p="http://schemas.openxmlformats.org/presentationml/2006/main" xmlns:r="http://schemas.openxmlformats.org/officeDocument/2006/relationships" xmlns:p14="http://schemas.microsoft.com/office/powerpoint/2010/main" xmlns:p15="http://schemas.microsoft.com/office/powerpoint/2012/main" xmlns:mc="http://schemas.openxmlformats.org/markup-compatibility/2006" type="obj" preserve="1">
-  <p:cSld name="Title, Content">
-    <p:spTree>
-      <p:nvGrpSpPr>
-        <p:cNvPr id="1" name=""/>
-        <p:cNvGrpSpPr/>
-        <p:nvPr/>
-      </p:nvGrpSpPr>
-      <p:grpSpPr>
-        <a:xfrm>
-          <a:off x="0" y="0"/>
-          <a:ext cx="0" cy="0"/>
-          <a:chOff x="0" y="0"/>
-          <a:chExt cx="0" cy="0"/>
-        </a:xfrm>
-      </p:grpSpPr>
-      <p:sp>
-        <p:nvSpPr>
-          <p:cNvPr id="42" name="PlaceHolder 1"/>
-          <p:cNvSpPr>
-            <a:spLocks noGrp="1"/>
-          </p:cNvSpPr>
-          <p:nvPr>
-            <p:ph type="title"/>
-          </p:nvPr>
-        </p:nvSpPr>
-        <p:spPr>
-          <a:xfrm>
-            <a:off x="609480" y="273600"/>
-            <a:ext cx="10972440" cy="1144800"/>
-          </a:xfrm>
-          <a:prstGeom prst="rect">
-            <a:avLst/>
-          </a:prstGeom>
-        </p:spPr>
-        <p:txBody>
-          <a:bodyPr lIns="0" rIns="0" tIns="0" bIns="0" anchor="ctr"/>
-          <a:p>
-            <a:pPr algn="ctr"/>
-            <a:endParaRPr b="0" lang="en-US" sz="4400" spc="-1" strike="noStrike">
-              <a:latin typeface="Arial"/>
-            </a:endParaRPr>
-          </a:p>
-        </p:txBody>
-      </p:sp>
-      <p:sp>
-        <p:nvSpPr>
-          <p:cNvPr id="43" name="PlaceHolder 2"/>
-          <p:cNvSpPr>
-            <a:spLocks noGrp="1"/>
-          </p:cNvSpPr>
-          <p:nvPr>
-            <p:ph type="body"/>
-          </p:nvPr>
-        </p:nvSpPr>
-        <p:spPr>
-          <a:xfrm>
-            <a:off x="609480" y="1604520"/>
-            <a:ext cx="10972440" cy="3977280"/>
-          </a:xfrm>
-          <a:prstGeom prst="rect">
-            <a:avLst/>
-          </a:prstGeom>
-        </p:spPr>
-        <p:txBody>
-          <a:bodyPr lIns="0" rIns="0" tIns="0" bIns="0">
-            <a:normAutofit/>
-          </a:bodyPr>
-          <a:p>
-            <a:endParaRPr b="0" lang="en-US" sz="3200" spc="-1" strike="noStrike">
-              <a:latin typeface="Arial"/>
-            </a:endParaRPr>
-          </a:p>
-        </p:txBody>
-      </p:sp>
-    </p:spTree>
-  </p:cSld>
-</p:sldLayout>
-</file>
-
-<file path=ppt/slideLayouts/slideLayout16.xml><?xml version="1.0" encoding="utf-8"?>
-<p:sldLayout xmlns:a="http://schemas.openxmlformats.org/drawingml/2006/main" xmlns:p="http://schemas.openxmlformats.org/presentationml/2006/main" xmlns:r="http://schemas.openxmlformats.org/officeDocument/2006/relationships" xmlns:p14="http://schemas.microsoft.com/office/powerpoint/2010/main" xmlns:p15="http://schemas.microsoft.com/office/powerpoint/2012/main" xmlns:mc="http://schemas.openxmlformats.org/markup-compatibility/2006" type="twoObj" preserve="1">
-  <p:cSld name="Title, 2 Content">
-    <p:spTree>
-      <p:nvGrpSpPr>
-        <p:cNvPr id="1" name=""/>
-        <p:cNvGrpSpPr/>
-        <p:nvPr/>
-      </p:nvGrpSpPr>
-      <p:grpSpPr>
-        <a:xfrm>
-          <a:off x="0" y="0"/>
-          <a:ext cx="0" cy="0"/>
-          <a:chOff x="0" y="0"/>
-          <a:chExt cx="0" cy="0"/>
-        </a:xfrm>
-      </p:grpSpPr>
-      <p:sp>
-        <p:nvSpPr>
-          <p:cNvPr id="44" name="PlaceHolder 1"/>
-          <p:cNvSpPr>
-            <a:spLocks noGrp="1"/>
-          </p:cNvSpPr>
-          <p:nvPr>
-            <p:ph type="title"/>
-          </p:nvPr>
-        </p:nvSpPr>
-        <p:spPr>
-          <a:xfrm>
-            <a:off x="609480" y="273600"/>
-            <a:ext cx="10972440" cy="1144800"/>
-          </a:xfrm>
-          <a:prstGeom prst="rect">
-            <a:avLst/>
-          </a:prstGeom>
-        </p:spPr>
-        <p:txBody>
-          <a:bodyPr lIns="0" rIns="0" tIns="0" bIns="0" anchor="ctr"/>
-          <a:p>
-            <a:pPr algn="ctr"/>
-            <a:endParaRPr b="0" lang="en-US" sz="4400" spc="-1" strike="noStrike">
-              <a:latin typeface="Arial"/>
-            </a:endParaRPr>
-          </a:p>
-        </p:txBody>
-      </p:sp>
-      <p:sp>
-        <p:nvSpPr>
-          <p:cNvPr id="45" name="PlaceHolder 2"/>
-          <p:cNvSpPr>
-            <a:spLocks noGrp="1"/>
-          </p:cNvSpPr>
-          <p:nvPr>
-            <p:ph type="body"/>
-          </p:nvPr>
-        </p:nvSpPr>
-        <p:spPr>
-          <a:xfrm>
-            <a:off x="609480" y="1604520"/>
-            <a:ext cx="5354280" cy="3977280"/>
-          </a:xfrm>
-          <a:prstGeom prst="rect">
-            <a:avLst/>
-          </a:prstGeom>
-        </p:spPr>
-        <p:txBody>
-          <a:bodyPr lIns="0" rIns="0" tIns="0" bIns="0">
-            <a:normAutofit/>
-          </a:bodyPr>
-          <a:p>
-            <a:endParaRPr b="0" lang="en-US" sz="3200" spc="-1" strike="noStrike">
-              <a:latin typeface="Arial"/>
-            </a:endParaRPr>
-          </a:p>
-        </p:txBody>
-      </p:sp>
-      <p:sp>
-        <p:nvSpPr>
-          <p:cNvPr id="46" name="PlaceHolder 3"/>
-          <p:cNvSpPr>
-            <a:spLocks noGrp="1"/>
-          </p:cNvSpPr>
-          <p:nvPr>
-            <p:ph type="body"/>
-          </p:nvPr>
-        </p:nvSpPr>
-        <p:spPr>
-          <a:xfrm>
-            <a:off x="6231960" y="1604520"/>
-            <a:ext cx="5354280" cy="3977280"/>
-          </a:xfrm>
-          <a:prstGeom prst="rect">
-            <a:avLst/>
-          </a:prstGeom>
-        </p:spPr>
-        <p:txBody>
-          <a:bodyPr lIns="0" rIns="0" tIns="0" bIns="0">
-            <a:normAutofit/>
-          </a:bodyPr>
-          <a:p>
-            <a:endParaRPr b="0" lang="en-US" sz="3200" spc="-1" strike="noStrike">
-              <a:latin typeface="Arial"/>
-            </a:endParaRPr>
-          </a:p>
-        </p:txBody>
-      </p:sp>
-    </p:spTree>
-  </p:cSld>
-</p:sldLayout>
-</file>
-
-<file path=ppt/slideLayouts/slideLayout17.xml><?xml version="1.0" encoding="utf-8"?>
-<p:sldLayout xmlns:a="http://schemas.openxmlformats.org/drawingml/2006/main" xmlns:p="http://schemas.openxmlformats.org/presentationml/2006/main" xmlns:r="http://schemas.openxmlformats.org/officeDocument/2006/relationships" xmlns:p14="http://schemas.microsoft.com/office/powerpoint/2010/main" xmlns:p15="http://schemas.microsoft.com/office/powerpoint/2012/main" xmlns:mc="http://schemas.openxmlformats.org/markup-compatibility/2006" type="titleOnly" preserve="1">
-  <p:cSld name="Title Only">
-    <p:spTree>
-      <p:nvGrpSpPr>
-        <p:cNvPr id="1" name=""/>
-        <p:cNvGrpSpPr/>
-        <p:nvPr/>
-      </p:nvGrpSpPr>
-      <p:grpSpPr>
-        <a:xfrm>
-          <a:off x="0" y="0"/>
-          <a:ext cx="0" cy="0"/>
-          <a:chOff x="0" y="0"/>
-          <a:chExt cx="0" cy="0"/>
-        </a:xfrm>
-      </p:grpSpPr>
-      <p:sp>
-        <p:nvSpPr>
-          <p:cNvPr id="47" name="PlaceHolder 1"/>
-          <p:cNvSpPr>
-            <a:spLocks noGrp="1"/>
-          </p:cNvSpPr>
-          <p:nvPr>
-            <p:ph type="title"/>
-          </p:nvPr>
-        </p:nvSpPr>
-        <p:spPr>
-          <a:xfrm>
-            <a:off x="609480" y="273600"/>
-            <a:ext cx="10972440" cy="1144800"/>
-          </a:xfrm>
-          <a:prstGeom prst="rect">
-            <a:avLst/>
-          </a:prstGeom>
-        </p:spPr>
-        <p:txBody>
-          <a:bodyPr lIns="0" rIns="0" tIns="0" bIns="0" anchor="ctr"/>
-          <a:p>
-            <a:pPr algn="ctr"/>
-            <a:endParaRPr b="0" lang="en-US" sz="4400" spc="-1" strike="noStrike">
-              <a:latin typeface="Arial"/>
-            </a:endParaRPr>
-          </a:p>
-        </p:txBody>
-      </p:sp>
-    </p:spTree>
-  </p:cSld>
-</p:sldLayout>
-</file>
-
-<file path=ppt/slideLayouts/slideLayout18.xml><?xml version="1.0" encoding="utf-8"?>
-<p:sldLayout xmlns:a="http://schemas.openxmlformats.org/drawingml/2006/main" xmlns:p="http://schemas.openxmlformats.org/presentationml/2006/main" xmlns:r="http://schemas.openxmlformats.org/officeDocument/2006/relationships" xmlns:p14="http://schemas.microsoft.com/office/powerpoint/2010/main" xmlns:p15="http://schemas.microsoft.com/office/powerpoint/2012/main" xmlns:mc="http://schemas.openxmlformats.org/markup-compatibility/2006" type="objOnly" preserve="1">
-  <p:cSld name="Centered Text">
-    <p:spTree>
-      <p:nvGrpSpPr>
-        <p:cNvPr id="1" name=""/>
-        <p:cNvGrpSpPr/>
-        <p:nvPr/>
-      </p:nvGrpSpPr>
-      <p:grpSpPr>
-        <a:xfrm>
-          <a:off x="0" y="0"/>
-          <a:ext cx="0" cy="0"/>
-          <a:chOff x="0" y="0"/>
-          <a:chExt cx="0" cy="0"/>
-        </a:xfrm>
-      </p:grpSpPr>
-      <p:sp>
-        <p:nvSpPr>
-          <p:cNvPr id="48" name="PlaceHolder 1"/>
-          <p:cNvSpPr>
-            <a:spLocks noGrp="1"/>
-          </p:cNvSpPr>
-          <p:nvPr>
-            <p:ph type="subTitle"/>
-          </p:nvPr>
-        </p:nvSpPr>
-        <p:spPr>
-          <a:xfrm>
-            <a:off x="609480" y="273600"/>
-            <a:ext cx="10972440" cy="5307840"/>
-          </a:xfrm>
-          <a:prstGeom prst="rect">
-            <a:avLst/>
-          </a:prstGeom>
-        </p:spPr>
-        <p:txBody>
-          <a:bodyPr lIns="0" rIns="0" tIns="0" bIns="0" anchor="ctr"/>
-          <a:p>
-            <a:pPr algn="ctr"/>
-            <a:endParaRPr b="0" lang="en-US" sz="3200" spc="-1" strike="noStrike">
-              <a:latin typeface="Arial"/>
-            </a:endParaRPr>
-          </a:p>
-        </p:txBody>
-      </p:sp>
-    </p:spTree>
-  </p:cSld>
-</p:sldLayout>
-</file>
-
-<file path=ppt/slideLayouts/slideLayout19.xml><?xml version="1.0" encoding="utf-8"?>
-<p:sldLayout xmlns:a="http://schemas.openxmlformats.org/drawingml/2006/main" xmlns:p="http://schemas.openxmlformats.org/presentationml/2006/main" xmlns:r="http://schemas.openxmlformats.org/officeDocument/2006/relationships" xmlns:p14="http://schemas.microsoft.com/office/powerpoint/2010/main" xmlns:p15="http://schemas.microsoft.com/office/powerpoint/2012/main" xmlns:mc="http://schemas.openxmlformats.org/markup-compatibility/2006" type="twoObjAndObj" preserve="1">
-  <p:cSld name="Title, 2 Content and Content">
-    <p:spTree>
-      <p:nvGrpSpPr>
-        <p:cNvPr id="1" name=""/>
-        <p:cNvGrpSpPr/>
-        <p:nvPr/>
-      </p:nvGrpSpPr>
-      <p:grpSpPr>
-        <a:xfrm>
-          <a:off x="0" y="0"/>
-          <a:ext cx="0" cy="0"/>
-          <a:chOff x="0" y="0"/>
-          <a:chExt cx="0" cy="0"/>
-        </a:xfrm>
-      </p:grpSpPr>
-      <p:sp>
-        <p:nvSpPr>
-          <p:cNvPr id="49" name="PlaceHolder 1"/>
-          <p:cNvSpPr>
-            <a:spLocks noGrp="1"/>
-          </p:cNvSpPr>
-          <p:nvPr>
-            <p:ph type="title"/>
-          </p:nvPr>
-        </p:nvSpPr>
-        <p:spPr>
-          <a:xfrm>
-            <a:off x="609480" y="273600"/>
-            <a:ext cx="10972440" cy="1144800"/>
-          </a:xfrm>
-          <a:prstGeom prst="rect">
-            <a:avLst/>
-          </a:prstGeom>
-        </p:spPr>
-        <p:txBody>
-          <a:bodyPr lIns="0" rIns="0" tIns="0" bIns="0" anchor="ctr"/>
-          <a:p>
-            <a:pPr algn="ctr"/>
-            <a:endParaRPr b="0" lang="en-US" sz="4400" spc="-1" strike="noStrike">
-              <a:latin typeface="Arial"/>
-            </a:endParaRPr>
-          </a:p>
-        </p:txBody>
-      </p:sp>
-      <p:sp>
-        <p:nvSpPr>
-          <p:cNvPr id="50" name="PlaceHolder 2"/>
-          <p:cNvSpPr>
-            <a:spLocks noGrp="1"/>
-          </p:cNvSpPr>
-          <p:nvPr>
-            <p:ph type="body"/>
-          </p:nvPr>
-        </p:nvSpPr>
-        <p:spPr>
-          <a:xfrm>
-            <a:off x="609480" y="1604520"/>
-            <a:ext cx="5354280" cy="1896840"/>
-          </a:xfrm>
-          <a:prstGeom prst="rect">
-            <a:avLst/>
-          </a:prstGeom>
-        </p:spPr>
-        <p:txBody>
-          <a:bodyPr lIns="0" rIns="0" tIns="0" bIns="0">
-            <a:normAutofit/>
-          </a:bodyPr>
-          <a:p>
-            <a:endParaRPr b="0" lang="en-US" sz="3200" spc="-1" strike="noStrike">
-              <a:latin typeface="Arial"/>
-            </a:endParaRPr>
-          </a:p>
-        </p:txBody>
-      </p:sp>
-      <p:sp>
-        <p:nvSpPr>
-          <p:cNvPr id="51" name="PlaceHolder 3"/>
-          <p:cNvSpPr>
-            <a:spLocks noGrp="1"/>
-          </p:cNvSpPr>
-          <p:nvPr>
-            <p:ph type="body"/>
-          </p:nvPr>
-        </p:nvSpPr>
-        <p:spPr>
-          <a:xfrm>
-            <a:off x="6231960" y="1604520"/>
-            <a:ext cx="5354280" cy="3977280"/>
-          </a:xfrm>
-          <a:prstGeom prst="rect">
-            <a:avLst/>
-          </a:prstGeom>
-        </p:spPr>
-        <p:txBody>
-          <a:bodyPr lIns="0" rIns="0" tIns="0" bIns="0">
-            <a:normAutofit/>
-          </a:bodyPr>
-          <a:p>
-            <a:endParaRPr b="0" lang="en-US" sz="3200" spc="-1" strike="noStrike">
-              <a:latin typeface="Arial"/>
-            </a:endParaRPr>
-          </a:p>
-        </p:txBody>
-      </p:sp>
-      <p:sp>
-        <p:nvSpPr>
-          <p:cNvPr id="52" name="PlaceHolder 4"/>
-          <p:cNvSpPr>
-            <a:spLocks noGrp="1"/>
-          </p:cNvSpPr>
-          <p:nvPr>
-            <p:ph type="body"/>
-          </p:nvPr>
-        </p:nvSpPr>
-        <p:spPr>
-          <a:xfrm>
-            <a:off x="609480" y="3682080"/>
-            <a:ext cx="5354280" cy="1896840"/>
-          </a:xfrm>
-          <a:prstGeom prst="rect">
-            <a:avLst/>
-          </a:prstGeom>
-        </p:spPr>
-        <p:txBody>
-          <a:bodyPr lIns="0" rIns="0" tIns="0" bIns="0">
-            <a:normAutofit/>
-          </a:bodyPr>
-          <a:p>
-            <a:endParaRPr b="0" lang="en-US" sz="3200" spc="-1" strike="noStrike">
-              <a:latin typeface="Arial"/>
-            </a:endParaRPr>
-          </a:p>
-        </p:txBody>
-      </p:sp>
-    </p:spTree>
-  </p:cSld>
-</p:sldLayout>
-</file>
-
 <file path=ppt/slideLayouts/slideLayout2.xml><?xml version="1.0" encoding="utf-8"?>
 <p:sldLayout xmlns:a="http://schemas.openxmlformats.org/drawingml/2006/main" xmlns:p="http://schemas.openxmlformats.org/presentationml/2006/main" xmlns:r="http://schemas.openxmlformats.org/officeDocument/2006/relationships" xmlns:p14="http://schemas.microsoft.com/office/powerpoint/2010/main" xmlns:p15="http://schemas.microsoft.com/office/powerpoint/2012/main" xmlns:mc="http://schemas.openxmlformats.org/markup-compatibility/2006" type="tx" preserve="1">
   <p:cSld name="Title Slide">
@@ -1161,801 +628,6 @@
           <a:bodyPr lIns="0" rIns="0" tIns="0" bIns="0" anchor="ctr"/>
           <a:p>
             <a:pPr algn="ctr"/>
-            <a:endParaRPr b="0" lang="en-US" sz="3200" spc="-1" strike="noStrike">
-              <a:latin typeface="Arial"/>
-            </a:endParaRPr>
-          </a:p>
-        </p:txBody>
-      </p:sp>
-    </p:spTree>
-  </p:cSld>
-</p:sldLayout>
-</file>
-
-<file path=ppt/slideLayouts/slideLayout20.xml><?xml version="1.0" encoding="utf-8"?>
-<p:sldLayout xmlns:a="http://schemas.openxmlformats.org/drawingml/2006/main" xmlns:p="http://schemas.openxmlformats.org/presentationml/2006/main" xmlns:r="http://schemas.openxmlformats.org/officeDocument/2006/relationships" xmlns:p14="http://schemas.microsoft.com/office/powerpoint/2010/main" xmlns:p15="http://schemas.microsoft.com/office/powerpoint/2012/main" xmlns:mc="http://schemas.openxmlformats.org/markup-compatibility/2006" type="objAndTwoObj" preserve="1">
-  <p:cSld name="Title Content and 2 Content">
-    <p:spTree>
-      <p:nvGrpSpPr>
-        <p:cNvPr id="1" name=""/>
-        <p:cNvGrpSpPr/>
-        <p:nvPr/>
-      </p:nvGrpSpPr>
-      <p:grpSpPr>
-        <a:xfrm>
-          <a:off x="0" y="0"/>
-          <a:ext cx="0" cy="0"/>
-          <a:chOff x="0" y="0"/>
-          <a:chExt cx="0" cy="0"/>
-        </a:xfrm>
-      </p:grpSpPr>
-      <p:sp>
-        <p:nvSpPr>
-          <p:cNvPr id="53" name="PlaceHolder 1"/>
-          <p:cNvSpPr>
-            <a:spLocks noGrp="1"/>
-          </p:cNvSpPr>
-          <p:nvPr>
-            <p:ph type="title"/>
-          </p:nvPr>
-        </p:nvSpPr>
-        <p:spPr>
-          <a:xfrm>
-            <a:off x="609480" y="273600"/>
-            <a:ext cx="10972440" cy="1144800"/>
-          </a:xfrm>
-          <a:prstGeom prst="rect">
-            <a:avLst/>
-          </a:prstGeom>
-        </p:spPr>
-        <p:txBody>
-          <a:bodyPr lIns="0" rIns="0" tIns="0" bIns="0" anchor="ctr"/>
-          <a:p>
-            <a:pPr algn="ctr"/>
-            <a:endParaRPr b="0" lang="en-US" sz="4400" spc="-1" strike="noStrike">
-              <a:latin typeface="Arial"/>
-            </a:endParaRPr>
-          </a:p>
-        </p:txBody>
-      </p:sp>
-      <p:sp>
-        <p:nvSpPr>
-          <p:cNvPr id="54" name="PlaceHolder 2"/>
-          <p:cNvSpPr>
-            <a:spLocks noGrp="1"/>
-          </p:cNvSpPr>
-          <p:nvPr>
-            <p:ph type="body"/>
-          </p:nvPr>
-        </p:nvSpPr>
-        <p:spPr>
-          <a:xfrm>
-            <a:off x="609480" y="1604520"/>
-            <a:ext cx="5354280" cy="3977280"/>
-          </a:xfrm>
-          <a:prstGeom prst="rect">
-            <a:avLst/>
-          </a:prstGeom>
-        </p:spPr>
-        <p:txBody>
-          <a:bodyPr lIns="0" rIns="0" tIns="0" bIns="0">
-            <a:normAutofit/>
-          </a:bodyPr>
-          <a:p>
-            <a:endParaRPr b="0" lang="en-US" sz="3200" spc="-1" strike="noStrike">
-              <a:latin typeface="Arial"/>
-            </a:endParaRPr>
-          </a:p>
-        </p:txBody>
-      </p:sp>
-      <p:sp>
-        <p:nvSpPr>
-          <p:cNvPr id="55" name="PlaceHolder 3"/>
-          <p:cNvSpPr>
-            <a:spLocks noGrp="1"/>
-          </p:cNvSpPr>
-          <p:nvPr>
-            <p:ph type="body"/>
-          </p:nvPr>
-        </p:nvSpPr>
-        <p:spPr>
-          <a:xfrm>
-            <a:off x="6231960" y="1604520"/>
-            <a:ext cx="5354280" cy="1896840"/>
-          </a:xfrm>
-          <a:prstGeom prst="rect">
-            <a:avLst/>
-          </a:prstGeom>
-        </p:spPr>
-        <p:txBody>
-          <a:bodyPr lIns="0" rIns="0" tIns="0" bIns="0">
-            <a:normAutofit/>
-          </a:bodyPr>
-          <a:p>
-            <a:endParaRPr b="0" lang="en-US" sz="3200" spc="-1" strike="noStrike">
-              <a:latin typeface="Arial"/>
-            </a:endParaRPr>
-          </a:p>
-        </p:txBody>
-      </p:sp>
-      <p:sp>
-        <p:nvSpPr>
-          <p:cNvPr id="56" name="PlaceHolder 4"/>
-          <p:cNvSpPr>
-            <a:spLocks noGrp="1"/>
-          </p:cNvSpPr>
-          <p:nvPr>
-            <p:ph type="body"/>
-          </p:nvPr>
-        </p:nvSpPr>
-        <p:spPr>
-          <a:xfrm>
-            <a:off x="6231960" y="3682080"/>
-            <a:ext cx="5354280" cy="1896840"/>
-          </a:xfrm>
-          <a:prstGeom prst="rect">
-            <a:avLst/>
-          </a:prstGeom>
-        </p:spPr>
-        <p:txBody>
-          <a:bodyPr lIns="0" rIns="0" tIns="0" bIns="0">
-            <a:normAutofit/>
-          </a:bodyPr>
-          <a:p>
-            <a:endParaRPr b="0" lang="en-US" sz="3200" spc="-1" strike="noStrike">
-              <a:latin typeface="Arial"/>
-            </a:endParaRPr>
-          </a:p>
-        </p:txBody>
-      </p:sp>
-    </p:spTree>
-  </p:cSld>
-</p:sldLayout>
-</file>
-
-<file path=ppt/slideLayouts/slideLayout21.xml><?xml version="1.0" encoding="utf-8"?>
-<p:sldLayout xmlns:a="http://schemas.openxmlformats.org/drawingml/2006/main" xmlns:p="http://schemas.openxmlformats.org/presentationml/2006/main" xmlns:r="http://schemas.openxmlformats.org/officeDocument/2006/relationships" xmlns:p14="http://schemas.microsoft.com/office/powerpoint/2010/main" xmlns:p15="http://schemas.microsoft.com/office/powerpoint/2012/main" xmlns:mc="http://schemas.openxmlformats.org/markup-compatibility/2006" type="twoObjOverTx" preserve="1">
-  <p:cSld name="Title, 2 Content over Content">
-    <p:spTree>
-      <p:nvGrpSpPr>
-        <p:cNvPr id="1" name=""/>
-        <p:cNvGrpSpPr/>
-        <p:nvPr/>
-      </p:nvGrpSpPr>
-      <p:grpSpPr>
-        <a:xfrm>
-          <a:off x="0" y="0"/>
-          <a:ext cx="0" cy="0"/>
-          <a:chOff x="0" y="0"/>
-          <a:chExt cx="0" cy="0"/>
-        </a:xfrm>
-      </p:grpSpPr>
-      <p:sp>
-        <p:nvSpPr>
-          <p:cNvPr id="57" name="PlaceHolder 1"/>
-          <p:cNvSpPr>
-            <a:spLocks noGrp="1"/>
-          </p:cNvSpPr>
-          <p:nvPr>
-            <p:ph type="title"/>
-          </p:nvPr>
-        </p:nvSpPr>
-        <p:spPr>
-          <a:xfrm>
-            <a:off x="609480" y="273600"/>
-            <a:ext cx="10972440" cy="1144800"/>
-          </a:xfrm>
-          <a:prstGeom prst="rect">
-            <a:avLst/>
-          </a:prstGeom>
-        </p:spPr>
-        <p:txBody>
-          <a:bodyPr lIns="0" rIns="0" tIns="0" bIns="0" anchor="ctr"/>
-          <a:p>
-            <a:pPr algn="ctr"/>
-            <a:endParaRPr b="0" lang="en-US" sz="4400" spc="-1" strike="noStrike">
-              <a:latin typeface="Arial"/>
-            </a:endParaRPr>
-          </a:p>
-        </p:txBody>
-      </p:sp>
-      <p:sp>
-        <p:nvSpPr>
-          <p:cNvPr id="58" name="PlaceHolder 2"/>
-          <p:cNvSpPr>
-            <a:spLocks noGrp="1"/>
-          </p:cNvSpPr>
-          <p:nvPr>
-            <p:ph type="body"/>
-          </p:nvPr>
-        </p:nvSpPr>
-        <p:spPr>
-          <a:xfrm>
-            <a:off x="609480" y="1604520"/>
-            <a:ext cx="5354280" cy="1896840"/>
-          </a:xfrm>
-          <a:prstGeom prst="rect">
-            <a:avLst/>
-          </a:prstGeom>
-        </p:spPr>
-        <p:txBody>
-          <a:bodyPr lIns="0" rIns="0" tIns="0" bIns="0">
-            <a:normAutofit/>
-          </a:bodyPr>
-          <a:p>
-            <a:endParaRPr b="0" lang="en-US" sz="3200" spc="-1" strike="noStrike">
-              <a:latin typeface="Arial"/>
-            </a:endParaRPr>
-          </a:p>
-        </p:txBody>
-      </p:sp>
-      <p:sp>
-        <p:nvSpPr>
-          <p:cNvPr id="59" name="PlaceHolder 3"/>
-          <p:cNvSpPr>
-            <a:spLocks noGrp="1"/>
-          </p:cNvSpPr>
-          <p:nvPr>
-            <p:ph type="body"/>
-          </p:nvPr>
-        </p:nvSpPr>
-        <p:spPr>
-          <a:xfrm>
-            <a:off x="6231960" y="1604520"/>
-            <a:ext cx="5354280" cy="1896840"/>
-          </a:xfrm>
-          <a:prstGeom prst="rect">
-            <a:avLst/>
-          </a:prstGeom>
-        </p:spPr>
-        <p:txBody>
-          <a:bodyPr lIns="0" rIns="0" tIns="0" bIns="0">
-            <a:normAutofit/>
-          </a:bodyPr>
-          <a:p>
-            <a:endParaRPr b="0" lang="en-US" sz="3200" spc="-1" strike="noStrike">
-              <a:latin typeface="Arial"/>
-            </a:endParaRPr>
-          </a:p>
-        </p:txBody>
-      </p:sp>
-      <p:sp>
-        <p:nvSpPr>
-          <p:cNvPr id="60" name="PlaceHolder 4"/>
-          <p:cNvSpPr>
-            <a:spLocks noGrp="1"/>
-          </p:cNvSpPr>
-          <p:nvPr>
-            <p:ph type="body"/>
-          </p:nvPr>
-        </p:nvSpPr>
-        <p:spPr>
-          <a:xfrm>
-            <a:off x="609480" y="3682080"/>
-            <a:ext cx="10972440" cy="1896840"/>
-          </a:xfrm>
-          <a:prstGeom prst="rect">
-            <a:avLst/>
-          </a:prstGeom>
-        </p:spPr>
-        <p:txBody>
-          <a:bodyPr lIns="0" rIns="0" tIns="0" bIns="0">
-            <a:normAutofit/>
-          </a:bodyPr>
-          <a:p>
-            <a:endParaRPr b="0" lang="en-US" sz="3200" spc="-1" strike="noStrike">
-              <a:latin typeface="Arial"/>
-            </a:endParaRPr>
-          </a:p>
-        </p:txBody>
-      </p:sp>
-    </p:spTree>
-  </p:cSld>
-</p:sldLayout>
-</file>
-
-<file path=ppt/slideLayouts/slideLayout22.xml><?xml version="1.0" encoding="utf-8"?>
-<p:sldLayout xmlns:a="http://schemas.openxmlformats.org/drawingml/2006/main" xmlns:p="http://schemas.openxmlformats.org/presentationml/2006/main" xmlns:r="http://schemas.openxmlformats.org/officeDocument/2006/relationships" xmlns:p14="http://schemas.microsoft.com/office/powerpoint/2010/main" xmlns:p15="http://schemas.microsoft.com/office/powerpoint/2012/main" xmlns:mc="http://schemas.openxmlformats.org/markup-compatibility/2006" type="objOverTx" preserve="1">
-  <p:cSld name="Title, Content over Content">
-    <p:spTree>
-      <p:nvGrpSpPr>
-        <p:cNvPr id="1" name=""/>
-        <p:cNvGrpSpPr/>
-        <p:nvPr/>
-      </p:nvGrpSpPr>
-      <p:grpSpPr>
-        <a:xfrm>
-          <a:off x="0" y="0"/>
-          <a:ext cx="0" cy="0"/>
-          <a:chOff x="0" y="0"/>
-          <a:chExt cx="0" cy="0"/>
-        </a:xfrm>
-      </p:grpSpPr>
-      <p:sp>
-        <p:nvSpPr>
-          <p:cNvPr id="61" name="PlaceHolder 1"/>
-          <p:cNvSpPr>
-            <a:spLocks noGrp="1"/>
-          </p:cNvSpPr>
-          <p:nvPr>
-            <p:ph type="title"/>
-          </p:nvPr>
-        </p:nvSpPr>
-        <p:spPr>
-          <a:xfrm>
-            <a:off x="609480" y="273600"/>
-            <a:ext cx="10972440" cy="1144800"/>
-          </a:xfrm>
-          <a:prstGeom prst="rect">
-            <a:avLst/>
-          </a:prstGeom>
-        </p:spPr>
-        <p:txBody>
-          <a:bodyPr lIns="0" rIns="0" tIns="0" bIns="0" anchor="ctr"/>
-          <a:p>
-            <a:pPr algn="ctr"/>
-            <a:endParaRPr b="0" lang="en-US" sz="4400" spc="-1" strike="noStrike">
-              <a:latin typeface="Arial"/>
-            </a:endParaRPr>
-          </a:p>
-        </p:txBody>
-      </p:sp>
-      <p:sp>
-        <p:nvSpPr>
-          <p:cNvPr id="62" name="PlaceHolder 2"/>
-          <p:cNvSpPr>
-            <a:spLocks noGrp="1"/>
-          </p:cNvSpPr>
-          <p:nvPr>
-            <p:ph type="body"/>
-          </p:nvPr>
-        </p:nvSpPr>
-        <p:spPr>
-          <a:xfrm>
-            <a:off x="609480" y="1604520"/>
-            <a:ext cx="10972440" cy="1896840"/>
-          </a:xfrm>
-          <a:prstGeom prst="rect">
-            <a:avLst/>
-          </a:prstGeom>
-        </p:spPr>
-        <p:txBody>
-          <a:bodyPr lIns="0" rIns="0" tIns="0" bIns="0">
-            <a:normAutofit/>
-          </a:bodyPr>
-          <a:p>
-            <a:endParaRPr b="0" lang="en-US" sz="3200" spc="-1" strike="noStrike">
-              <a:latin typeface="Arial"/>
-            </a:endParaRPr>
-          </a:p>
-        </p:txBody>
-      </p:sp>
-      <p:sp>
-        <p:nvSpPr>
-          <p:cNvPr id="63" name="PlaceHolder 3"/>
-          <p:cNvSpPr>
-            <a:spLocks noGrp="1"/>
-          </p:cNvSpPr>
-          <p:nvPr>
-            <p:ph type="body"/>
-          </p:nvPr>
-        </p:nvSpPr>
-        <p:spPr>
-          <a:xfrm>
-            <a:off x="609480" y="3682080"/>
-            <a:ext cx="10972440" cy="1896840"/>
-          </a:xfrm>
-          <a:prstGeom prst="rect">
-            <a:avLst/>
-          </a:prstGeom>
-        </p:spPr>
-        <p:txBody>
-          <a:bodyPr lIns="0" rIns="0" tIns="0" bIns="0">
-            <a:normAutofit/>
-          </a:bodyPr>
-          <a:p>
-            <a:endParaRPr b="0" lang="en-US" sz="3200" spc="-1" strike="noStrike">
-              <a:latin typeface="Arial"/>
-            </a:endParaRPr>
-          </a:p>
-        </p:txBody>
-      </p:sp>
-    </p:spTree>
-  </p:cSld>
-</p:sldLayout>
-</file>
-
-<file path=ppt/slideLayouts/slideLayout23.xml><?xml version="1.0" encoding="utf-8"?>
-<p:sldLayout xmlns:a="http://schemas.openxmlformats.org/drawingml/2006/main" xmlns:p="http://schemas.openxmlformats.org/presentationml/2006/main" xmlns:r="http://schemas.openxmlformats.org/officeDocument/2006/relationships" xmlns:p14="http://schemas.microsoft.com/office/powerpoint/2010/main" xmlns:p15="http://schemas.microsoft.com/office/powerpoint/2012/main" xmlns:mc="http://schemas.openxmlformats.org/markup-compatibility/2006" type="fourObj" preserve="1">
-  <p:cSld name="Title, 4 Content">
-    <p:spTree>
-      <p:nvGrpSpPr>
-        <p:cNvPr id="1" name=""/>
-        <p:cNvGrpSpPr/>
-        <p:nvPr/>
-      </p:nvGrpSpPr>
-      <p:grpSpPr>
-        <a:xfrm>
-          <a:off x="0" y="0"/>
-          <a:ext cx="0" cy="0"/>
-          <a:chOff x="0" y="0"/>
-          <a:chExt cx="0" cy="0"/>
-        </a:xfrm>
-      </p:grpSpPr>
-      <p:sp>
-        <p:nvSpPr>
-          <p:cNvPr id="64" name="PlaceHolder 1"/>
-          <p:cNvSpPr>
-            <a:spLocks noGrp="1"/>
-          </p:cNvSpPr>
-          <p:nvPr>
-            <p:ph type="title"/>
-          </p:nvPr>
-        </p:nvSpPr>
-        <p:spPr>
-          <a:xfrm>
-            <a:off x="609480" y="273600"/>
-            <a:ext cx="10972440" cy="1144800"/>
-          </a:xfrm>
-          <a:prstGeom prst="rect">
-            <a:avLst/>
-          </a:prstGeom>
-        </p:spPr>
-        <p:txBody>
-          <a:bodyPr lIns="0" rIns="0" tIns="0" bIns="0" anchor="ctr"/>
-          <a:p>
-            <a:pPr algn="ctr"/>
-            <a:endParaRPr b="0" lang="en-US" sz="4400" spc="-1" strike="noStrike">
-              <a:latin typeface="Arial"/>
-            </a:endParaRPr>
-          </a:p>
-        </p:txBody>
-      </p:sp>
-      <p:sp>
-        <p:nvSpPr>
-          <p:cNvPr id="65" name="PlaceHolder 2"/>
-          <p:cNvSpPr>
-            <a:spLocks noGrp="1"/>
-          </p:cNvSpPr>
-          <p:nvPr>
-            <p:ph type="body"/>
-          </p:nvPr>
-        </p:nvSpPr>
-        <p:spPr>
-          <a:xfrm>
-            <a:off x="609480" y="1604520"/>
-            <a:ext cx="5354280" cy="1896840"/>
-          </a:xfrm>
-          <a:prstGeom prst="rect">
-            <a:avLst/>
-          </a:prstGeom>
-        </p:spPr>
-        <p:txBody>
-          <a:bodyPr lIns="0" rIns="0" tIns="0" bIns="0">
-            <a:normAutofit/>
-          </a:bodyPr>
-          <a:p>
-            <a:endParaRPr b="0" lang="en-US" sz="3200" spc="-1" strike="noStrike">
-              <a:latin typeface="Arial"/>
-            </a:endParaRPr>
-          </a:p>
-        </p:txBody>
-      </p:sp>
-      <p:sp>
-        <p:nvSpPr>
-          <p:cNvPr id="66" name="PlaceHolder 3"/>
-          <p:cNvSpPr>
-            <a:spLocks noGrp="1"/>
-          </p:cNvSpPr>
-          <p:nvPr>
-            <p:ph type="body"/>
-          </p:nvPr>
-        </p:nvSpPr>
-        <p:spPr>
-          <a:xfrm>
-            <a:off x="6231960" y="1604520"/>
-            <a:ext cx="5354280" cy="1896840"/>
-          </a:xfrm>
-          <a:prstGeom prst="rect">
-            <a:avLst/>
-          </a:prstGeom>
-        </p:spPr>
-        <p:txBody>
-          <a:bodyPr lIns="0" rIns="0" tIns="0" bIns="0">
-            <a:normAutofit/>
-          </a:bodyPr>
-          <a:p>
-            <a:endParaRPr b="0" lang="en-US" sz="3200" spc="-1" strike="noStrike">
-              <a:latin typeface="Arial"/>
-            </a:endParaRPr>
-          </a:p>
-        </p:txBody>
-      </p:sp>
-      <p:sp>
-        <p:nvSpPr>
-          <p:cNvPr id="67" name="PlaceHolder 4"/>
-          <p:cNvSpPr>
-            <a:spLocks noGrp="1"/>
-          </p:cNvSpPr>
-          <p:nvPr>
-            <p:ph type="body"/>
-          </p:nvPr>
-        </p:nvSpPr>
-        <p:spPr>
-          <a:xfrm>
-            <a:off x="609480" y="3682080"/>
-            <a:ext cx="5354280" cy="1896840"/>
-          </a:xfrm>
-          <a:prstGeom prst="rect">
-            <a:avLst/>
-          </a:prstGeom>
-        </p:spPr>
-        <p:txBody>
-          <a:bodyPr lIns="0" rIns="0" tIns="0" bIns="0">
-            <a:normAutofit/>
-          </a:bodyPr>
-          <a:p>
-            <a:endParaRPr b="0" lang="en-US" sz="3200" spc="-1" strike="noStrike">
-              <a:latin typeface="Arial"/>
-            </a:endParaRPr>
-          </a:p>
-        </p:txBody>
-      </p:sp>
-      <p:sp>
-        <p:nvSpPr>
-          <p:cNvPr id="68" name="PlaceHolder 5"/>
-          <p:cNvSpPr>
-            <a:spLocks noGrp="1"/>
-          </p:cNvSpPr>
-          <p:nvPr>
-            <p:ph type="body"/>
-          </p:nvPr>
-        </p:nvSpPr>
-        <p:spPr>
-          <a:xfrm>
-            <a:off x="6231960" y="3682080"/>
-            <a:ext cx="5354280" cy="1896840"/>
-          </a:xfrm>
-          <a:prstGeom prst="rect">
-            <a:avLst/>
-          </a:prstGeom>
-        </p:spPr>
-        <p:txBody>
-          <a:bodyPr lIns="0" rIns="0" tIns="0" bIns="0">
-            <a:normAutofit/>
-          </a:bodyPr>
-          <a:p>
-            <a:endParaRPr b="0" lang="en-US" sz="3200" spc="-1" strike="noStrike">
-              <a:latin typeface="Arial"/>
-            </a:endParaRPr>
-          </a:p>
-        </p:txBody>
-      </p:sp>
-    </p:spTree>
-  </p:cSld>
-</p:sldLayout>
-</file>
-
-<file path=ppt/slideLayouts/slideLayout24.xml><?xml version="1.0" encoding="utf-8"?>
-<p:sldLayout xmlns:a="http://schemas.openxmlformats.org/drawingml/2006/main" xmlns:p="http://schemas.openxmlformats.org/presentationml/2006/main" xmlns:r="http://schemas.openxmlformats.org/officeDocument/2006/relationships" xmlns:p14="http://schemas.microsoft.com/office/powerpoint/2010/main" xmlns:p15="http://schemas.microsoft.com/office/powerpoint/2012/main" xmlns:mc="http://schemas.openxmlformats.org/markup-compatibility/2006" type="blank" preserve="1">
-  <p:cSld name="Title, 6 Content">
-    <p:spTree>
-      <p:nvGrpSpPr>
-        <p:cNvPr id="1" name=""/>
-        <p:cNvGrpSpPr/>
-        <p:nvPr/>
-      </p:nvGrpSpPr>
-      <p:grpSpPr>
-        <a:xfrm>
-          <a:off x="0" y="0"/>
-          <a:ext cx="0" cy="0"/>
-          <a:chOff x="0" y="0"/>
-          <a:chExt cx="0" cy="0"/>
-        </a:xfrm>
-      </p:grpSpPr>
-      <p:sp>
-        <p:nvSpPr>
-          <p:cNvPr id="69" name="PlaceHolder 1"/>
-          <p:cNvSpPr>
-            <a:spLocks noGrp="1"/>
-          </p:cNvSpPr>
-          <p:nvPr>
-            <p:ph type="title"/>
-          </p:nvPr>
-        </p:nvSpPr>
-        <p:spPr>
-          <a:xfrm>
-            <a:off x="609480" y="273600"/>
-            <a:ext cx="10972440" cy="1144800"/>
-          </a:xfrm>
-          <a:prstGeom prst="rect">
-            <a:avLst/>
-          </a:prstGeom>
-        </p:spPr>
-        <p:txBody>
-          <a:bodyPr lIns="0" rIns="0" tIns="0" bIns="0" anchor="ctr"/>
-          <a:p>
-            <a:pPr algn="ctr"/>
-            <a:endParaRPr b="0" lang="en-US" sz="4400" spc="-1" strike="noStrike">
-              <a:latin typeface="Arial"/>
-            </a:endParaRPr>
-          </a:p>
-        </p:txBody>
-      </p:sp>
-      <p:sp>
-        <p:nvSpPr>
-          <p:cNvPr id="70" name="PlaceHolder 2"/>
-          <p:cNvSpPr>
-            <a:spLocks noGrp="1"/>
-          </p:cNvSpPr>
-          <p:nvPr>
-            <p:ph type="body"/>
-          </p:nvPr>
-        </p:nvSpPr>
-        <p:spPr>
-          <a:xfrm>
-            <a:off x="609480" y="1604520"/>
-            <a:ext cx="3533040" cy="1896840"/>
-          </a:xfrm>
-          <a:prstGeom prst="rect">
-            <a:avLst/>
-          </a:prstGeom>
-        </p:spPr>
-        <p:txBody>
-          <a:bodyPr lIns="0" rIns="0" tIns="0" bIns="0">
-            <a:normAutofit/>
-          </a:bodyPr>
-          <a:p>
-            <a:endParaRPr b="0" lang="en-US" sz="3200" spc="-1" strike="noStrike">
-              <a:latin typeface="Arial"/>
-            </a:endParaRPr>
-          </a:p>
-        </p:txBody>
-      </p:sp>
-      <p:sp>
-        <p:nvSpPr>
-          <p:cNvPr id="71" name="PlaceHolder 3"/>
-          <p:cNvSpPr>
-            <a:spLocks noGrp="1"/>
-          </p:cNvSpPr>
-          <p:nvPr>
-            <p:ph type="body"/>
-          </p:nvPr>
-        </p:nvSpPr>
-        <p:spPr>
-          <a:xfrm>
-            <a:off x="4319640" y="1604520"/>
-            <a:ext cx="3533040" cy="1896840"/>
-          </a:xfrm>
-          <a:prstGeom prst="rect">
-            <a:avLst/>
-          </a:prstGeom>
-        </p:spPr>
-        <p:txBody>
-          <a:bodyPr lIns="0" rIns="0" tIns="0" bIns="0">
-            <a:normAutofit/>
-          </a:bodyPr>
-          <a:p>
-            <a:endParaRPr b="0" lang="en-US" sz="3200" spc="-1" strike="noStrike">
-              <a:latin typeface="Arial"/>
-            </a:endParaRPr>
-          </a:p>
-        </p:txBody>
-      </p:sp>
-      <p:sp>
-        <p:nvSpPr>
-          <p:cNvPr id="72" name="PlaceHolder 4"/>
-          <p:cNvSpPr>
-            <a:spLocks noGrp="1"/>
-          </p:cNvSpPr>
-          <p:nvPr>
-            <p:ph type="body"/>
-          </p:nvPr>
-        </p:nvSpPr>
-        <p:spPr>
-          <a:xfrm>
-            <a:off x="8029800" y="1604520"/>
-            <a:ext cx="3533040" cy="1896840"/>
-          </a:xfrm>
-          <a:prstGeom prst="rect">
-            <a:avLst/>
-          </a:prstGeom>
-        </p:spPr>
-        <p:txBody>
-          <a:bodyPr lIns="0" rIns="0" tIns="0" bIns="0">
-            <a:normAutofit/>
-          </a:bodyPr>
-          <a:p>
-            <a:endParaRPr b="0" lang="en-US" sz="3200" spc="-1" strike="noStrike">
-              <a:latin typeface="Arial"/>
-            </a:endParaRPr>
-          </a:p>
-        </p:txBody>
-      </p:sp>
-      <p:sp>
-        <p:nvSpPr>
-          <p:cNvPr id="73" name="PlaceHolder 5"/>
-          <p:cNvSpPr>
-            <a:spLocks noGrp="1"/>
-          </p:cNvSpPr>
-          <p:nvPr>
-            <p:ph type="body"/>
-          </p:nvPr>
-        </p:nvSpPr>
-        <p:spPr>
-          <a:xfrm>
-            <a:off x="609480" y="3682080"/>
-            <a:ext cx="3533040" cy="1896840"/>
-          </a:xfrm>
-          <a:prstGeom prst="rect">
-            <a:avLst/>
-          </a:prstGeom>
-        </p:spPr>
-        <p:txBody>
-          <a:bodyPr lIns="0" rIns="0" tIns="0" bIns="0">
-            <a:normAutofit/>
-          </a:bodyPr>
-          <a:p>
-            <a:endParaRPr b="0" lang="en-US" sz="3200" spc="-1" strike="noStrike">
-              <a:latin typeface="Arial"/>
-            </a:endParaRPr>
-          </a:p>
-        </p:txBody>
-      </p:sp>
-      <p:sp>
-        <p:nvSpPr>
-          <p:cNvPr id="74" name="PlaceHolder 6"/>
-          <p:cNvSpPr>
-            <a:spLocks noGrp="1"/>
-          </p:cNvSpPr>
-          <p:nvPr>
-            <p:ph type="body"/>
-          </p:nvPr>
-        </p:nvSpPr>
-        <p:spPr>
-          <a:xfrm>
-            <a:off x="4319640" y="3682080"/>
-            <a:ext cx="3533040" cy="1896840"/>
-          </a:xfrm>
-          <a:prstGeom prst="rect">
-            <a:avLst/>
-          </a:prstGeom>
-        </p:spPr>
-        <p:txBody>
-          <a:bodyPr lIns="0" rIns="0" tIns="0" bIns="0">
-            <a:normAutofit/>
-          </a:bodyPr>
-          <a:p>
-            <a:endParaRPr b="0" lang="en-US" sz="3200" spc="-1" strike="noStrike">
-              <a:latin typeface="Arial"/>
-            </a:endParaRPr>
-          </a:p>
-        </p:txBody>
-      </p:sp>
-      <p:sp>
-        <p:nvSpPr>
-          <p:cNvPr id="75" name="PlaceHolder 7"/>
-          <p:cNvSpPr>
-            <a:spLocks noGrp="1"/>
-          </p:cNvSpPr>
-          <p:nvPr>
-            <p:ph type="body"/>
-          </p:nvPr>
-        </p:nvSpPr>
-        <p:spPr>
-          <a:xfrm>
-            <a:off x="8029800" y="3682080"/>
-            <a:ext cx="3533040" cy="1896840"/>
-          </a:xfrm>
-          <a:prstGeom prst="rect">
-            <a:avLst/>
-          </a:prstGeom>
-        </p:spPr>
-        <p:txBody>
-          <a:bodyPr lIns="0" rIns="0" tIns="0" bIns="0">
-            <a:normAutofit/>
-          </a:bodyPr>
-          <a:p>
             <a:endParaRPr b="0" lang="en-US" sz="3200" spc="-1" strike="noStrike">
               <a:latin typeface="Arial"/>
             </a:endParaRPr>
@@ -2735,19 +1407,7 @@
               <a:rPr b="0" lang="en-US" sz="4400" spc="-1" strike="noStrike">
                 <a:latin typeface="Arial"/>
               </a:rPr>
-              <a:t>Click to edit </a:t>
-            </a:r>
-            <a:r>
-              <a:rPr b="0" lang="en-US" sz="4400" spc="-1" strike="noStrike">
-                <a:latin typeface="Arial"/>
-              </a:rPr>
-              <a:t>the title text </a:t>
-            </a:r>
-            <a:r>
-              <a:rPr b="0" lang="en-US" sz="4400" spc="-1" strike="noStrike">
-                <a:latin typeface="Arial"/>
-              </a:rPr>
-              <a:t>format</a:t>
+              <a:t>Click to edit the title text format</a:t>
             </a:r>
             <a:endParaRPr b="0" lang="en-US" sz="4400" spc="-1" strike="noStrike">
               <a:latin typeface="Arial"/>
@@ -2954,264 +1614,6 @@
 </p:sldMaster>
 </file>
 
-<file path=ppt/slideMasters/slideMaster2.xml><?xml version="1.0" encoding="utf-8"?>
-<p:sldMaster xmlns:a="http://schemas.openxmlformats.org/drawingml/2006/main" xmlns:p="http://schemas.openxmlformats.org/presentationml/2006/main" xmlns:r="http://schemas.openxmlformats.org/officeDocument/2006/relationships" xmlns:p14="http://schemas.microsoft.com/office/powerpoint/2010/main" xmlns:p15="http://schemas.microsoft.com/office/powerpoint/2012/main" xmlns:mc="http://schemas.openxmlformats.org/markup-compatibility/2006">
-  <p:cSld>
-    <p:bg>
-      <p:bgPr>
-        <a:solidFill>
-          <a:srgbClr val="ffffff"/>
-        </a:solidFill>
-      </p:bgPr>
-    </p:bg>
-    <p:spTree>
-      <p:nvGrpSpPr>
-        <p:cNvPr id="1" name=""/>
-        <p:cNvGrpSpPr/>
-        <p:nvPr/>
-      </p:nvGrpSpPr>
-      <p:grpSpPr>
-        <a:xfrm>
-          <a:off x="0" y="0"/>
-          <a:ext cx="0" cy="0"/>
-          <a:chOff x="0" y="0"/>
-          <a:chExt cx="0" cy="0"/>
-        </a:xfrm>
-      </p:grpSpPr>
-      <p:sp>
-        <p:nvSpPr>
-          <p:cNvPr id="38" name="PlaceHolder 1"/>
-          <p:cNvSpPr>
-            <a:spLocks noGrp="1"/>
-          </p:cNvSpPr>
-          <p:nvPr>
-            <p:ph type="title"/>
-          </p:nvPr>
-        </p:nvSpPr>
-        <p:spPr>
-          <a:xfrm>
-            <a:off x="609480" y="273600"/>
-            <a:ext cx="10972440" cy="1144800"/>
-          </a:xfrm>
-          <a:prstGeom prst="rect">
-            <a:avLst/>
-          </a:prstGeom>
-        </p:spPr>
-        <p:txBody>
-          <a:bodyPr lIns="0" rIns="0" tIns="0" bIns="0" anchor="ctr"/>
-          <a:p>
-            <a:pPr algn="ctr"/>
-            <a:r>
-              <a:rPr b="0" lang="en-US" sz="4400" spc="-1" strike="noStrike">
-                <a:latin typeface="Arial"/>
-              </a:rPr>
-              <a:t>Click to edit the title text format</a:t>
-            </a:r>
-            <a:endParaRPr b="0" lang="en-US" sz="4400" spc="-1" strike="noStrike">
-              <a:latin typeface="Arial"/>
-            </a:endParaRPr>
-          </a:p>
-        </p:txBody>
-      </p:sp>
-      <p:sp>
-        <p:nvSpPr>
-          <p:cNvPr id="39" name="PlaceHolder 2"/>
-          <p:cNvSpPr>
-            <a:spLocks noGrp="1"/>
-          </p:cNvSpPr>
-          <p:nvPr>
-            <p:ph type="body"/>
-          </p:nvPr>
-        </p:nvSpPr>
-        <p:spPr>
-          <a:xfrm>
-            <a:off x="609480" y="1604520"/>
-            <a:ext cx="10972440" cy="3977280"/>
-          </a:xfrm>
-          <a:prstGeom prst="rect">
-            <a:avLst/>
-          </a:prstGeom>
-        </p:spPr>
-        <p:txBody>
-          <a:bodyPr lIns="0" rIns="0" tIns="0" bIns="0">
-            <a:normAutofit/>
-          </a:bodyPr>
-          <a:p>
-            <a:pPr marL="432000" indent="-324000">
-              <a:spcBef>
-                <a:spcPts val="1417"/>
-              </a:spcBef>
-              <a:buClr>
-                <a:srgbClr val="000000"/>
-              </a:buClr>
-              <a:buSzPct val="45000"/>
-              <a:buFont typeface="Wingdings" charset="2"/>
-              <a:buChar char=""/>
-            </a:pPr>
-            <a:r>
-              <a:rPr b="0" lang="en-US" sz="3200" spc="-1" strike="noStrike">
-                <a:latin typeface="Arial"/>
-              </a:rPr>
-              <a:t>Click to edit the outline text format</a:t>
-            </a:r>
-            <a:endParaRPr b="0" lang="en-US" sz="3200" spc="-1" strike="noStrike">
-              <a:latin typeface="Arial"/>
-            </a:endParaRPr>
-          </a:p>
-          <a:p>
-            <a:pPr lvl="1" marL="864000" indent="-324000">
-              <a:spcBef>
-                <a:spcPts val="1134"/>
-              </a:spcBef>
-              <a:buClr>
-                <a:srgbClr val="000000"/>
-              </a:buClr>
-              <a:buSzPct val="75000"/>
-              <a:buFont typeface="Symbol" charset="2"/>
-              <a:buChar char=""/>
-            </a:pPr>
-            <a:r>
-              <a:rPr b="0" lang="en-US" sz="2800" spc="-1" strike="noStrike">
-                <a:latin typeface="Arial"/>
-              </a:rPr>
-              <a:t>Second Outline Level</a:t>
-            </a:r>
-            <a:endParaRPr b="0" lang="en-US" sz="2800" spc="-1" strike="noStrike">
-              <a:latin typeface="Arial"/>
-            </a:endParaRPr>
-          </a:p>
-          <a:p>
-            <a:pPr lvl="2" marL="1296000" indent="-288000">
-              <a:spcBef>
-                <a:spcPts val="850"/>
-              </a:spcBef>
-              <a:buClr>
-                <a:srgbClr val="000000"/>
-              </a:buClr>
-              <a:buSzPct val="45000"/>
-              <a:buFont typeface="Wingdings" charset="2"/>
-              <a:buChar char=""/>
-            </a:pPr>
-            <a:r>
-              <a:rPr b="0" lang="en-US" sz="2400" spc="-1" strike="noStrike">
-                <a:latin typeface="Arial"/>
-              </a:rPr>
-              <a:t>Third Outline Level</a:t>
-            </a:r>
-            <a:endParaRPr b="0" lang="en-US" sz="2400" spc="-1" strike="noStrike">
-              <a:latin typeface="Arial"/>
-            </a:endParaRPr>
-          </a:p>
-          <a:p>
-            <a:pPr lvl="3" marL="1728000" indent="-216000">
-              <a:spcBef>
-                <a:spcPts val="567"/>
-              </a:spcBef>
-              <a:buClr>
-                <a:srgbClr val="000000"/>
-              </a:buClr>
-              <a:buSzPct val="75000"/>
-              <a:buFont typeface="Symbol" charset="2"/>
-              <a:buChar char=""/>
-            </a:pPr>
-            <a:r>
-              <a:rPr b="0" lang="en-US" sz="2000" spc="-1" strike="noStrike">
-                <a:latin typeface="Arial"/>
-              </a:rPr>
-              <a:t>Fourth Outline Level</a:t>
-            </a:r>
-            <a:endParaRPr b="0" lang="en-US" sz="2000" spc="-1" strike="noStrike">
-              <a:latin typeface="Arial"/>
-            </a:endParaRPr>
-          </a:p>
-          <a:p>
-            <a:pPr lvl="4" marL="2160000" indent="-216000">
-              <a:spcBef>
-                <a:spcPts val="283"/>
-              </a:spcBef>
-              <a:buClr>
-                <a:srgbClr val="000000"/>
-              </a:buClr>
-              <a:buSzPct val="45000"/>
-              <a:buFont typeface="Wingdings" charset="2"/>
-              <a:buChar char=""/>
-            </a:pPr>
-            <a:r>
-              <a:rPr b="0" lang="en-US" sz="2000" spc="-1" strike="noStrike">
-                <a:latin typeface="Arial"/>
-              </a:rPr>
-              <a:t>Fifth Outline Level</a:t>
-            </a:r>
-            <a:endParaRPr b="0" lang="en-US" sz="2000" spc="-1" strike="noStrike">
-              <a:latin typeface="Arial"/>
-            </a:endParaRPr>
-          </a:p>
-          <a:p>
-            <a:pPr lvl="5" marL="2592000" indent="-216000">
-              <a:spcBef>
-                <a:spcPts val="283"/>
-              </a:spcBef>
-              <a:buClr>
-                <a:srgbClr val="000000"/>
-              </a:buClr>
-              <a:buSzPct val="45000"/>
-              <a:buFont typeface="Wingdings" charset="2"/>
-              <a:buChar char=""/>
-            </a:pPr>
-            <a:r>
-              <a:rPr b="0" lang="en-US" sz="2000" spc="-1" strike="noStrike">
-                <a:latin typeface="Arial"/>
-              </a:rPr>
-              <a:t>Sixth Outline Level</a:t>
-            </a:r>
-            <a:endParaRPr b="0" lang="en-US" sz="2000" spc="-1" strike="noStrike">
-              <a:latin typeface="Arial"/>
-            </a:endParaRPr>
-          </a:p>
-          <a:p>
-            <a:pPr lvl="6" marL="3024000" indent="-216000">
-              <a:spcBef>
-                <a:spcPts val="283"/>
-              </a:spcBef>
-              <a:buClr>
-                <a:srgbClr val="000000"/>
-              </a:buClr>
-              <a:buSzPct val="45000"/>
-              <a:buFont typeface="Wingdings" charset="2"/>
-              <a:buChar char=""/>
-            </a:pPr>
-            <a:r>
-              <a:rPr b="0" lang="en-US" sz="2000" spc="-1" strike="noStrike">
-                <a:latin typeface="Arial"/>
-              </a:rPr>
-              <a:t>Seventh Outline Level</a:t>
-            </a:r>
-            <a:endParaRPr b="0" lang="en-US" sz="2000" spc="-1" strike="noStrike">
-              <a:latin typeface="Arial"/>
-            </a:endParaRPr>
-          </a:p>
-        </p:txBody>
-      </p:sp>
-    </p:spTree>
-  </p:cSld>
-  <p:clrMap bg1="lt1" bg2="lt2" tx1="dk1" tx2="dk2" accent1="accent1" accent2="accent2" accent3="accent3" accent4="accent4" accent5="accent5" accent6="accent6" hlink="hlink" folHlink="folHlink"/>
-  <p:sldLayoutIdLst>
-    <p:sldLayoutId id="2147483662" r:id="rId2"/>
-    <p:sldLayoutId id="2147483663" r:id="rId3"/>
-    <p:sldLayoutId id="2147483664" r:id="rId4"/>
-    <p:sldLayoutId id="2147483665" r:id="rId5"/>
-    <p:sldLayoutId id="2147483666" r:id="rId6"/>
-    <p:sldLayoutId id="2147483667" r:id="rId7"/>
-    <p:sldLayoutId id="2147483668" r:id="rId8"/>
-    <p:sldLayoutId id="2147483669" r:id="rId9"/>
-    <p:sldLayoutId id="2147483670" r:id="rId10"/>
-    <p:sldLayoutId id="2147483671" r:id="rId11"/>
-    <p:sldLayoutId id="2147483672" r:id="rId12"/>
-    <p:sldLayoutId id="2147483673" r:id="rId13"/>
-  </p:sldLayoutIdLst>
-</p:sldMaster>
-</file>
-
 <file path=ppt/slides/slide1.xml><?xml version="1.0" encoding="utf-8"?>
 <p:sld xmlns:a="http://schemas.openxmlformats.org/drawingml/2006/main" xmlns:p="http://schemas.openxmlformats.org/presentationml/2006/main" xmlns:r="http://schemas.openxmlformats.org/officeDocument/2006/relationships" xmlns:p14="http://schemas.microsoft.com/office/powerpoint/2010/main" xmlns:p15="http://schemas.microsoft.com/office/powerpoint/2012/main" xmlns:mc="http://schemas.openxmlformats.org/markup-compatibility/2006">
   <p:cSld>
@@ -3231,7 +1633,7 @@
       </p:grpSpPr>
       <p:pic>
         <p:nvPicPr>
-          <p:cNvPr id="76" name="Picture 12" descr=""/>
+          <p:cNvPr id="38" name="Picture 12" descr=""/>
           <p:cNvPicPr/>
           <p:nvPr/>
         </p:nvPicPr>
@@ -3242,7 +1644,7 @@
         <p:spPr>
           <a:xfrm>
             <a:off x="343080" y="125640"/>
-            <a:ext cx="1158480" cy="1158480"/>
+            <a:ext cx="1158120" cy="1158120"/>
           </a:xfrm>
           <a:prstGeom prst="rect">
             <a:avLst/>
@@ -3254,14 +1656,14 @@
       </p:pic>
       <p:sp>
         <p:nvSpPr>
-          <p:cNvPr id="77" name="CustomShape 1"/>
+          <p:cNvPr id="39" name="CustomShape 1"/>
           <p:cNvSpPr/>
           <p:nvPr/>
         </p:nvSpPr>
         <p:spPr>
           <a:xfrm>
             <a:off x="3934440" y="1196640"/>
-            <a:ext cx="7770240" cy="1467720"/>
+            <a:ext cx="7769880" cy="1467360"/>
           </a:xfrm>
           <a:prstGeom prst="rect">
             <a:avLst/>
@@ -3325,14 +1727,14 @@
       </p:sp>
       <p:sp>
         <p:nvSpPr>
-          <p:cNvPr id="78" name="CustomShape 2"/>
+          <p:cNvPr id="40" name="CustomShape 2"/>
           <p:cNvSpPr/>
           <p:nvPr/>
         </p:nvSpPr>
         <p:spPr>
           <a:xfrm>
             <a:off x="5228280" y="4725000"/>
-            <a:ext cx="6398640" cy="1102320"/>
+            <a:ext cx="6398280" cy="1101960"/>
           </a:xfrm>
           <a:prstGeom prst="rect">
             <a:avLst/>
@@ -3386,6 +1788,1978 @@
           <p:childTnLst>
             <p:seq>
               <p:cTn id="2" dur="indefinite" nodeType="mainSeq"/>
+              <p:prevCondLst>
+                <p:cond delay="0" evt="onPrev">
+                  <p:tgtEl>
+                    <p:sldTgt/>
+                  </p:tgtEl>
+                </p:cond>
+              </p:prevCondLst>
+              <p:nextCondLst>
+                <p:cond delay="0" evt="onNext">
+                  <p:tgtEl>
+                    <p:sldTgt/>
+                  </p:tgtEl>
+                </p:cond>
+              </p:nextCondLst>
+            </p:seq>
+          </p:childTnLst>
+        </p:cTn>
+      </p:par>
+    </p:tnLst>
+  </p:timing>
+</p:sld>
+</file>
+
+<file path=ppt/slides/slide10.xml><?xml version="1.0" encoding="utf-8"?>
+<p:sld xmlns:a="http://schemas.openxmlformats.org/drawingml/2006/main" xmlns:p="http://schemas.openxmlformats.org/presentationml/2006/main" xmlns:r="http://schemas.openxmlformats.org/officeDocument/2006/relationships" xmlns:p14="http://schemas.microsoft.com/office/powerpoint/2010/main" xmlns:p15="http://schemas.microsoft.com/office/powerpoint/2012/main" xmlns:mc="http://schemas.openxmlformats.org/markup-compatibility/2006">
+  <p:cSld>
+    <p:spTree>
+      <p:nvGrpSpPr>
+        <p:cNvPr id="1" name=""/>
+        <p:cNvGrpSpPr/>
+        <p:nvPr/>
+      </p:nvGrpSpPr>
+      <p:grpSpPr>
+        <a:xfrm>
+          <a:off x="0" y="0"/>
+          <a:ext cx="0" cy="0"/>
+          <a:chOff x="0" y="0"/>
+          <a:chExt cx="0" cy="0"/>
+        </a:xfrm>
+      </p:grpSpPr>
+      <p:pic>
+        <p:nvPicPr>
+          <p:cNvPr id="100" name="Picture 12" descr=""/>
+          <p:cNvPicPr/>
+          <p:nvPr/>
+        </p:nvPicPr>
+        <p:blipFill>
+          <a:blip r:embed="rId1"/>
+          <a:stretch/>
+        </p:blipFill>
+        <p:spPr>
+          <a:xfrm>
+            <a:off x="343080" y="125640"/>
+            <a:ext cx="1158840" cy="1158840"/>
+          </a:xfrm>
+          <a:prstGeom prst="rect">
+            <a:avLst/>
+          </a:prstGeom>
+          <a:ln>
+            <a:noFill/>
+          </a:ln>
+        </p:spPr>
+      </p:pic>
+      <p:sp>
+        <p:nvSpPr>
+          <p:cNvPr id="101" name="CustomShape 1"/>
+          <p:cNvSpPr/>
+          <p:nvPr/>
+        </p:nvSpPr>
+        <p:spPr>
+          <a:xfrm>
+            <a:off x="1737360" y="382680"/>
+            <a:ext cx="1020960" cy="637560"/>
+          </a:xfrm>
+          <a:prstGeom prst="rect">
+            <a:avLst/>
+          </a:prstGeom>
+          <a:noFill/>
+          <a:ln>
+            <a:noFill/>
+          </a:ln>
+        </p:spPr>
+        <p:style>
+          <a:lnRef idx="0"/>
+          <a:fillRef idx="0"/>
+          <a:effectRef idx="0"/>
+          <a:fontRef idx="minor"/>
+        </p:style>
+        <p:txBody>
+          <a:bodyPr wrap="none" lIns="90000" rIns="90000" tIns="45000" bIns="45000"/>
+          <a:p>
+            <a:pPr>
+              <a:lnSpc>
+                <a:spcPct val="100000"/>
+              </a:lnSpc>
+            </a:pPr>
+            <a:r>
+              <a:rPr b="0" lang="en-US" sz="3600" spc="-1" strike="noStrike">
+                <a:solidFill>
+                  <a:srgbClr val="000000"/>
+                </a:solidFill>
+                <a:latin typeface="맑은 고딕"/>
+                <a:ea typeface="DejaVu Sans"/>
+              </a:rPr>
+              <a:t>ROS 1&lt;-&gt;2 bridge </a:t>
+            </a:r>
+            <a:r>
+              <a:rPr b="0" lang="en-US" sz="3600" spc="-1" strike="noStrike">
+                <a:solidFill>
+                  <a:srgbClr val="000000"/>
+                </a:solidFill>
+                <a:latin typeface="맑은 고딕"/>
+                <a:ea typeface="DejaVu Sans"/>
+              </a:rPr>
+              <a:t>돌려보기</a:t>
+            </a:r>
+            <a:endParaRPr b="0" lang="en-US" sz="3600" spc="-1" strike="noStrike">
+              <a:latin typeface="Arial"/>
+            </a:endParaRPr>
+          </a:p>
+        </p:txBody>
+      </p:sp>
+      <p:sp>
+        <p:nvSpPr>
+          <p:cNvPr id="102" name="CustomShape 2"/>
+          <p:cNvSpPr/>
+          <p:nvPr/>
+        </p:nvSpPr>
+        <p:spPr>
+          <a:xfrm>
+            <a:off x="1188720" y="3383280"/>
+            <a:ext cx="9784080" cy="3017520"/>
+          </a:xfrm>
+          <a:prstGeom prst="rect">
+            <a:avLst/>
+          </a:prstGeom>
+          <a:noFill/>
+          <a:ln>
+            <a:noFill/>
+          </a:ln>
+        </p:spPr>
+        <p:style>
+          <a:lnRef idx="0"/>
+          <a:fillRef idx="0"/>
+          <a:effectRef idx="0"/>
+          <a:fontRef idx="minor"/>
+        </p:style>
+        <p:txBody>
+          <a:bodyPr lIns="90000" rIns="90000" tIns="45000" bIns="45000">
+            <a:normAutofit/>
+          </a:bodyPr>
+          <a:p>
+            <a:pPr>
+              <a:lnSpc>
+                <a:spcPct val="100000"/>
+              </a:lnSpc>
+              <a:spcBef>
+                <a:spcPts val="479"/>
+              </a:spcBef>
+            </a:pPr>
+            <a:r>
+              <a:rPr b="0" lang="en-US" sz="1800" spc="-1" strike="noStrike">
+                <a:solidFill>
+                  <a:srgbClr val="000000"/>
+                </a:solidFill>
+                <a:latin typeface="Arial"/>
+                <a:ea typeface="DejaVu Sans"/>
+              </a:rPr>
+              <a:t>[1] $ sudo apt-get install ros-crystal-ros1-bridge</a:t>
+            </a:r>
+            <a:endParaRPr b="0" lang="en-US" sz="1800" spc="-1" strike="noStrike">
+              <a:latin typeface="Arial"/>
+            </a:endParaRPr>
+          </a:p>
+          <a:p>
+            <a:pPr>
+              <a:lnSpc>
+                <a:spcPct val="100000"/>
+              </a:lnSpc>
+              <a:spcBef>
+                <a:spcPts val="479"/>
+              </a:spcBef>
+            </a:pPr>
+            <a:r>
+              <a:rPr b="0" lang="en-US" sz="1800" spc="-1" strike="noStrike">
+                <a:solidFill>
+                  <a:srgbClr val="000000"/>
+                </a:solidFill>
+                <a:latin typeface="Arial"/>
+                <a:ea typeface="DejaVu Sans"/>
+              </a:rPr>
+              <a:t>[1] $ r1 &amp;&amp; roscore </a:t>
+            </a:r>
+            <a:endParaRPr b="0" lang="en-US" sz="1800" spc="-1" strike="noStrike">
+              <a:latin typeface="Arial"/>
+            </a:endParaRPr>
+          </a:p>
+          <a:p>
+            <a:pPr>
+              <a:lnSpc>
+                <a:spcPct val="100000"/>
+              </a:lnSpc>
+              <a:spcBef>
+                <a:spcPts val="479"/>
+              </a:spcBef>
+            </a:pPr>
+            <a:r>
+              <a:rPr b="0" lang="en-US" sz="1800" spc="-1" strike="noStrike">
+                <a:solidFill>
+                  <a:srgbClr val="000000"/>
+                </a:solidFill>
+                <a:latin typeface="Arial"/>
+                <a:ea typeface="DejaVu Sans"/>
+              </a:rPr>
+              <a:t>[2] $ r2 &amp;&amp; ros2 run ros1_bridge dynamic_bridge</a:t>
+            </a:r>
+            <a:endParaRPr b="0" lang="en-US" sz="1800" spc="-1" strike="noStrike">
+              <a:latin typeface="Arial"/>
+            </a:endParaRPr>
+          </a:p>
+          <a:p>
+            <a:pPr>
+              <a:lnSpc>
+                <a:spcPct val="100000"/>
+              </a:lnSpc>
+              <a:spcBef>
+                <a:spcPts val="479"/>
+              </a:spcBef>
+            </a:pPr>
+            <a:r>
+              <a:rPr b="0" lang="en-US" sz="1800" spc="-1" strike="noStrike">
+                <a:solidFill>
+                  <a:srgbClr val="000000"/>
+                </a:solidFill>
+                <a:latin typeface="Arial"/>
+                <a:ea typeface="DejaVu Sans"/>
+              </a:rPr>
+              <a:t>[3] $ r1 &amp;&amp; rosrun roscpp_tutorials listener</a:t>
+            </a:r>
+            <a:endParaRPr b="0" lang="en-US" sz="1800" spc="-1" strike="noStrike">
+              <a:latin typeface="Arial"/>
+            </a:endParaRPr>
+          </a:p>
+          <a:p>
+            <a:pPr>
+              <a:lnSpc>
+                <a:spcPct val="100000"/>
+              </a:lnSpc>
+              <a:spcBef>
+                <a:spcPts val="479"/>
+              </a:spcBef>
+            </a:pPr>
+            <a:r>
+              <a:rPr b="0" lang="en-US" sz="1800" spc="-1" strike="noStrike">
+                <a:solidFill>
+                  <a:srgbClr val="000000"/>
+                </a:solidFill>
+                <a:latin typeface="Arial"/>
+                <a:ea typeface="DejaVu Sans"/>
+              </a:rPr>
+              <a:t>[4] $ r2 &amp;&amp; ros2 run demo_nodes_cpp talker</a:t>
+            </a:r>
+            <a:endParaRPr b="0" lang="en-US" sz="1800" spc="-1" strike="noStrike">
+              <a:latin typeface="Arial"/>
+            </a:endParaRPr>
+          </a:p>
+          <a:p>
+            <a:pPr>
+              <a:lnSpc>
+                <a:spcPct val="100000"/>
+              </a:lnSpc>
+              <a:spcBef>
+                <a:spcPts val="479"/>
+              </a:spcBef>
+            </a:pPr>
+            <a:r>
+              <a:rPr b="0" lang="en-US" sz="1800" spc="-1" strike="noStrike">
+                <a:solidFill>
+                  <a:srgbClr val="000000"/>
+                </a:solidFill>
+                <a:latin typeface="Arial"/>
+                <a:ea typeface="DejaVu Sans"/>
+              </a:rPr>
+              <a:t>[5] $ r1 &amp;&amp; rostopic ~~</a:t>
+            </a:r>
+            <a:endParaRPr b="0" lang="en-US" sz="1800" spc="-1" strike="noStrike">
+              <a:latin typeface="Arial"/>
+            </a:endParaRPr>
+          </a:p>
+          <a:p>
+            <a:pPr>
+              <a:lnSpc>
+                <a:spcPct val="100000"/>
+              </a:lnSpc>
+              <a:spcBef>
+                <a:spcPts val="479"/>
+              </a:spcBef>
+            </a:pPr>
+            <a:r>
+              <a:rPr b="0" lang="en-US" sz="1800" spc="-1" strike="noStrike">
+                <a:solidFill>
+                  <a:srgbClr val="000000"/>
+                </a:solidFill>
+                <a:latin typeface="Arial"/>
+                <a:ea typeface="DejaVu Sans"/>
+              </a:rPr>
+              <a:t>[6] $ r2 &amp;&amp; ros2 topic ~~</a:t>
+            </a:r>
+            <a:endParaRPr b="0" lang="en-US" sz="1800" spc="-1" strike="noStrike">
+              <a:latin typeface="Arial"/>
+            </a:endParaRPr>
+          </a:p>
+          <a:p>
+            <a:pPr>
+              <a:lnSpc>
+                <a:spcPct val="100000"/>
+              </a:lnSpc>
+              <a:spcBef>
+                <a:spcPts val="479"/>
+              </a:spcBef>
+            </a:pPr>
+            <a:r>
+              <a:rPr b="0" lang="en-US" sz="1800" spc="-1" strike="noStrike">
+                <a:solidFill>
+                  <a:srgbClr val="000000"/>
+                </a:solidFill>
+                <a:latin typeface="Arial"/>
+                <a:ea typeface="DejaVu Sans"/>
+              </a:rPr>
+              <a:t>[7] $ r1 &amp;&amp; rosnode ~~</a:t>
+            </a:r>
+            <a:endParaRPr b="0" lang="en-US" sz="1800" spc="-1" strike="noStrike">
+              <a:latin typeface="Arial"/>
+            </a:endParaRPr>
+          </a:p>
+          <a:p>
+            <a:pPr>
+              <a:lnSpc>
+                <a:spcPct val="100000"/>
+              </a:lnSpc>
+              <a:spcBef>
+                <a:spcPts val="479"/>
+              </a:spcBef>
+            </a:pPr>
+            <a:r>
+              <a:rPr b="0" lang="en-US" sz="1800" spc="-1" strike="noStrike">
+                <a:solidFill>
+                  <a:srgbClr val="000000"/>
+                </a:solidFill>
+                <a:latin typeface="Arial"/>
+                <a:ea typeface="DejaVu Sans"/>
+              </a:rPr>
+              <a:t>[8] $ r2 &amp;&amp; ros2 node ~~</a:t>
+            </a:r>
+            <a:endParaRPr b="0" lang="en-US" sz="1800" spc="-1" strike="noStrike">
+              <a:latin typeface="Arial"/>
+            </a:endParaRPr>
+          </a:p>
+        </p:txBody>
+      </p:sp>
+      <p:sp>
+        <p:nvSpPr>
+          <p:cNvPr id="103" name="CustomShape 3"/>
+          <p:cNvSpPr/>
+          <p:nvPr/>
+        </p:nvSpPr>
+        <p:spPr>
+          <a:xfrm>
+            <a:off x="6063480" y="2210760"/>
+            <a:ext cx="611640" cy="453600"/>
+          </a:xfrm>
+          <a:prstGeom prst="rightArrow">
+            <a:avLst>
+              <a:gd name="adj1" fmla="val 50000"/>
+              <a:gd name="adj2" fmla="val 50000"/>
+            </a:avLst>
+          </a:prstGeom>
+          <a:solidFill>
+            <a:schemeClr val="tx2">
+              <a:lumMod val="60000"/>
+              <a:lumOff val="40000"/>
+            </a:schemeClr>
+          </a:solidFill>
+          <a:ln>
+            <a:solidFill>
+              <a:schemeClr val="tx2">
+                <a:lumMod val="60000"/>
+                <a:lumOff val="40000"/>
+              </a:schemeClr>
+            </a:solidFill>
+            <a:round/>
+          </a:ln>
+        </p:spPr>
+        <p:style>
+          <a:lnRef idx="2">
+            <a:schemeClr val="accent1">
+              <a:shade val="50000"/>
+            </a:schemeClr>
+          </a:lnRef>
+          <a:fillRef idx="1">
+            <a:schemeClr val="accent1"/>
+          </a:fillRef>
+          <a:effectRef idx="0">
+            <a:schemeClr val="accent1"/>
+          </a:effectRef>
+          <a:fontRef idx="minor"/>
+        </p:style>
+      </p:sp>
+      <p:pic>
+        <p:nvPicPr>
+          <p:cNvPr id="104" name="" descr=""/>
+          <p:cNvPicPr/>
+          <p:nvPr/>
+        </p:nvPicPr>
+        <p:blipFill>
+          <a:blip r:embed="rId2"/>
+          <a:stretch/>
+        </p:blipFill>
+        <p:spPr>
+          <a:xfrm>
+            <a:off x="2651760" y="1725120"/>
+            <a:ext cx="2584440" cy="1383840"/>
+          </a:xfrm>
+          <a:prstGeom prst="rect">
+            <a:avLst/>
+          </a:prstGeom>
+          <a:ln>
+            <a:noFill/>
+          </a:ln>
+        </p:spPr>
+      </p:pic>
+      <p:sp>
+        <p:nvSpPr>
+          <p:cNvPr id="105" name="CustomShape 4"/>
+          <p:cNvSpPr/>
+          <p:nvPr/>
+        </p:nvSpPr>
+        <p:spPr>
+          <a:xfrm rot="10800000">
+            <a:off x="6377400" y="2664360"/>
+            <a:ext cx="611640" cy="453600"/>
+          </a:xfrm>
+          <a:prstGeom prst="rightArrow">
+            <a:avLst>
+              <a:gd name="adj1" fmla="val 50000"/>
+              <a:gd name="adj2" fmla="val 50000"/>
+            </a:avLst>
+          </a:prstGeom>
+          <a:solidFill>
+            <a:schemeClr val="tx2">
+              <a:lumMod val="60000"/>
+              <a:lumOff val="40000"/>
+            </a:schemeClr>
+          </a:solidFill>
+          <a:ln>
+            <a:solidFill>
+              <a:schemeClr val="tx2">
+                <a:lumMod val="60000"/>
+                <a:lumOff val="40000"/>
+              </a:schemeClr>
+            </a:solidFill>
+            <a:round/>
+          </a:ln>
+        </p:spPr>
+        <p:style>
+          <a:lnRef idx="2">
+            <a:schemeClr val="accent1">
+              <a:shade val="50000"/>
+            </a:schemeClr>
+          </a:lnRef>
+          <a:fillRef idx="1">
+            <a:schemeClr val="accent1"/>
+          </a:fillRef>
+          <a:effectRef idx="0">
+            <a:schemeClr val="accent1"/>
+          </a:effectRef>
+          <a:fontRef idx="minor"/>
+        </p:style>
+      </p:sp>
+      <p:pic>
+        <p:nvPicPr>
+          <p:cNvPr id="106" name="" descr=""/>
+          <p:cNvPicPr/>
+          <p:nvPr/>
+        </p:nvPicPr>
+        <p:blipFill>
+          <a:blip r:embed="rId3"/>
+          <a:stretch/>
+        </p:blipFill>
+        <p:spPr>
+          <a:xfrm>
+            <a:off x="7295760" y="1864800"/>
+            <a:ext cx="1097280" cy="1097280"/>
+          </a:xfrm>
+          <a:prstGeom prst="rect">
+            <a:avLst/>
+          </a:prstGeom>
+          <a:ln>
+            <a:noFill/>
+          </a:ln>
+        </p:spPr>
+      </p:pic>
+    </p:spTree>
+  </p:cSld>
+  <p:timing>
+    <p:tnLst>
+      <p:par>
+        <p:cTn id="19" dur="indefinite" restart="never" nodeType="tmRoot">
+          <p:childTnLst>
+            <p:seq>
+              <p:cTn id="20" dur="indefinite" nodeType="mainSeq"/>
+              <p:prevCondLst>
+                <p:cond delay="0" evt="onPrev">
+                  <p:tgtEl>
+                    <p:sldTgt/>
+                  </p:tgtEl>
+                </p:cond>
+              </p:prevCondLst>
+              <p:nextCondLst>
+                <p:cond delay="0" evt="onNext">
+                  <p:tgtEl>
+                    <p:sldTgt/>
+                  </p:tgtEl>
+                </p:cond>
+              </p:nextCondLst>
+            </p:seq>
+          </p:childTnLst>
+        </p:cTn>
+      </p:par>
+    </p:tnLst>
+  </p:timing>
+</p:sld>
+</file>
+
+<file path=ppt/slides/slide11.xml><?xml version="1.0" encoding="utf-8"?>
+<p:sld xmlns:a="http://schemas.openxmlformats.org/drawingml/2006/main" xmlns:p="http://schemas.openxmlformats.org/presentationml/2006/main" xmlns:r="http://schemas.openxmlformats.org/officeDocument/2006/relationships" xmlns:p14="http://schemas.microsoft.com/office/powerpoint/2010/main" xmlns:p15="http://schemas.microsoft.com/office/powerpoint/2012/main" xmlns:mc="http://schemas.openxmlformats.org/markup-compatibility/2006">
+  <p:cSld>
+    <p:spTree>
+      <p:nvGrpSpPr>
+        <p:cNvPr id="1" name=""/>
+        <p:cNvGrpSpPr/>
+        <p:nvPr/>
+      </p:nvGrpSpPr>
+      <p:grpSpPr>
+        <a:xfrm>
+          <a:off x="0" y="0"/>
+          <a:ext cx="0" cy="0"/>
+          <a:chOff x="0" y="0"/>
+          <a:chExt cx="0" cy="0"/>
+        </a:xfrm>
+      </p:grpSpPr>
+      <p:pic>
+        <p:nvPicPr>
+          <p:cNvPr id="107" name="Picture 12" descr=""/>
+          <p:cNvPicPr/>
+          <p:nvPr/>
+        </p:nvPicPr>
+        <p:blipFill>
+          <a:blip r:embed="rId1"/>
+          <a:stretch/>
+        </p:blipFill>
+        <p:spPr>
+          <a:xfrm>
+            <a:off x="343080" y="125640"/>
+            <a:ext cx="1158840" cy="1158840"/>
+          </a:xfrm>
+          <a:prstGeom prst="rect">
+            <a:avLst/>
+          </a:prstGeom>
+          <a:ln>
+            <a:noFill/>
+          </a:ln>
+        </p:spPr>
+      </p:pic>
+      <p:sp>
+        <p:nvSpPr>
+          <p:cNvPr id="108" name="CustomShape 1"/>
+          <p:cNvSpPr/>
+          <p:nvPr/>
+        </p:nvSpPr>
+        <p:spPr>
+          <a:xfrm>
+            <a:off x="1737360" y="382680"/>
+            <a:ext cx="1020960" cy="637560"/>
+          </a:xfrm>
+          <a:prstGeom prst="rect">
+            <a:avLst/>
+          </a:prstGeom>
+          <a:noFill/>
+          <a:ln>
+            <a:noFill/>
+          </a:ln>
+        </p:spPr>
+        <p:style>
+          <a:lnRef idx="0"/>
+          <a:fillRef idx="0"/>
+          <a:effectRef idx="0"/>
+          <a:fontRef idx="minor"/>
+        </p:style>
+        <p:txBody>
+          <a:bodyPr wrap="none" lIns="90000" rIns="90000" tIns="45000" bIns="45000"/>
+          <a:p>
+            <a:pPr>
+              <a:lnSpc>
+                <a:spcPct val="100000"/>
+              </a:lnSpc>
+            </a:pPr>
+            <a:r>
+              <a:rPr b="0" lang="en-US" sz="3600" spc="-1" strike="noStrike">
+                <a:solidFill>
+                  <a:srgbClr val="000000"/>
+                </a:solidFill>
+                <a:latin typeface="맑은 고딕"/>
+                <a:ea typeface="DejaVu Sans"/>
+              </a:rPr>
+              <a:t>만든 소스를 수정하여 </a:t>
+            </a:r>
+            <a:r>
+              <a:rPr b="0" lang="en-US" sz="3600" spc="-1" strike="noStrike">
+                <a:solidFill>
+                  <a:srgbClr val="000000"/>
+                </a:solidFill>
+                <a:latin typeface="맑은 고딕"/>
+                <a:ea typeface="DejaVu Sans"/>
+              </a:rPr>
+              <a:t>ROS 1&lt;-&gt;2 bridge </a:t>
+            </a:r>
+            <a:r>
+              <a:rPr b="0" lang="en-US" sz="3600" spc="-1" strike="noStrike">
+                <a:solidFill>
+                  <a:srgbClr val="000000"/>
+                </a:solidFill>
+                <a:latin typeface="맑은 고딕"/>
+                <a:ea typeface="DejaVu Sans"/>
+              </a:rPr>
+              <a:t>돌려보기</a:t>
+            </a:r>
+            <a:endParaRPr b="0" lang="en-US" sz="3600" spc="-1" strike="noStrike">
+              <a:latin typeface="Arial"/>
+            </a:endParaRPr>
+          </a:p>
+        </p:txBody>
+      </p:sp>
+      <p:sp>
+        <p:nvSpPr>
+          <p:cNvPr id="109" name="CustomShape 2"/>
+          <p:cNvSpPr/>
+          <p:nvPr/>
+        </p:nvSpPr>
+        <p:spPr>
+          <a:xfrm>
+            <a:off x="1188720" y="3383280"/>
+            <a:ext cx="9784080" cy="3017520"/>
+          </a:xfrm>
+          <a:prstGeom prst="rect">
+            <a:avLst/>
+          </a:prstGeom>
+          <a:noFill/>
+          <a:ln>
+            <a:noFill/>
+          </a:ln>
+        </p:spPr>
+        <p:style>
+          <a:lnRef idx="0"/>
+          <a:fillRef idx="0"/>
+          <a:effectRef idx="0"/>
+          <a:fontRef idx="minor"/>
+        </p:style>
+        <p:txBody>
+          <a:bodyPr lIns="90000" rIns="90000" tIns="45000" bIns="45000">
+            <a:normAutofit/>
+          </a:bodyPr>
+          <a:p>
+            <a:pPr>
+              <a:lnSpc>
+                <a:spcPct val="100000"/>
+              </a:lnSpc>
+              <a:spcBef>
+                <a:spcPts val="479"/>
+              </a:spcBef>
+            </a:pPr>
+            <a:r>
+              <a:rPr b="0" lang="en-US" sz="1800" spc="-1" strike="noStrike">
+                <a:solidFill>
+                  <a:srgbClr val="000000"/>
+                </a:solidFill>
+                <a:latin typeface="Arial"/>
+                <a:ea typeface="DejaVu Sans"/>
+              </a:rPr>
+              <a:t>[1] $ r1 &amp;&amp; roscore </a:t>
+            </a:r>
+            <a:endParaRPr b="0" lang="en-US" sz="1800" spc="-1" strike="noStrike">
+              <a:latin typeface="Arial"/>
+            </a:endParaRPr>
+          </a:p>
+          <a:p>
+            <a:pPr>
+              <a:lnSpc>
+                <a:spcPct val="100000"/>
+              </a:lnSpc>
+              <a:spcBef>
+                <a:spcPts val="479"/>
+              </a:spcBef>
+            </a:pPr>
+            <a:r>
+              <a:rPr b="0" lang="en-US" sz="1800" spc="-1" strike="noStrike">
+                <a:solidFill>
+                  <a:srgbClr val="000000"/>
+                </a:solidFill>
+                <a:latin typeface="Arial"/>
+                <a:ea typeface="DejaVu Sans"/>
+              </a:rPr>
+              <a:t>[2] $ r2 &amp;&amp; ros2 run ros1_bridge dynamic_bridge</a:t>
+            </a:r>
+            <a:endParaRPr b="0" lang="en-US" sz="1800" spc="-1" strike="noStrike">
+              <a:latin typeface="Arial"/>
+            </a:endParaRPr>
+          </a:p>
+          <a:p>
+            <a:pPr>
+              <a:lnSpc>
+                <a:spcPct val="100000"/>
+              </a:lnSpc>
+              <a:spcBef>
+                <a:spcPts val="479"/>
+              </a:spcBef>
+            </a:pPr>
+            <a:r>
+              <a:rPr b="0" lang="en-US" sz="1800" spc="-1" strike="noStrike">
+                <a:solidFill>
+                  <a:srgbClr val="000000"/>
+                </a:solidFill>
+                <a:latin typeface="Arial"/>
+                <a:ea typeface="DejaVu Sans"/>
+              </a:rPr>
+              <a:t>[3] $ r1 &amp;&amp; rosrun foo_pkg_ros1 sender</a:t>
+            </a:r>
+            <a:endParaRPr b="0" lang="en-US" sz="1800" spc="-1" strike="noStrike">
+              <a:latin typeface="Arial"/>
+            </a:endParaRPr>
+          </a:p>
+          <a:p>
+            <a:pPr>
+              <a:lnSpc>
+                <a:spcPct val="100000"/>
+              </a:lnSpc>
+              <a:spcBef>
+                <a:spcPts val="479"/>
+              </a:spcBef>
+            </a:pPr>
+            <a:r>
+              <a:rPr b="0" lang="en-US" sz="1800" spc="-1" strike="noStrike">
+                <a:solidFill>
+                  <a:srgbClr val="000000"/>
+                </a:solidFill>
+                <a:latin typeface="Arial"/>
+                <a:ea typeface="DejaVu Sans"/>
+              </a:rPr>
+              <a:t>[4] $ r2 &amp;&amp; ros2 run foo_pkg_ros2 receiver</a:t>
+            </a:r>
+            <a:endParaRPr b="0" lang="en-US" sz="1800" spc="-1" strike="noStrike">
+              <a:latin typeface="Arial"/>
+            </a:endParaRPr>
+          </a:p>
+          <a:p>
+            <a:pPr>
+              <a:lnSpc>
+                <a:spcPct val="100000"/>
+              </a:lnSpc>
+              <a:spcBef>
+                <a:spcPts val="479"/>
+              </a:spcBef>
+            </a:pPr>
+            <a:endParaRPr b="0" lang="en-US" sz="1800" spc="-1" strike="noStrike">
+              <a:latin typeface="Arial"/>
+            </a:endParaRPr>
+          </a:p>
+        </p:txBody>
+      </p:sp>
+      <p:sp>
+        <p:nvSpPr>
+          <p:cNvPr id="110" name="CustomShape 3"/>
+          <p:cNvSpPr/>
+          <p:nvPr/>
+        </p:nvSpPr>
+        <p:spPr>
+          <a:xfrm>
+            <a:off x="6063480" y="2210760"/>
+            <a:ext cx="611640" cy="453600"/>
+          </a:xfrm>
+          <a:prstGeom prst="rightArrow">
+            <a:avLst>
+              <a:gd name="adj1" fmla="val 50000"/>
+              <a:gd name="adj2" fmla="val 50000"/>
+            </a:avLst>
+          </a:prstGeom>
+          <a:solidFill>
+            <a:schemeClr val="tx2">
+              <a:lumMod val="60000"/>
+              <a:lumOff val="40000"/>
+            </a:schemeClr>
+          </a:solidFill>
+          <a:ln>
+            <a:solidFill>
+              <a:schemeClr val="tx2">
+                <a:lumMod val="60000"/>
+                <a:lumOff val="40000"/>
+              </a:schemeClr>
+            </a:solidFill>
+            <a:round/>
+          </a:ln>
+        </p:spPr>
+        <p:style>
+          <a:lnRef idx="2">
+            <a:schemeClr val="accent1">
+              <a:shade val="50000"/>
+            </a:schemeClr>
+          </a:lnRef>
+          <a:fillRef idx="1">
+            <a:schemeClr val="accent1"/>
+          </a:fillRef>
+          <a:effectRef idx="0">
+            <a:schemeClr val="accent1"/>
+          </a:effectRef>
+          <a:fontRef idx="minor"/>
+        </p:style>
+      </p:sp>
+      <p:pic>
+        <p:nvPicPr>
+          <p:cNvPr id="111" name="" descr=""/>
+          <p:cNvPicPr/>
+          <p:nvPr/>
+        </p:nvPicPr>
+        <p:blipFill>
+          <a:blip r:embed="rId2"/>
+          <a:stretch/>
+        </p:blipFill>
+        <p:spPr>
+          <a:xfrm>
+            <a:off x="2651760" y="1725120"/>
+            <a:ext cx="2584440" cy="1383840"/>
+          </a:xfrm>
+          <a:prstGeom prst="rect">
+            <a:avLst/>
+          </a:prstGeom>
+          <a:ln>
+            <a:noFill/>
+          </a:ln>
+        </p:spPr>
+      </p:pic>
+      <p:sp>
+        <p:nvSpPr>
+          <p:cNvPr id="112" name="CustomShape 4"/>
+          <p:cNvSpPr/>
+          <p:nvPr/>
+        </p:nvSpPr>
+        <p:spPr>
+          <a:xfrm rot="10800000">
+            <a:off x="6377400" y="2664360"/>
+            <a:ext cx="611640" cy="453600"/>
+          </a:xfrm>
+          <a:prstGeom prst="rightArrow">
+            <a:avLst>
+              <a:gd name="adj1" fmla="val 50000"/>
+              <a:gd name="adj2" fmla="val 50000"/>
+            </a:avLst>
+          </a:prstGeom>
+          <a:solidFill>
+            <a:schemeClr val="tx2">
+              <a:lumMod val="60000"/>
+              <a:lumOff val="40000"/>
+            </a:schemeClr>
+          </a:solidFill>
+          <a:ln>
+            <a:solidFill>
+              <a:schemeClr val="tx2">
+                <a:lumMod val="60000"/>
+                <a:lumOff val="40000"/>
+              </a:schemeClr>
+            </a:solidFill>
+            <a:round/>
+          </a:ln>
+        </p:spPr>
+        <p:style>
+          <a:lnRef idx="2">
+            <a:schemeClr val="accent1">
+              <a:shade val="50000"/>
+            </a:schemeClr>
+          </a:lnRef>
+          <a:fillRef idx="1">
+            <a:schemeClr val="accent1"/>
+          </a:fillRef>
+          <a:effectRef idx="0">
+            <a:schemeClr val="accent1"/>
+          </a:effectRef>
+          <a:fontRef idx="minor"/>
+        </p:style>
+      </p:sp>
+      <p:pic>
+        <p:nvPicPr>
+          <p:cNvPr id="113" name="" descr=""/>
+          <p:cNvPicPr/>
+          <p:nvPr/>
+        </p:nvPicPr>
+        <p:blipFill>
+          <a:blip r:embed="rId3"/>
+          <a:stretch/>
+        </p:blipFill>
+        <p:spPr>
+          <a:xfrm>
+            <a:off x="7295760" y="1864800"/>
+            <a:ext cx="1097280" cy="1097280"/>
+          </a:xfrm>
+          <a:prstGeom prst="rect">
+            <a:avLst/>
+          </a:prstGeom>
+          <a:ln>
+            <a:noFill/>
+          </a:ln>
+        </p:spPr>
+      </p:pic>
+    </p:spTree>
+  </p:cSld>
+  <p:timing>
+    <p:tnLst>
+      <p:par>
+        <p:cTn id="21" dur="indefinite" restart="never" nodeType="tmRoot">
+          <p:childTnLst>
+            <p:seq>
+              <p:cTn id="22" dur="indefinite" nodeType="mainSeq"/>
+              <p:prevCondLst>
+                <p:cond delay="0" evt="onPrev">
+                  <p:tgtEl>
+                    <p:sldTgt/>
+                  </p:tgtEl>
+                </p:cond>
+              </p:prevCondLst>
+              <p:nextCondLst>
+                <p:cond delay="0" evt="onNext">
+                  <p:tgtEl>
+                    <p:sldTgt/>
+                  </p:tgtEl>
+                </p:cond>
+              </p:nextCondLst>
+            </p:seq>
+          </p:childTnLst>
+        </p:cTn>
+      </p:par>
+    </p:tnLst>
+  </p:timing>
+</p:sld>
+</file>
+
+<file path=ppt/slides/slide12.xml><?xml version="1.0" encoding="utf-8"?>
+<p:sld xmlns:a="http://schemas.openxmlformats.org/drawingml/2006/main" xmlns:p="http://schemas.openxmlformats.org/presentationml/2006/main" xmlns:r="http://schemas.openxmlformats.org/officeDocument/2006/relationships" xmlns:p14="http://schemas.microsoft.com/office/powerpoint/2010/main" xmlns:p15="http://schemas.microsoft.com/office/powerpoint/2012/main" xmlns:mc="http://schemas.openxmlformats.org/markup-compatibility/2006">
+  <p:cSld>
+    <p:spTree>
+      <p:nvGrpSpPr>
+        <p:cNvPr id="1" name=""/>
+        <p:cNvGrpSpPr/>
+        <p:nvPr/>
+      </p:nvGrpSpPr>
+      <p:grpSpPr>
+        <a:xfrm>
+          <a:off x="0" y="0"/>
+          <a:ext cx="0" cy="0"/>
+          <a:chOff x="0" y="0"/>
+          <a:chExt cx="0" cy="0"/>
+        </a:xfrm>
+      </p:grpSpPr>
+      <p:pic>
+        <p:nvPicPr>
+          <p:cNvPr id="114" name="Picture 12" descr=""/>
+          <p:cNvPicPr/>
+          <p:nvPr/>
+        </p:nvPicPr>
+        <p:blipFill>
+          <a:blip r:embed="rId1"/>
+          <a:stretch/>
+        </p:blipFill>
+        <p:spPr>
+          <a:xfrm>
+            <a:off x="343080" y="125640"/>
+            <a:ext cx="1158840" cy="1158840"/>
+          </a:xfrm>
+          <a:prstGeom prst="rect">
+            <a:avLst/>
+          </a:prstGeom>
+          <a:ln>
+            <a:noFill/>
+          </a:ln>
+        </p:spPr>
+      </p:pic>
+      <p:sp>
+        <p:nvSpPr>
+          <p:cNvPr id="115" name="CustomShape 1"/>
+          <p:cNvSpPr/>
+          <p:nvPr/>
+        </p:nvSpPr>
+        <p:spPr>
+          <a:xfrm>
+            <a:off x="1737360" y="382680"/>
+            <a:ext cx="1020960" cy="637560"/>
+          </a:xfrm>
+          <a:prstGeom prst="rect">
+            <a:avLst/>
+          </a:prstGeom>
+          <a:noFill/>
+          <a:ln>
+            <a:noFill/>
+          </a:ln>
+        </p:spPr>
+        <p:style>
+          <a:lnRef idx="0"/>
+          <a:fillRef idx="0"/>
+          <a:effectRef idx="0"/>
+          <a:fontRef idx="minor"/>
+        </p:style>
+        <p:txBody>
+          <a:bodyPr wrap="none" lIns="90000" rIns="90000" tIns="45000" bIns="45000"/>
+          <a:p>
+            <a:pPr>
+              <a:lnSpc>
+                <a:spcPct val="100000"/>
+              </a:lnSpc>
+            </a:pPr>
+            <a:r>
+              <a:rPr b="0" lang="en-US" sz="3600" spc="-1" strike="noStrike">
+                <a:solidFill>
+                  <a:srgbClr val="000000"/>
+                </a:solidFill>
+                <a:latin typeface="맑은 고딕"/>
+                <a:ea typeface="DejaVu Sans"/>
+              </a:rPr>
+              <a:t>Turtlesim ROS2 </a:t>
+            </a:r>
+            <a:r>
+              <a:rPr b="0" lang="en-US" sz="3600" spc="-1" strike="noStrike">
+                <a:solidFill>
+                  <a:srgbClr val="000000"/>
+                </a:solidFill>
+                <a:latin typeface="맑은 고딕"/>
+                <a:ea typeface="DejaVu Sans"/>
+              </a:rPr>
+              <a:t>돌려보기</a:t>
+            </a:r>
+            <a:endParaRPr b="0" lang="en-US" sz="3600" spc="-1" strike="noStrike">
+              <a:latin typeface="Arial"/>
+            </a:endParaRPr>
+          </a:p>
+        </p:txBody>
+      </p:sp>
+      <p:pic>
+        <p:nvPicPr>
+          <p:cNvPr id="116" name="Picture 2" descr=""/>
+          <p:cNvPicPr/>
+          <p:nvPr/>
+        </p:nvPicPr>
+        <p:blipFill>
+          <a:blip r:embed="rId2"/>
+          <a:stretch/>
+        </p:blipFill>
+        <p:spPr>
+          <a:xfrm>
+            <a:off x="6532560" y="1285200"/>
+            <a:ext cx="2182320" cy="2304360"/>
+          </a:xfrm>
+          <a:prstGeom prst="rect">
+            <a:avLst/>
+          </a:prstGeom>
+          <a:ln>
+            <a:noFill/>
+          </a:ln>
+        </p:spPr>
+      </p:pic>
+      <p:pic>
+        <p:nvPicPr>
+          <p:cNvPr id="117" name="Picture 4" descr=""/>
+          <p:cNvPicPr/>
+          <p:nvPr/>
+        </p:nvPicPr>
+        <p:blipFill>
+          <a:blip r:embed="rId3"/>
+          <a:stretch/>
+        </p:blipFill>
+        <p:spPr>
+          <a:xfrm>
+            <a:off x="3098880" y="1615680"/>
+            <a:ext cx="2394360" cy="1643400"/>
+          </a:xfrm>
+          <a:prstGeom prst="rect">
+            <a:avLst/>
+          </a:prstGeom>
+          <a:ln>
+            <a:noFill/>
+          </a:ln>
+        </p:spPr>
+      </p:pic>
+      <p:sp>
+        <p:nvSpPr>
+          <p:cNvPr id="118" name="CustomShape 2"/>
+          <p:cNvSpPr/>
+          <p:nvPr/>
+        </p:nvSpPr>
+        <p:spPr>
+          <a:xfrm>
+            <a:off x="1188720" y="4453920"/>
+            <a:ext cx="9784080" cy="2404080"/>
+          </a:xfrm>
+          <a:prstGeom prst="rect">
+            <a:avLst/>
+          </a:prstGeom>
+          <a:noFill/>
+          <a:ln>
+            <a:noFill/>
+          </a:ln>
+        </p:spPr>
+        <p:style>
+          <a:lnRef idx="0"/>
+          <a:fillRef idx="0"/>
+          <a:effectRef idx="0"/>
+          <a:fontRef idx="minor"/>
+        </p:style>
+        <p:txBody>
+          <a:bodyPr lIns="90000" rIns="90000" tIns="45000" bIns="45000">
+            <a:normAutofit/>
+          </a:bodyPr>
+          <a:p>
+            <a:pPr>
+              <a:lnSpc>
+                <a:spcPct val="100000"/>
+              </a:lnSpc>
+              <a:spcBef>
+                <a:spcPts val="479"/>
+              </a:spcBef>
+            </a:pPr>
+            <a:r>
+              <a:rPr b="0" lang="en-US" sz="1800" spc="-1" strike="noStrike">
+                <a:solidFill>
+                  <a:srgbClr val="000000"/>
+                </a:solidFill>
+                <a:latin typeface="Arial"/>
+                <a:ea typeface="DejaVu Sans"/>
+              </a:rPr>
+              <a:t>[1] $ sudo apt-get install libcanberra-gtk-module libcanberra-gtk3-module qt4-default</a:t>
+            </a:r>
+            <a:endParaRPr b="0" lang="en-US" sz="1800" spc="-1" strike="noStrike">
+              <a:latin typeface="Arial"/>
+            </a:endParaRPr>
+          </a:p>
+          <a:p>
+            <a:pPr>
+              <a:lnSpc>
+                <a:spcPct val="100000"/>
+              </a:lnSpc>
+              <a:spcBef>
+                <a:spcPts val="479"/>
+              </a:spcBef>
+            </a:pPr>
+            <a:r>
+              <a:rPr b="0" lang="en-US" sz="1800" spc="-1" strike="noStrike">
+                <a:solidFill>
+                  <a:srgbClr val="000000"/>
+                </a:solidFill>
+                <a:latin typeface="Arial"/>
+                <a:ea typeface="DejaVu Sans"/>
+              </a:rPr>
+              <a:t>[1] $ </a:t>
+            </a:r>
+            <a:r>
+              <a:rPr b="0" lang="en-US" sz="1800" spc="-1" strike="noStrike">
+                <a:solidFill>
+                  <a:srgbClr val="000000"/>
+                </a:solidFill>
+                <a:latin typeface="Arial"/>
+                <a:ea typeface="DejaVu Sans"/>
+              </a:rPr>
+              <a:t>패키지를 </a:t>
+            </a:r>
+            <a:r>
+              <a:rPr b="0" lang="en-US" sz="1800" spc="-1" strike="noStrike">
+                <a:solidFill>
+                  <a:srgbClr val="000000"/>
+                </a:solidFill>
+                <a:latin typeface="Arial"/>
+                <a:ea typeface="DejaVu Sans"/>
+              </a:rPr>
+              <a:t>colcon_ws/src/ </a:t>
+            </a:r>
+            <a:r>
+              <a:rPr b="0" lang="en-US" sz="1800" spc="-1" strike="noStrike">
+                <a:solidFill>
+                  <a:srgbClr val="000000"/>
+                </a:solidFill>
+                <a:latin typeface="Arial"/>
+                <a:ea typeface="DejaVu Sans"/>
+              </a:rPr>
+              <a:t>에 옮긴 후 </a:t>
+            </a:r>
+            <a:r>
+              <a:rPr b="0" lang="en-US" sz="1800" spc="-1" strike="noStrike">
+                <a:solidFill>
+                  <a:srgbClr val="000000"/>
+                </a:solidFill>
+                <a:latin typeface="Arial"/>
+                <a:ea typeface="DejaVu Sans"/>
+              </a:rPr>
+              <a:t>cd ~/colcon_ws/ &amp;&amp; colcon build --symlink-install </a:t>
+            </a:r>
+            <a:endParaRPr b="0" lang="en-US" sz="1800" spc="-1" strike="noStrike">
+              <a:latin typeface="Arial"/>
+            </a:endParaRPr>
+          </a:p>
+          <a:p>
+            <a:pPr>
+              <a:lnSpc>
+                <a:spcPct val="100000"/>
+              </a:lnSpc>
+              <a:spcBef>
+                <a:spcPts val="479"/>
+              </a:spcBef>
+            </a:pPr>
+            <a:r>
+              <a:rPr b="0" lang="en-US" sz="1800" spc="-1" strike="noStrike">
+                <a:solidFill>
+                  <a:srgbClr val="000000"/>
+                </a:solidFill>
+                <a:latin typeface="Arial"/>
+                <a:ea typeface="DejaVu Sans"/>
+              </a:rPr>
+              <a:t>[2] $ r2 &amp;&amp; ros2 run turtlesim turtlesim_node</a:t>
+            </a:r>
+            <a:endParaRPr b="0" lang="en-US" sz="1800" spc="-1" strike="noStrike">
+              <a:latin typeface="Arial"/>
+            </a:endParaRPr>
+          </a:p>
+          <a:p>
+            <a:pPr>
+              <a:lnSpc>
+                <a:spcPct val="100000"/>
+              </a:lnSpc>
+              <a:spcBef>
+                <a:spcPts val="479"/>
+              </a:spcBef>
+            </a:pPr>
+            <a:r>
+              <a:rPr b="0" lang="en-US" sz="1800" spc="-1" strike="noStrike">
+                <a:solidFill>
+                  <a:srgbClr val="000000"/>
+                </a:solidFill>
+                <a:latin typeface="Arial"/>
+                <a:ea typeface="DejaVu Sans"/>
+              </a:rPr>
+              <a:t>[3] $ r2 &amp;&amp; ros2 run turtlesim turtle_teleop_key</a:t>
+            </a:r>
+            <a:endParaRPr b="0" lang="en-US" sz="1800" spc="-1" strike="noStrike">
+              <a:latin typeface="Arial"/>
+            </a:endParaRPr>
+          </a:p>
+          <a:p>
+            <a:pPr>
+              <a:lnSpc>
+                <a:spcPct val="100000"/>
+              </a:lnSpc>
+              <a:spcBef>
+                <a:spcPts val="479"/>
+              </a:spcBef>
+            </a:pPr>
+            <a:r>
+              <a:rPr b="0" lang="en-US" sz="1800" spc="-1" strike="noStrike">
+                <a:solidFill>
+                  <a:srgbClr val="000000"/>
+                </a:solidFill>
+                <a:latin typeface="Arial"/>
+                <a:ea typeface="DejaVu Sans"/>
+              </a:rPr>
+              <a:t>[4] $ r2 &amp;&amp; ros2 topic ~~</a:t>
+            </a:r>
+            <a:endParaRPr b="0" lang="en-US" sz="1800" spc="-1" strike="noStrike">
+              <a:latin typeface="Arial"/>
+            </a:endParaRPr>
+          </a:p>
+          <a:p>
+            <a:pPr>
+              <a:lnSpc>
+                <a:spcPct val="100000"/>
+              </a:lnSpc>
+              <a:spcBef>
+                <a:spcPts val="479"/>
+              </a:spcBef>
+            </a:pPr>
+            <a:r>
+              <a:rPr b="0" lang="en-US" sz="1800" spc="-1" strike="noStrike">
+                <a:solidFill>
+                  <a:srgbClr val="000000"/>
+                </a:solidFill>
+                <a:latin typeface="Arial"/>
+                <a:ea typeface="DejaVu Sans"/>
+              </a:rPr>
+              <a:t>[5] $ r2 &amp;&amp; ros2 node ~~</a:t>
+            </a:r>
+            <a:endParaRPr b="0" lang="en-US" sz="1800" spc="-1" strike="noStrike">
+              <a:latin typeface="Arial"/>
+            </a:endParaRPr>
+          </a:p>
+        </p:txBody>
+      </p:sp>
+      <p:sp>
+        <p:nvSpPr>
+          <p:cNvPr id="119" name="CustomShape 3"/>
+          <p:cNvSpPr/>
+          <p:nvPr/>
+        </p:nvSpPr>
+        <p:spPr>
+          <a:xfrm>
+            <a:off x="5721120" y="2210760"/>
+            <a:ext cx="611640" cy="453600"/>
+          </a:xfrm>
+          <a:prstGeom prst="rightArrow">
+            <a:avLst>
+              <a:gd name="adj1" fmla="val 50000"/>
+              <a:gd name="adj2" fmla="val 50000"/>
+            </a:avLst>
+          </a:prstGeom>
+          <a:solidFill>
+            <a:schemeClr val="tx2">
+              <a:lumMod val="60000"/>
+              <a:lumOff val="40000"/>
+            </a:schemeClr>
+          </a:solidFill>
+          <a:ln>
+            <a:solidFill>
+              <a:schemeClr val="tx2">
+                <a:lumMod val="60000"/>
+                <a:lumOff val="40000"/>
+              </a:schemeClr>
+            </a:solidFill>
+            <a:round/>
+          </a:ln>
+        </p:spPr>
+        <p:style>
+          <a:lnRef idx="2">
+            <a:schemeClr val="accent1">
+              <a:shade val="50000"/>
+            </a:schemeClr>
+          </a:lnRef>
+          <a:fillRef idx="1">
+            <a:schemeClr val="accent1"/>
+          </a:fillRef>
+          <a:effectRef idx="0">
+            <a:schemeClr val="accent1"/>
+          </a:effectRef>
+          <a:fontRef idx="minor"/>
+        </p:style>
+      </p:sp>
+    </p:spTree>
+  </p:cSld>
+  <p:timing>
+    <p:tnLst>
+      <p:par>
+        <p:cTn id="23" dur="indefinite" restart="never" nodeType="tmRoot">
+          <p:childTnLst>
+            <p:seq>
+              <p:cTn id="24" dur="indefinite" nodeType="mainSeq"/>
+              <p:prevCondLst>
+                <p:cond delay="0" evt="onPrev">
+                  <p:tgtEl>
+                    <p:sldTgt/>
+                  </p:tgtEl>
+                </p:cond>
+              </p:prevCondLst>
+              <p:nextCondLst>
+                <p:cond delay="0" evt="onNext">
+                  <p:tgtEl>
+                    <p:sldTgt/>
+                  </p:tgtEl>
+                </p:cond>
+              </p:nextCondLst>
+            </p:seq>
+          </p:childTnLst>
+        </p:cTn>
+      </p:par>
+    </p:tnLst>
+  </p:timing>
+</p:sld>
+</file>
+
+<file path=ppt/slides/slide13.xml><?xml version="1.0" encoding="utf-8"?>
+<p:sld xmlns:a="http://schemas.openxmlformats.org/drawingml/2006/main" xmlns:p="http://schemas.openxmlformats.org/presentationml/2006/main" xmlns:r="http://schemas.openxmlformats.org/officeDocument/2006/relationships" xmlns:p14="http://schemas.microsoft.com/office/powerpoint/2010/main" xmlns:p15="http://schemas.microsoft.com/office/powerpoint/2012/main" xmlns:mc="http://schemas.openxmlformats.org/markup-compatibility/2006">
+  <p:cSld>
+    <p:spTree>
+      <p:nvGrpSpPr>
+        <p:cNvPr id="1" name=""/>
+        <p:cNvGrpSpPr/>
+        <p:nvPr/>
+      </p:nvGrpSpPr>
+      <p:grpSpPr>
+        <a:xfrm>
+          <a:off x="0" y="0"/>
+          <a:ext cx="0" cy="0"/>
+          <a:chOff x="0" y="0"/>
+          <a:chExt cx="0" cy="0"/>
+        </a:xfrm>
+      </p:grpSpPr>
+      <p:pic>
+        <p:nvPicPr>
+          <p:cNvPr id="120" name="Picture 12" descr=""/>
+          <p:cNvPicPr/>
+          <p:nvPr/>
+        </p:nvPicPr>
+        <p:blipFill>
+          <a:blip r:embed="rId1"/>
+          <a:stretch/>
+        </p:blipFill>
+        <p:spPr>
+          <a:xfrm>
+            <a:off x="343080" y="125640"/>
+            <a:ext cx="1158840" cy="1158840"/>
+          </a:xfrm>
+          <a:prstGeom prst="rect">
+            <a:avLst/>
+          </a:prstGeom>
+          <a:ln>
+            <a:noFill/>
+          </a:ln>
+        </p:spPr>
+      </p:pic>
+      <p:sp>
+        <p:nvSpPr>
+          <p:cNvPr id="121" name="CustomShape 1"/>
+          <p:cNvSpPr/>
+          <p:nvPr/>
+        </p:nvSpPr>
+        <p:spPr>
+          <a:xfrm>
+            <a:off x="1737360" y="382680"/>
+            <a:ext cx="1020960" cy="637560"/>
+          </a:xfrm>
+          <a:prstGeom prst="rect">
+            <a:avLst/>
+          </a:prstGeom>
+          <a:noFill/>
+          <a:ln>
+            <a:noFill/>
+          </a:ln>
+        </p:spPr>
+        <p:style>
+          <a:lnRef idx="0"/>
+          <a:fillRef idx="0"/>
+          <a:effectRef idx="0"/>
+          <a:fontRef idx="minor"/>
+        </p:style>
+        <p:txBody>
+          <a:bodyPr wrap="none" lIns="90000" rIns="90000" tIns="45000" bIns="45000"/>
+          <a:p>
+            <a:pPr>
+              <a:lnSpc>
+                <a:spcPct val="100000"/>
+              </a:lnSpc>
+            </a:pPr>
+            <a:r>
+              <a:rPr b="0" lang="en-US" sz="3600" spc="-1" strike="noStrike">
+                <a:solidFill>
+                  <a:srgbClr val="000000"/>
+                </a:solidFill>
+                <a:latin typeface="맑은 고딕"/>
+                <a:ea typeface="DejaVu Sans"/>
+              </a:rPr>
+              <a:t>[</a:t>
+            </a:r>
+            <a:r>
+              <a:rPr b="0" lang="en-US" sz="3600" spc="-1" strike="noStrike">
+                <a:solidFill>
+                  <a:srgbClr val="000000"/>
+                </a:solidFill>
+                <a:latin typeface="맑은 고딕"/>
+                <a:ea typeface="DejaVu Sans"/>
+              </a:rPr>
+              <a:t>숙제</a:t>
+            </a:r>
+            <a:r>
+              <a:rPr b="0" lang="en-US" sz="3600" spc="-1" strike="noStrike">
+                <a:solidFill>
+                  <a:srgbClr val="000000"/>
+                </a:solidFill>
+                <a:latin typeface="맑은 고딕"/>
+                <a:ea typeface="DejaVu Sans"/>
+              </a:rPr>
+              <a:t>]</a:t>
+            </a:r>
+            <a:r>
+              <a:rPr b="0" lang="en-US" sz="3600" spc="-1" strike="noStrike">
+                <a:solidFill>
+                  <a:srgbClr val="000000"/>
+                </a:solidFill>
+                <a:latin typeface="맑은 고딕"/>
+                <a:ea typeface="DejaVu Sans"/>
+              </a:rPr>
+              <a:t>Turtlesim ROS2 </a:t>
+            </a:r>
+            <a:r>
+              <a:rPr b="0" lang="en-US" sz="3600" spc="-1" strike="noStrike">
+                <a:solidFill>
+                  <a:srgbClr val="000000"/>
+                </a:solidFill>
+                <a:latin typeface="맑은 고딕"/>
+                <a:ea typeface="DejaVu Sans"/>
+              </a:rPr>
+              <a:t>돌아가게 만들기</a:t>
+            </a:r>
+            <a:endParaRPr b="0" lang="en-US" sz="3600" spc="-1" strike="noStrike">
+              <a:latin typeface="Arial"/>
+            </a:endParaRPr>
+          </a:p>
+        </p:txBody>
+      </p:sp>
+      <p:pic>
+        <p:nvPicPr>
+          <p:cNvPr id="122" name="Picture 2" descr=""/>
+          <p:cNvPicPr/>
+          <p:nvPr/>
+        </p:nvPicPr>
+        <p:blipFill>
+          <a:blip r:embed="rId2"/>
+          <a:stretch/>
+        </p:blipFill>
+        <p:spPr>
+          <a:xfrm>
+            <a:off x="6532560" y="1285200"/>
+            <a:ext cx="2182320" cy="2304360"/>
+          </a:xfrm>
+          <a:prstGeom prst="rect">
+            <a:avLst/>
+          </a:prstGeom>
+          <a:ln>
+            <a:noFill/>
+          </a:ln>
+        </p:spPr>
+      </p:pic>
+      <p:pic>
+        <p:nvPicPr>
+          <p:cNvPr id="123" name="Picture 4" descr=""/>
+          <p:cNvPicPr/>
+          <p:nvPr/>
+        </p:nvPicPr>
+        <p:blipFill>
+          <a:blip r:embed="rId3"/>
+          <a:stretch/>
+        </p:blipFill>
+        <p:spPr>
+          <a:xfrm>
+            <a:off x="3098880" y="1615680"/>
+            <a:ext cx="2394360" cy="1643400"/>
+          </a:xfrm>
+          <a:prstGeom prst="rect">
+            <a:avLst/>
+          </a:prstGeom>
+          <a:ln>
+            <a:noFill/>
+          </a:ln>
+        </p:spPr>
+      </p:pic>
+      <p:sp>
+        <p:nvSpPr>
+          <p:cNvPr id="124" name="CustomShape 2"/>
+          <p:cNvSpPr/>
+          <p:nvPr/>
+        </p:nvSpPr>
+        <p:spPr>
+          <a:xfrm>
+            <a:off x="1188720" y="4453920"/>
+            <a:ext cx="9784080" cy="2404080"/>
+          </a:xfrm>
+          <a:prstGeom prst="rect">
+            <a:avLst/>
+          </a:prstGeom>
+          <a:noFill/>
+          <a:ln>
+            <a:noFill/>
+          </a:ln>
+        </p:spPr>
+        <p:style>
+          <a:lnRef idx="0"/>
+          <a:fillRef idx="0"/>
+          <a:effectRef idx="0"/>
+          <a:fontRef idx="minor"/>
+        </p:style>
+        <p:txBody>
+          <a:bodyPr lIns="90000" rIns="90000" tIns="45000" bIns="45000">
+            <a:normAutofit/>
+          </a:bodyPr>
+          <a:p>
+            <a:pPr>
+              <a:lnSpc>
+                <a:spcPct val="100000"/>
+              </a:lnSpc>
+              <a:spcBef>
+                <a:spcPts val="479"/>
+              </a:spcBef>
+            </a:pPr>
+            <a:r>
+              <a:rPr b="0" lang="en-US" sz="1800" spc="-1" strike="noStrike">
+                <a:solidFill>
+                  <a:srgbClr val="000000"/>
+                </a:solidFill>
+                <a:latin typeface="Arial"/>
+                <a:ea typeface="DejaVu Sans"/>
+              </a:rPr>
+              <a:t>[1] $ r2 </a:t>
+            </a:r>
+            <a:r>
+              <a:rPr b="0" lang="en-US" sz="1800" spc="-1" strike="noStrike">
+                <a:solidFill>
+                  <a:srgbClr val="000000"/>
+                </a:solidFill>
+                <a:latin typeface="Arial"/>
+                <a:ea typeface="DejaVu Sans"/>
+              </a:rPr>
+              <a:t>&amp;&amp; cd ~/</a:t>
+            </a:r>
+            <a:r>
+              <a:rPr b="0" lang="en-US" sz="1800" spc="-1" strike="noStrike">
+                <a:solidFill>
+                  <a:srgbClr val="000000"/>
+                </a:solidFill>
+                <a:latin typeface="Arial"/>
+                <a:ea typeface="DejaVu Sans"/>
+              </a:rPr>
+              <a:t>colcon_w</a:t>
+            </a:r>
+            <a:r>
+              <a:rPr b="0" lang="en-US" sz="1800" spc="-1" strike="noStrike">
+                <a:solidFill>
+                  <a:srgbClr val="000000"/>
+                </a:solidFill>
+                <a:latin typeface="Arial"/>
+                <a:ea typeface="DejaVu Sans"/>
+              </a:rPr>
+              <a:t>s/src/ &amp;&amp; </a:t>
+            </a:r>
+            <a:r>
+              <a:rPr b="0" lang="en-US" sz="1800" spc="-1" strike="noStrike">
+                <a:solidFill>
+                  <a:srgbClr val="000000"/>
+                </a:solidFill>
+                <a:latin typeface="Arial"/>
+                <a:ea typeface="DejaVu Sans"/>
+              </a:rPr>
+              <a:t>git clone </a:t>
+            </a:r>
+            <a:r>
+              <a:rPr b="0" lang="en-US" sz="1800" spc="-1" strike="noStrike">
+                <a:solidFill>
+                  <a:srgbClr val="000000"/>
+                </a:solidFill>
+                <a:latin typeface="Arial"/>
+                <a:ea typeface="DejaVu Sans"/>
+              </a:rPr>
+              <a:t>https://git</a:t>
+            </a:r>
+            <a:r>
+              <a:rPr b="0" lang="en-US" sz="1800" spc="-1" strike="noStrike">
+                <a:solidFill>
+                  <a:srgbClr val="000000"/>
+                </a:solidFill>
+                <a:latin typeface="Arial"/>
+                <a:ea typeface="DejaVu Sans"/>
+              </a:rPr>
+              <a:t>hub.com/</a:t>
+            </a:r>
+            <a:r>
+              <a:rPr b="0" lang="en-US" sz="1800" spc="-1" strike="noStrike">
+                <a:solidFill>
+                  <a:srgbClr val="000000"/>
+                </a:solidFill>
+                <a:latin typeface="Arial"/>
+                <a:ea typeface="DejaVu Sans"/>
+              </a:rPr>
+              <a:t>sukha-</a:t>
+            </a:r>
+            <a:r>
+              <a:rPr b="0" lang="en-US" sz="1800" spc="-1" strike="noStrike">
+                <a:solidFill>
+                  <a:srgbClr val="000000"/>
+                </a:solidFill>
+                <a:latin typeface="Arial"/>
+                <a:ea typeface="DejaVu Sans"/>
+              </a:rPr>
+              <a:t>cn/turtlesi</a:t>
+            </a:r>
+            <a:r>
+              <a:rPr b="0" lang="en-US" sz="1800" spc="-1" strike="noStrike">
+                <a:solidFill>
+                  <a:srgbClr val="000000"/>
+                </a:solidFill>
+                <a:latin typeface="Arial"/>
+                <a:ea typeface="DejaVu Sans"/>
+              </a:rPr>
+              <a:t>m-</a:t>
+            </a:r>
+            <a:r>
+              <a:rPr b="0" lang="en-US" sz="1800" spc="-1" strike="noStrike">
+                <a:solidFill>
+                  <a:srgbClr val="000000"/>
+                </a:solidFill>
+                <a:latin typeface="Arial"/>
+                <a:ea typeface="DejaVu Sans"/>
+              </a:rPr>
+              <a:t>ros2.git </a:t>
+            </a:r>
+            <a:endParaRPr b="0" lang="en-US" sz="1800" spc="-1" strike="noStrike">
+              <a:latin typeface="Arial"/>
+            </a:endParaRPr>
+          </a:p>
+          <a:p>
+            <a:pPr>
+              <a:lnSpc>
+                <a:spcPct val="100000"/>
+              </a:lnSpc>
+              <a:spcBef>
+                <a:spcPts val="479"/>
+              </a:spcBef>
+            </a:pPr>
+            <a:r>
+              <a:rPr b="0" lang="en-US" sz="1800" spc="-1" strike="noStrike">
+                <a:solidFill>
+                  <a:srgbClr val="000000"/>
+                </a:solidFill>
+                <a:latin typeface="Arial"/>
+                <a:ea typeface="DejaVu Sans"/>
+              </a:rPr>
+              <a:t>[</a:t>
+            </a:r>
+            <a:r>
+              <a:rPr b="0" lang="en-US" sz="1800" spc="-1" strike="noStrike">
+                <a:solidFill>
+                  <a:srgbClr val="000000"/>
+                </a:solidFill>
+                <a:latin typeface="Arial"/>
+                <a:ea typeface="DejaVu Sans"/>
+              </a:rPr>
+              <a:t>수정 후</a:t>
+            </a:r>
+            <a:r>
+              <a:rPr b="0" lang="en-US" sz="1800" spc="-1" strike="noStrike">
+                <a:solidFill>
+                  <a:srgbClr val="000000"/>
+                </a:solidFill>
+                <a:latin typeface="Arial"/>
+                <a:ea typeface="DejaVu Sans"/>
+              </a:rPr>
+              <a:t>] </a:t>
+            </a:r>
+            <a:r>
+              <a:rPr b="0" lang="en-US" sz="1800" spc="-1" strike="noStrike">
+                <a:solidFill>
+                  <a:srgbClr val="000000"/>
+                </a:solidFill>
+                <a:latin typeface="Arial"/>
+                <a:ea typeface="DejaVu Sans"/>
+              </a:rPr>
+              <a:t>...</a:t>
+            </a:r>
+            <a:endParaRPr b="0" lang="en-US" sz="1800" spc="-1" strike="noStrike">
+              <a:latin typeface="Arial"/>
+            </a:endParaRPr>
+          </a:p>
+          <a:p>
+            <a:pPr>
+              <a:lnSpc>
+                <a:spcPct val="100000"/>
+              </a:lnSpc>
+              <a:spcBef>
+                <a:spcPts val="479"/>
+              </a:spcBef>
+            </a:pPr>
+            <a:r>
+              <a:rPr b="0" lang="en-US" sz="1800" spc="-1" strike="noStrike">
+                <a:solidFill>
+                  <a:srgbClr val="000000"/>
+                </a:solidFill>
+                <a:latin typeface="Arial"/>
+                <a:ea typeface="DejaVu Sans"/>
+              </a:rPr>
+              <a:t>[1] $ r2 </a:t>
+            </a:r>
+            <a:r>
+              <a:rPr b="0" lang="en-US" sz="1800" spc="-1" strike="noStrike">
+                <a:solidFill>
+                  <a:srgbClr val="000000"/>
+                </a:solidFill>
+                <a:latin typeface="Arial"/>
+                <a:ea typeface="DejaVu Sans"/>
+              </a:rPr>
+              <a:t>&amp;&amp; ros2 </a:t>
+            </a:r>
+            <a:r>
+              <a:rPr b="0" lang="en-US" sz="1800" spc="-1" strike="noStrike">
+                <a:solidFill>
+                  <a:srgbClr val="000000"/>
+                </a:solidFill>
+                <a:latin typeface="Arial"/>
+                <a:ea typeface="DejaVu Sans"/>
+              </a:rPr>
+              <a:t>run </a:t>
+            </a:r>
+            <a:r>
+              <a:rPr b="0" lang="en-US" sz="1800" spc="-1" strike="noStrike">
+                <a:solidFill>
+                  <a:srgbClr val="000000"/>
+                </a:solidFill>
+                <a:latin typeface="Arial"/>
+                <a:ea typeface="DejaVu Sans"/>
+              </a:rPr>
+              <a:t>turtlesim </a:t>
+            </a:r>
+            <a:r>
+              <a:rPr b="0" lang="en-US" sz="1800" spc="-1" strike="noStrike">
+                <a:solidFill>
+                  <a:srgbClr val="000000"/>
+                </a:solidFill>
+                <a:latin typeface="Arial"/>
+                <a:ea typeface="DejaVu Sans"/>
+              </a:rPr>
+              <a:t>turtle_tel</a:t>
+            </a:r>
+            <a:r>
+              <a:rPr b="0" lang="en-US" sz="1800" spc="-1" strike="noStrike">
+                <a:solidFill>
+                  <a:srgbClr val="000000"/>
+                </a:solidFill>
+                <a:latin typeface="Arial"/>
+                <a:ea typeface="DejaVu Sans"/>
+              </a:rPr>
+              <a:t>eop_key</a:t>
+            </a:r>
+            <a:endParaRPr b="0" lang="en-US" sz="1800" spc="-1" strike="noStrike">
+              <a:latin typeface="Arial"/>
+            </a:endParaRPr>
+          </a:p>
+          <a:p>
+            <a:pPr>
+              <a:lnSpc>
+                <a:spcPct val="100000"/>
+              </a:lnSpc>
+              <a:spcBef>
+                <a:spcPts val="479"/>
+              </a:spcBef>
+            </a:pPr>
+            <a:r>
+              <a:rPr b="0" lang="en-US" sz="1800" spc="-1" strike="noStrike">
+                <a:solidFill>
+                  <a:srgbClr val="000000"/>
+                </a:solidFill>
+                <a:latin typeface="Arial"/>
+                <a:ea typeface="DejaVu Sans"/>
+              </a:rPr>
+              <a:t>[2] $ r2 </a:t>
+            </a:r>
+            <a:r>
+              <a:rPr b="0" lang="en-US" sz="1800" spc="-1" strike="noStrike">
+                <a:solidFill>
+                  <a:srgbClr val="000000"/>
+                </a:solidFill>
+                <a:latin typeface="Arial"/>
+                <a:ea typeface="DejaVu Sans"/>
+              </a:rPr>
+              <a:t>&amp;&amp; ros2 </a:t>
+            </a:r>
+            <a:r>
+              <a:rPr b="0" lang="en-US" sz="1800" spc="-1" strike="noStrike">
+                <a:solidFill>
+                  <a:srgbClr val="000000"/>
+                </a:solidFill>
+                <a:latin typeface="Arial"/>
+                <a:ea typeface="DejaVu Sans"/>
+              </a:rPr>
+              <a:t>run </a:t>
+            </a:r>
+            <a:r>
+              <a:rPr b="0" lang="en-US" sz="1800" spc="-1" strike="noStrike">
+                <a:solidFill>
+                  <a:srgbClr val="000000"/>
+                </a:solidFill>
+                <a:latin typeface="Arial"/>
+                <a:ea typeface="DejaVu Sans"/>
+              </a:rPr>
+              <a:t>turtlesim </a:t>
+            </a:r>
+            <a:r>
+              <a:rPr b="0" lang="en-US" sz="1800" spc="-1" strike="noStrike">
+                <a:solidFill>
+                  <a:srgbClr val="000000"/>
+                </a:solidFill>
+                <a:latin typeface="Arial"/>
+                <a:ea typeface="DejaVu Sans"/>
+              </a:rPr>
+              <a:t>turtlesim</a:t>
+            </a:r>
+            <a:r>
+              <a:rPr b="0" lang="en-US" sz="1800" spc="-1" strike="noStrike">
+                <a:solidFill>
+                  <a:srgbClr val="000000"/>
+                </a:solidFill>
+                <a:latin typeface="Arial"/>
+                <a:ea typeface="DejaVu Sans"/>
+              </a:rPr>
+              <a:t>_node</a:t>
+            </a:r>
+            <a:endParaRPr b="0" lang="en-US" sz="1800" spc="-1" strike="noStrike">
+              <a:latin typeface="Arial"/>
+            </a:endParaRPr>
+          </a:p>
+        </p:txBody>
+      </p:sp>
+      <p:sp>
+        <p:nvSpPr>
+          <p:cNvPr id="125" name="CustomShape 3"/>
+          <p:cNvSpPr/>
+          <p:nvPr/>
+        </p:nvSpPr>
+        <p:spPr>
+          <a:xfrm>
+            <a:off x="5721120" y="2210760"/>
+            <a:ext cx="611640" cy="453600"/>
+          </a:xfrm>
+          <a:prstGeom prst="rightArrow">
+            <a:avLst>
+              <a:gd name="adj1" fmla="val 50000"/>
+              <a:gd name="adj2" fmla="val 50000"/>
+            </a:avLst>
+          </a:prstGeom>
+          <a:solidFill>
+            <a:schemeClr val="tx2">
+              <a:lumMod val="60000"/>
+              <a:lumOff val="40000"/>
+            </a:schemeClr>
+          </a:solidFill>
+          <a:ln>
+            <a:solidFill>
+              <a:schemeClr val="tx2">
+                <a:lumMod val="60000"/>
+                <a:lumOff val="40000"/>
+              </a:schemeClr>
+            </a:solidFill>
+            <a:round/>
+          </a:ln>
+        </p:spPr>
+        <p:style>
+          <a:lnRef idx="2">
+            <a:schemeClr val="accent1">
+              <a:shade val="50000"/>
+            </a:schemeClr>
+          </a:lnRef>
+          <a:fillRef idx="1">
+            <a:schemeClr val="accent1"/>
+          </a:fillRef>
+          <a:effectRef idx="0">
+            <a:schemeClr val="accent1"/>
+          </a:effectRef>
+          <a:fontRef idx="minor"/>
+        </p:style>
+      </p:sp>
+    </p:spTree>
+  </p:cSld>
+  <p:timing>
+    <p:tnLst>
+      <p:par>
+        <p:cTn id="25" dur="indefinite" restart="never" nodeType="tmRoot">
+          <p:childTnLst>
+            <p:seq>
+              <p:cTn id="26" dur="indefinite" nodeType="mainSeq"/>
               <p:prevCondLst>
                 <p:cond delay="0" evt="onPrev">
                   <p:tgtEl>
@@ -3428,7 +3802,7 @@
       </p:grpSpPr>
       <p:pic>
         <p:nvPicPr>
-          <p:cNvPr id="79" name="Picture 12" descr=""/>
+          <p:cNvPr id="41" name="Picture 12" descr=""/>
           <p:cNvPicPr/>
           <p:nvPr/>
         </p:nvPicPr>
@@ -3439,7 +3813,7 @@
         <p:spPr>
           <a:xfrm>
             <a:off x="343080" y="125640"/>
-            <a:ext cx="1158480" cy="1158480"/>
+            <a:ext cx="1158120" cy="1158120"/>
           </a:xfrm>
           <a:prstGeom prst="rect">
             <a:avLst/>
@@ -3451,14 +3825,14 @@
       </p:pic>
       <p:sp>
         <p:nvSpPr>
-          <p:cNvPr id="80" name="CustomShape 1"/>
+          <p:cNvPr id="42" name="CustomShape 1"/>
           <p:cNvSpPr/>
           <p:nvPr/>
         </p:nvSpPr>
         <p:spPr>
           <a:xfrm>
             <a:off x="1737360" y="382680"/>
-            <a:ext cx="2909880" cy="637200"/>
+            <a:ext cx="2909520" cy="636840"/>
           </a:xfrm>
           <a:prstGeom prst="rect">
             <a:avLst/>
@@ -3500,14 +3874,14 @@
       </p:sp>
       <p:sp>
         <p:nvSpPr>
-          <p:cNvPr id="81" name="CustomShape 2"/>
+          <p:cNvPr id="43" name="CustomShape 2"/>
           <p:cNvSpPr/>
           <p:nvPr/>
         </p:nvSpPr>
         <p:spPr>
           <a:xfrm>
             <a:off x="494640" y="1082880"/>
-            <a:ext cx="5632920" cy="412560"/>
+            <a:ext cx="5632560" cy="412200"/>
           </a:xfrm>
           <a:prstGeom prst="rect">
             <a:avLst/>
@@ -3589,14 +3963,14 @@
       </p:sp>
       <p:sp>
         <p:nvSpPr>
-          <p:cNvPr id="82" name="CustomShape 3"/>
+          <p:cNvPr id="44" name="CustomShape 3"/>
           <p:cNvSpPr/>
           <p:nvPr/>
         </p:nvSpPr>
         <p:spPr>
           <a:xfrm>
             <a:off x="100800" y="1431720"/>
-            <a:ext cx="6095160" cy="5302080"/>
+            <a:ext cx="6094800" cy="5301720"/>
           </a:xfrm>
           <a:prstGeom prst="rect">
             <a:avLst/>
@@ -4928,7 +5302,7 @@
       </p:sp>
       <p:sp>
         <p:nvSpPr>
-          <p:cNvPr id="83" name="Line 4"/>
+          <p:cNvPr id="45" name="Line 4"/>
           <p:cNvSpPr/>
           <p:nvPr/>
         </p:nvSpPr>
@@ -4965,14 +5339,14 @@
       </p:sp>
       <p:sp>
         <p:nvSpPr>
-          <p:cNvPr id="84" name="CustomShape 5"/>
+          <p:cNvPr id="46" name="CustomShape 5"/>
           <p:cNvSpPr/>
           <p:nvPr/>
         </p:nvSpPr>
         <p:spPr>
           <a:xfrm>
             <a:off x="6421680" y="1427040"/>
-            <a:ext cx="5664600" cy="5302080"/>
+            <a:ext cx="5664240" cy="5301720"/>
           </a:xfrm>
           <a:prstGeom prst="rect">
             <a:avLst/>
@@ -6284,14 +6658,14 @@
       </p:sp>
       <p:sp>
         <p:nvSpPr>
-          <p:cNvPr id="85" name="CustomShape 6"/>
+          <p:cNvPr id="47" name="CustomShape 6"/>
           <p:cNvSpPr/>
           <p:nvPr/>
         </p:nvSpPr>
         <p:spPr>
           <a:xfrm>
             <a:off x="6397560" y="1078200"/>
-            <a:ext cx="5632920" cy="412560"/>
+            <a:ext cx="5632560" cy="412200"/>
           </a:xfrm>
           <a:prstGeom prst="rect">
             <a:avLst/>
@@ -6382,7 +6756,7 @@
       </p:grpSpPr>
       <p:pic>
         <p:nvPicPr>
-          <p:cNvPr id="86" name="Picture 12" descr=""/>
+          <p:cNvPr id="48" name="Picture 12" descr=""/>
           <p:cNvPicPr/>
           <p:nvPr/>
         </p:nvPicPr>
@@ -6393,7 +6767,7 @@
         <p:spPr>
           <a:xfrm>
             <a:off x="343080" y="125640"/>
-            <a:ext cx="1158480" cy="1158480"/>
+            <a:ext cx="1158120" cy="1158120"/>
           </a:xfrm>
           <a:prstGeom prst="rect">
             <a:avLst/>
@@ -6405,14 +6779,14 @@
       </p:pic>
       <p:sp>
         <p:nvSpPr>
-          <p:cNvPr id="87" name="CustomShape 1"/>
+          <p:cNvPr id="49" name="CustomShape 1"/>
           <p:cNvSpPr/>
           <p:nvPr/>
         </p:nvSpPr>
         <p:spPr>
           <a:xfrm>
             <a:off x="1737360" y="382680"/>
-            <a:ext cx="2909880" cy="637200"/>
+            <a:ext cx="2909520" cy="636840"/>
           </a:xfrm>
           <a:prstGeom prst="rect">
             <a:avLst/>
@@ -6454,14 +6828,14 @@
       </p:sp>
       <p:sp>
         <p:nvSpPr>
-          <p:cNvPr id="88" name="CustomShape 2"/>
+          <p:cNvPr id="50" name="CustomShape 2"/>
           <p:cNvSpPr/>
           <p:nvPr/>
         </p:nvSpPr>
         <p:spPr>
           <a:xfrm>
             <a:off x="494640" y="1082880"/>
-            <a:ext cx="5632920" cy="412560"/>
+            <a:ext cx="5632560" cy="412200"/>
           </a:xfrm>
           <a:prstGeom prst="rect">
             <a:avLst/>
@@ -6543,14 +6917,14 @@
       </p:sp>
       <p:sp>
         <p:nvSpPr>
-          <p:cNvPr id="89" name="CustomShape 3"/>
+          <p:cNvPr id="51" name="CustomShape 3"/>
           <p:cNvSpPr/>
           <p:nvPr/>
         </p:nvSpPr>
         <p:spPr>
           <a:xfrm>
             <a:off x="100800" y="1431720"/>
-            <a:ext cx="6095160" cy="3286800"/>
+            <a:ext cx="6094800" cy="3286440"/>
           </a:xfrm>
           <a:prstGeom prst="rect">
             <a:avLst/>
@@ -7052,7 +7426,7 @@
       </p:sp>
       <p:sp>
         <p:nvSpPr>
-          <p:cNvPr id="90" name="Line 4"/>
+          <p:cNvPr id="52" name="Line 4"/>
           <p:cNvSpPr/>
           <p:nvPr/>
         </p:nvSpPr>
@@ -7089,14 +7463,14 @@
       </p:sp>
       <p:sp>
         <p:nvSpPr>
-          <p:cNvPr id="91" name="CustomShape 5"/>
+          <p:cNvPr id="53" name="CustomShape 5"/>
           <p:cNvSpPr/>
           <p:nvPr/>
         </p:nvSpPr>
         <p:spPr>
           <a:xfrm>
             <a:off x="6397560" y="1427040"/>
-            <a:ext cx="5664600" cy="4869360"/>
+            <a:ext cx="5664240" cy="4869000"/>
           </a:xfrm>
           <a:prstGeom prst="rect">
             <a:avLst/>
@@ -7818,7 +8192,17 @@
                 <a:latin typeface="Arial"/>
                 <a:ea typeface="DejaVu Sans"/>
               </a:rPr>
-              <a:t>ament_target_dependencies(bar "std_msgs" "rclcpp")</a:t>
+              <a:t>ament_target_dependencies(bar "rclcpp" </a:t>
+            </a:r>
+            <a:r>
+              <a:rPr b="0" lang="en-US" sz="1300" spc="-1" strike="noStrike">
+                <a:solidFill>
+                  <a:srgbClr val="000000"/>
+                </a:solidFill>
+                <a:latin typeface="Arial"/>
+                <a:ea typeface="DejaVu Sans"/>
+              </a:rPr>
+              <a:t>"std_msgs")</a:t>
             </a:r>
             <a:endParaRPr b="0" lang="en-US" sz="1300" spc="-1" strike="noStrike">
               <a:latin typeface="Arial"/>
@@ -7888,14 +8272,14 @@
       </p:sp>
       <p:sp>
         <p:nvSpPr>
-          <p:cNvPr id="92" name="CustomShape 6"/>
+          <p:cNvPr id="54" name="CustomShape 6"/>
           <p:cNvSpPr/>
           <p:nvPr/>
         </p:nvSpPr>
         <p:spPr>
           <a:xfrm>
             <a:off x="6397560" y="1078200"/>
-            <a:ext cx="5632920" cy="412560"/>
+            <a:ext cx="5632560" cy="412200"/>
           </a:xfrm>
           <a:prstGeom prst="rect">
             <a:avLst/>
@@ -7986,7 +8370,7 @@
       </p:grpSpPr>
       <p:pic>
         <p:nvPicPr>
-          <p:cNvPr id="93" name="Picture 12" descr=""/>
+          <p:cNvPr id="55" name="Picture 12" descr=""/>
           <p:cNvPicPr/>
           <p:nvPr/>
         </p:nvPicPr>
@@ -7997,7 +8381,7 @@
         <p:spPr>
           <a:xfrm>
             <a:off x="343080" y="125640"/>
-            <a:ext cx="1158480" cy="1158480"/>
+            <a:ext cx="1158120" cy="1158120"/>
           </a:xfrm>
           <a:prstGeom prst="rect">
             <a:avLst/>
@@ -8009,14 +8393,14 @@
       </p:pic>
       <p:sp>
         <p:nvSpPr>
-          <p:cNvPr id="94" name="CustomShape 1"/>
+          <p:cNvPr id="56" name="CustomShape 1"/>
           <p:cNvSpPr/>
           <p:nvPr/>
         </p:nvSpPr>
         <p:spPr>
           <a:xfrm>
             <a:off x="1737360" y="382680"/>
-            <a:ext cx="2909880" cy="637200"/>
+            <a:ext cx="2909520" cy="636840"/>
           </a:xfrm>
           <a:prstGeom prst="rect">
             <a:avLst/>
@@ -8058,14 +8442,14 @@
       </p:sp>
       <p:sp>
         <p:nvSpPr>
-          <p:cNvPr id="95" name="CustomShape 2"/>
+          <p:cNvPr id="57" name="CustomShape 2"/>
           <p:cNvSpPr/>
           <p:nvPr/>
         </p:nvSpPr>
         <p:spPr>
           <a:xfrm>
             <a:off x="494640" y="1082880"/>
-            <a:ext cx="5632920" cy="412560"/>
+            <a:ext cx="5632560" cy="412200"/>
           </a:xfrm>
           <a:prstGeom prst="rect">
             <a:avLst/>
@@ -8147,14 +8531,14 @@
       </p:sp>
       <p:sp>
         <p:nvSpPr>
-          <p:cNvPr id="96" name="CustomShape 3"/>
+          <p:cNvPr id="58" name="CustomShape 3"/>
           <p:cNvSpPr/>
           <p:nvPr/>
         </p:nvSpPr>
         <p:spPr>
           <a:xfrm>
             <a:off x="100800" y="1431720"/>
-            <a:ext cx="6095160" cy="5097600"/>
+            <a:ext cx="6094800" cy="5097240"/>
           </a:xfrm>
           <a:prstGeom prst="rect">
             <a:avLst/>
@@ -8386,47 +8770,48 @@
                 <a:latin typeface="Arial"/>
                 <a:ea typeface="DejaVu Sans"/>
               </a:rPr>
-              <a:t>&lt;maintainer email=</a:t>
-            </a:r>
-            <a:r>
-              <a:rPr b="0" lang="en-US" sz="1050" spc="-1" strike="noStrike">
-                <a:solidFill>
-                  <a:srgbClr val="000000"/>
-                </a:solidFill>
-                <a:latin typeface="Arial"/>
-                <a:ea typeface="DejaVu Sans"/>
-              </a:rPr>
-              <a:t>"contact2auturbo@gmail.com"&gt;AuTURBO&lt;/maintainer&gt;</a:t>
-            </a:r>
-            <a:endParaRPr b="0" lang="en-US" sz="1050" spc="-1" strike="noStrike">
-              <a:latin typeface="Arial"/>
-            </a:endParaRPr>
-          </a:p>
-          <a:p>
-            <a:pPr marL="1440">
-              <a:lnSpc>
-                <a:spcPct val="100000"/>
-              </a:lnSpc>
-            </a:pPr>
-            <a:r>
-              <a:rPr b="0" lang="en-US" sz="1400" spc="-1" strike="noStrike">
-                <a:solidFill>
-                  <a:srgbClr val="000000"/>
-                </a:solidFill>
-                <a:latin typeface="Arial"/>
-                <a:ea typeface="DejaVu Sans"/>
-              </a:rPr>
-              <a:t> </a:t>
-            </a:r>
-            <a:r>
-              <a:rPr b="0" lang="en-US" sz="1050" spc="-1" strike="noStrike">
-                <a:solidFill>
-                  <a:srgbClr val="000000"/>
-                </a:solidFill>
-                <a:latin typeface="Arial"/>
-                <a:ea typeface="DejaVu Sans"/>
-              </a:rPr>
-              <a:t> </a:t>
+              <a:t>&lt;maintainer email="</a:t>
+            </a:r>
+            <a:r>
+              <a:rPr b="0" lang="en-US" sz="1050" spc="-1" strike="noStrike">
+                <a:solidFill>
+                  <a:srgbClr val="000000"/>
+                </a:solidFill>
+                <a:latin typeface="Arial"/>
+                <a:ea typeface="DejaVu Sans"/>
+                <a:hlinkClick r:id="rId2"/>
+              </a:rPr>
+              <a:t>contact2auturbo@gmail.com</a:t>
+            </a:r>
+            <a:r>
+              <a:rPr b="0" lang="en-US" sz="1050" spc="-1" strike="noStrike">
+                <a:solidFill>
+                  <a:srgbClr val="000000"/>
+                </a:solidFill>
+                <a:latin typeface="Arial"/>
+                <a:ea typeface="DejaVu Sans"/>
+              </a:rPr>
+              <a:t>"&gt;AuTURBO&lt;/maintainer&gt;</a:t>
+            </a:r>
+            <a:endParaRPr b="0" lang="en-US" sz="1050" spc="-1" strike="noStrike">
+              <a:latin typeface="Arial"/>
+            </a:endParaRPr>
+          </a:p>
+          <a:p>
+            <a:pPr marL="1440">
+              <a:lnSpc>
+                <a:spcPct val="100000"/>
+              </a:lnSpc>
+            </a:pPr>
+            <a:r>
+              <a:rPr b="0" lang="en-US" sz="1050" spc="-1" strike="noStrike">
+                <a:solidFill>
+                  <a:srgbClr val="000000"/>
+                </a:solidFill>
+                <a:latin typeface="Arial"/>
+                <a:ea typeface="DejaVu Sans"/>
+              </a:rPr>
+              <a:t>  </a:t>
             </a:r>
             <a:r>
               <a:rPr b="0" lang="en-US" sz="1050" spc="-1" strike="noStrike">
@@ -8826,7 +9211,7 @@
       </p:sp>
       <p:sp>
         <p:nvSpPr>
-          <p:cNvPr id="97" name="Line 4"/>
+          <p:cNvPr id="59" name="Line 4"/>
           <p:cNvSpPr/>
           <p:nvPr/>
         </p:nvSpPr>
@@ -8863,14 +9248,14 @@
       </p:sp>
       <p:sp>
         <p:nvSpPr>
-          <p:cNvPr id="98" name="CustomShape 5"/>
+          <p:cNvPr id="60" name="CustomShape 5"/>
           <p:cNvSpPr/>
           <p:nvPr/>
         </p:nvSpPr>
         <p:spPr>
           <a:xfrm>
             <a:off x="6421680" y="1427040"/>
-            <a:ext cx="5664600" cy="5311440"/>
+            <a:ext cx="5664240" cy="5311080"/>
           </a:xfrm>
           <a:prstGeom prst="rect">
             <a:avLst/>
@@ -8942,10 +9327,10 @@
                 <a:latin typeface="Arial"/>
                 <a:ea typeface="DejaVu Sans"/>
               </a:rPr>
-              <a:t>  </a:t>
-            </a:r>
-            <a:r>
-              <a:rPr b="0" lang="en-US" sz="1400" spc="-1" strike="noStrike">
+              <a:t> </a:t>
+            </a:r>
+            <a:r>
+              <a:rPr b="0" lang="en-US" sz="1050" spc="-1" strike="noStrike">
                 <a:solidFill>
                   <a:srgbClr val="000000"/>
                 </a:solidFill>
@@ -8954,7 +9339,7 @@
               </a:rPr>
               <a:t>&lt;name&gt;foo_pkg&lt;/name&gt;</a:t>
             </a:r>
-            <a:endParaRPr b="0" lang="en-US" sz="1400" spc="-1" strike="noStrike">
+            <a:endParaRPr b="0" lang="en-US" sz="1050" spc="-1" strike="noStrike">
               <a:latin typeface="Arial"/>
             </a:endParaRPr>
           </a:p>
@@ -9532,14 +9917,14 @@
       </p:sp>
       <p:sp>
         <p:nvSpPr>
-          <p:cNvPr id="99" name="CustomShape 6"/>
+          <p:cNvPr id="61" name="CustomShape 6"/>
           <p:cNvSpPr/>
           <p:nvPr/>
         </p:nvSpPr>
         <p:spPr>
           <a:xfrm>
             <a:off x="6397560" y="1078200"/>
-            <a:ext cx="5632920" cy="412560"/>
+            <a:ext cx="5632560" cy="412200"/>
           </a:xfrm>
           <a:prstGeom prst="rect">
             <a:avLst/>
@@ -9630,7 +10015,7 @@
       </p:grpSpPr>
       <p:pic>
         <p:nvPicPr>
-          <p:cNvPr id="100" name="Picture 12" descr=""/>
+          <p:cNvPr id="62" name="Picture 12" descr=""/>
           <p:cNvPicPr/>
           <p:nvPr/>
         </p:nvPicPr>
@@ -9641,7 +10026,7 @@
         <p:spPr>
           <a:xfrm>
             <a:off x="343080" y="125640"/>
-            <a:ext cx="1158480" cy="1158480"/>
+            <a:ext cx="1158120" cy="1158120"/>
           </a:xfrm>
           <a:prstGeom prst="rect">
             <a:avLst/>
@@ -9653,14 +10038,14 @@
       </p:pic>
       <p:sp>
         <p:nvSpPr>
-          <p:cNvPr id="101" name="CustomShape 1"/>
+          <p:cNvPr id="63" name="CustomShape 1"/>
           <p:cNvSpPr/>
           <p:nvPr/>
         </p:nvSpPr>
         <p:spPr>
           <a:xfrm>
             <a:off x="1737360" y="382680"/>
-            <a:ext cx="2909880" cy="637200"/>
+            <a:ext cx="2909520" cy="636840"/>
           </a:xfrm>
           <a:prstGeom prst="rect">
             <a:avLst/>
@@ -9702,14 +10087,14 @@
       </p:sp>
       <p:sp>
         <p:nvSpPr>
-          <p:cNvPr id="102" name="CustomShape 2"/>
+          <p:cNvPr id="64" name="CustomShape 2"/>
           <p:cNvSpPr/>
           <p:nvPr/>
         </p:nvSpPr>
         <p:spPr>
           <a:xfrm>
             <a:off x="494640" y="1082880"/>
-            <a:ext cx="5632920" cy="412560"/>
+            <a:ext cx="5632560" cy="412200"/>
           </a:xfrm>
           <a:prstGeom prst="rect">
             <a:avLst/>
@@ -9791,14 +10176,14 @@
       </p:sp>
       <p:sp>
         <p:nvSpPr>
-          <p:cNvPr id="103" name="CustomShape 3"/>
+          <p:cNvPr id="65" name="CustomShape 3"/>
           <p:cNvSpPr/>
           <p:nvPr/>
         </p:nvSpPr>
         <p:spPr>
           <a:xfrm>
             <a:off x="100800" y="1431720"/>
-            <a:ext cx="6095160" cy="4565520"/>
+            <a:ext cx="6094800" cy="4565160"/>
           </a:xfrm>
           <a:prstGeom prst="rect">
             <a:avLst/>
@@ -10510,7 +10895,7 @@
       </p:sp>
       <p:sp>
         <p:nvSpPr>
-          <p:cNvPr id="104" name="Line 4"/>
+          <p:cNvPr id="66" name="Line 4"/>
           <p:cNvSpPr/>
           <p:nvPr/>
         </p:nvSpPr>
@@ -10547,14 +10932,14 @@
       </p:sp>
       <p:sp>
         <p:nvSpPr>
-          <p:cNvPr id="105" name="CustomShape 5"/>
+          <p:cNvPr id="67" name="CustomShape 5"/>
           <p:cNvSpPr/>
           <p:nvPr/>
         </p:nvSpPr>
         <p:spPr>
           <a:xfrm>
             <a:off x="6421680" y="1427040"/>
-            <a:ext cx="5664600" cy="13805640"/>
+            <a:ext cx="5664240" cy="13805280"/>
           </a:xfrm>
           <a:prstGeom prst="rect">
             <a:avLst/>
@@ -11306,14 +11691,14 @@
       </p:sp>
       <p:sp>
         <p:nvSpPr>
-          <p:cNvPr id="106" name="CustomShape 6"/>
+          <p:cNvPr id="68" name="CustomShape 6"/>
           <p:cNvSpPr/>
           <p:nvPr/>
         </p:nvSpPr>
         <p:spPr>
           <a:xfrm>
             <a:off x="6397560" y="1078200"/>
-            <a:ext cx="5632920" cy="412560"/>
+            <a:ext cx="5632560" cy="412200"/>
           </a:xfrm>
           <a:prstGeom prst="rect">
             <a:avLst/>
@@ -11404,7 +11789,7 @@
       </p:grpSpPr>
       <p:pic>
         <p:nvPicPr>
-          <p:cNvPr id="107" name="Picture 12" descr=""/>
+          <p:cNvPr id="69" name="Picture 12" descr=""/>
           <p:cNvPicPr/>
           <p:nvPr/>
         </p:nvPicPr>
@@ -11415,7 +11800,7 @@
         <p:spPr>
           <a:xfrm>
             <a:off x="343080" y="125640"/>
-            <a:ext cx="1158480" cy="1158480"/>
+            <a:ext cx="1158120" cy="1158120"/>
           </a:xfrm>
           <a:prstGeom prst="rect">
             <a:avLst/>
@@ -11427,14 +11812,14 @@
       </p:pic>
       <p:sp>
         <p:nvSpPr>
-          <p:cNvPr id="108" name="CustomShape 1"/>
+          <p:cNvPr id="70" name="CustomShape 1"/>
           <p:cNvSpPr/>
           <p:nvPr/>
         </p:nvSpPr>
         <p:spPr>
           <a:xfrm>
             <a:off x="1737360" y="382680"/>
-            <a:ext cx="2909880" cy="637200"/>
+            <a:ext cx="2909520" cy="636840"/>
           </a:xfrm>
           <a:prstGeom prst="rect">
             <a:avLst/>
@@ -11476,14 +11861,14 @@
       </p:sp>
       <p:sp>
         <p:nvSpPr>
-          <p:cNvPr id="109" name="CustomShape 2"/>
+          <p:cNvPr id="71" name="CustomShape 2"/>
           <p:cNvSpPr/>
           <p:nvPr/>
         </p:nvSpPr>
         <p:spPr>
           <a:xfrm>
             <a:off x="494640" y="1082880"/>
-            <a:ext cx="5632920" cy="412560"/>
+            <a:ext cx="5632560" cy="412200"/>
           </a:xfrm>
           <a:prstGeom prst="rect">
             <a:avLst/>
@@ -11565,7 +11950,7 @@
       </p:sp>
       <p:sp>
         <p:nvSpPr>
-          <p:cNvPr id="110" name="Line 3"/>
+          <p:cNvPr id="72" name="Line 3"/>
           <p:cNvSpPr/>
           <p:nvPr/>
         </p:nvSpPr>
@@ -11602,14 +11987,14 @@
       </p:sp>
       <p:sp>
         <p:nvSpPr>
-          <p:cNvPr id="111" name="CustomShape 4"/>
+          <p:cNvPr id="73" name="CustomShape 4"/>
           <p:cNvSpPr/>
           <p:nvPr/>
         </p:nvSpPr>
         <p:spPr>
           <a:xfrm>
             <a:off x="6397560" y="1078200"/>
-            <a:ext cx="5632920" cy="412560"/>
+            <a:ext cx="5632560" cy="412200"/>
           </a:xfrm>
           <a:prstGeom prst="rect">
             <a:avLst/>
@@ -11651,14 +12036,14 @@
       </p:sp>
       <p:sp>
         <p:nvSpPr>
-          <p:cNvPr id="112" name="CustomShape 5"/>
+          <p:cNvPr id="74" name="CustomShape 5"/>
           <p:cNvSpPr/>
           <p:nvPr/>
         </p:nvSpPr>
         <p:spPr>
           <a:xfrm>
             <a:off x="100800" y="1425600"/>
-            <a:ext cx="6095160" cy="4565520"/>
+            <a:ext cx="6094800" cy="4565160"/>
           </a:xfrm>
           <a:prstGeom prst="rect">
             <a:avLst/>
@@ -12170,14 +12555,14 @@
       </p:sp>
       <p:sp>
         <p:nvSpPr>
-          <p:cNvPr id="113" name="CustomShape 6"/>
+          <p:cNvPr id="75" name="CustomShape 6"/>
           <p:cNvSpPr/>
           <p:nvPr/>
         </p:nvSpPr>
         <p:spPr>
           <a:xfrm>
             <a:off x="6421680" y="1427040"/>
-            <a:ext cx="5664600" cy="13805640"/>
+            <a:ext cx="5664240" cy="13805280"/>
           </a:xfrm>
           <a:prstGeom prst="rect">
             <a:avLst/>
@@ -12681,56 +13066,6 @@
                 <a:spcPct val="100000"/>
               </a:lnSpc>
             </a:pPr>
-            <a:r>
-              <a:rPr b="0" lang="en-US" sz="1050" spc="-1" strike="noStrike">
-                <a:solidFill>
-                  <a:srgbClr val="000000"/>
-                </a:solidFill>
-                <a:latin typeface="Arial"/>
-                <a:ea typeface="DejaVu Sans"/>
-              </a:rPr>
-              <a:t>  </a:t>
-            </a:r>
-            <a:r>
-              <a:rPr b="0" lang="en-US" sz="1050" spc="-1" strike="noStrike">
-                <a:solidFill>
-                  <a:srgbClr val="000000"/>
-                </a:solidFill>
-                <a:latin typeface="Arial"/>
-                <a:ea typeface="DejaVu Sans"/>
-              </a:rPr>
-              <a:t>sub_number = nullptr;</a:t>
-            </a:r>
-            <a:endParaRPr b="0" lang="en-US" sz="1050" spc="-1" strike="noStrike">
-              <a:latin typeface="Arial"/>
-            </a:endParaRPr>
-          </a:p>
-          <a:p>
-            <a:pPr marL="1440">
-              <a:lnSpc>
-                <a:spcPct val="100000"/>
-              </a:lnSpc>
-            </a:pPr>
-            <a:r>
-              <a:rPr b="0" lang="en-US" sz="1050" spc="-1" strike="noStrike">
-                <a:solidFill>
-                  <a:srgbClr val="000000"/>
-                </a:solidFill>
-                <a:latin typeface="Arial"/>
-                <a:ea typeface="DejaVu Sans"/>
-              </a:rPr>
-              <a:t>  </a:t>
-            </a:r>
-            <a:r>
-              <a:rPr b="0" lang="en-US" sz="1050" spc="-1" strike="noStrike">
-                <a:solidFill>
-                  <a:srgbClr val="000000"/>
-                </a:solidFill>
-                <a:latin typeface="Arial"/>
-                <a:ea typeface="DejaVu Sans"/>
-              </a:rPr>
-              <a:t>node = nullptr;</a:t>
-            </a:r>
             <a:endParaRPr b="0" lang="en-US" sz="1050" spc="-1" strike="noStrike">
               <a:latin typeface="Arial"/>
             </a:endParaRPr>
@@ -12838,7 +13173,7 @@
       </p:grpSpPr>
       <p:pic>
         <p:nvPicPr>
-          <p:cNvPr id="114" name="Picture 12" descr=""/>
+          <p:cNvPr id="76" name="Picture 12" descr=""/>
           <p:cNvPicPr/>
           <p:nvPr/>
         </p:nvPicPr>
@@ -12849,7 +13184,7 @@
         <p:spPr>
           <a:xfrm>
             <a:off x="343080" y="125640"/>
-            <a:ext cx="1158480" cy="1158480"/>
+            <a:ext cx="1158120" cy="1158120"/>
           </a:xfrm>
           <a:prstGeom prst="rect">
             <a:avLst/>
@@ -12861,14 +13196,14 @@
       </p:pic>
       <p:sp>
         <p:nvSpPr>
-          <p:cNvPr id="115" name="CustomShape 1"/>
+          <p:cNvPr id="77" name="CustomShape 1"/>
           <p:cNvSpPr/>
           <p:nvPr/>
         </p:nvSpPr>
         <p:spPr>
           <a:xfrm>
             <a:off x="1737360" y="382680"/>
-            <a:ext cx="2909880" cy="637200"/>
+            <a:ext cx="2909520" cy="636840"/>
           </a:xfrm>
           <a:prstGeom prst="rect">
             <a:avLst/>
@@ -12910,14 +13245,14 @@
       </p:sp>
       <p:sp>
         <p:nvSpPr>
-          <p:cNvPr id="116" name="CustomShape 2"/>
+          <p:cNvPr id="78" name="CustomShape 2"/>
           <p:cNvSpPr/>
           <p:nvPr/>
         </p:nvSpPr>
         <p:spPr>
           <a:xfrm>
             <a:off x="494640" y="1082880"/>
-            <a:ext cx="5632920" cy="412560"/>
+            <a:ext cx="5632560" cy="412200"/>
           </a:xfrm>
           <a:prstGeom prst="rect">
             <a:avLst/>
@@ -12999,7 +13334,7 @@
       </p:sp>
       <p:sp>
         <p:nvSpPr>
-          <p:cNvPr id="117" name="Line 3"/>
+          <p:cNvPr id="79" name="Line 3"/>
           <p:cNvSpPr/>
           <p:nvPr/>
         </p:nvSpPr>
@@ -13036,14 +13371,14 @@
       </p:sp>
       <p:sp>
         <p:nvSpPr>
-          <p:cNvPr id="118" name="CustomShape 4"/>
+          <p:cNvPr id="80" name="CustomShape 4"/>
           <p:cNvSpPr/>
           <p:nvPr/>
         </p:nvSpPr>
         <p:spPr>
           <a:xfrm>
             <a:off x="6397560" y="1078200"/>
-            <a:ext cx="5632920" cy="412560"/>
+            <a:ext cx="5632560" cy="412200"/>
           </a:xfrm>
           <a:prstGeom prst="rect">
             <a:avLst/>
@@ -13085,14 +13420,14 @@
       </p:sp>
       <p:sp>
         <p:nvSpPr>
-          <p:cNvPr id="119" name="CustomShape 5"/>
+          <p:cNvPr id="81" name="CustomShape 5"/>
           <p:cNvSpPr/>
           <p:nvPr/>
         </p:nvSpPr>
         <p:spPr>
           <a:xfrm>
             <a:off x="100800" y="1425600"/>
-            <a:ext cx="6095160" cy="4565520"/>
+            <a:ext cx="6094800" cy="4565160"/>
           </a:xfrm>
           <a:prstGeom prst="rect">
             <a:avLst/>
@@ -13134,14 +13469,14 @@
       </p:sp>
       <p:sp>
         <p:nvSpPr>
-          <p:cNvPr id="120" name="CustomShape 6"/>
+          <p:cNvPr id="82" name="CustomShape 6"/>
           <p:cNvSpPr/>
           <p:nvPr/>
         </p:nvSpPr>
         <p:spPr>
           <a:xfrm>
             <a:off x="6421680" y="1427040"/>
-            <a:ext cx="5664600" cy="13805640"/>
+            <a:ext cx="5664240" cy="13805280"/>
           </a:xfrm>
           <a:prstGeom prst="rect">
             <a:avLst/>
@@ -13232,7 +13567,7 @@
       </p:grpSpPr>
       <p:pic>
         <p:nvPicPr>
-          <p:cNvPr id="121" name="Picture 12" descr=""/>
+          <p:cNvPr id="83" name="Picture 12" descr=""/>
           <p:cNvPicPr/>
           <p:nvPr/>
         </p:nvPicPr>
@@ -13243,7 +13578,7 @@
         <p:spPr>
           <a:xfrm>
             <a:off x="343080" y="125640"/>
-            <a:ext cx="1158480" cy="1158480"/>
+            <a:ext cx="1158120" cy="1158120"/>
           </a:xfrm>
           <a:prstGeom prst="rect">
             <a:avLst/>
@@ -13255,14 +13590,14 @@
       </p:pic>
       <p:sp>
         <p:nvSpPr>
-          <p:cNvPr id="122" name="CustomShape 1"/>
+          <p:cNvPr id="84" name="CustomShape 1"/>
           <p:cNvSpPr/>
           <p:nvPr/>
         </p:nvSpPr>
         <p:spPr>
           <a:xfrm>
             <a:off x="1737360" y="382680"/>
-            <a:ext cx="1020600" cy="637200"/>
+            <a:ext cx="1020240" cy="636840"/>
           </a:xfrm>
           <a:prstGeom prst="rect">
             <a:avLst/>
@@ -13294,7 +13629,7 @@
                 <a:latin typeface="맑은 고딕"/>
                 <a:ea typeface="DejaVu Sans"/>
               </a:rPr>
-              <a:t>예제 돌려보기</a:t>
+              <a:t>예제 돌아가게 만들고 또 돌려보기</a:t>
             </a:r>
             <a:endParaRPr b="0" lang="en-US" sz="3600" spc="-1" strike="noStrike">
               <a:latin typeface="Arial"/>
@@ -13304,14 +13639,14 @@
       </p:sp>
       <p:sp>
         <p:nvSpPr>
-          <p:cNvPr id="123" name="CustomShape 2"/>
+          <p:cNvPr id="85" name="CustomShape 2"/>
           <p:cNvSpPr/>
           <p:nvPr/>
         </p:nvSpPr>
         <p:spPr>
           <a:xfrm>
             <a:off x="481680" y="1985400"/>
-            <a:ext cx="5461920" cy="2403720"/>
+            <a:ext cx="5461560" cy="2403360"/>
           </a:xfrm>
           <a:prstGeom prst="rect">
             <a:avLst/>
@@ -13440,7 +13775,7 @@
                 <a:latin typeface="Arial"/>
                 <a:ea typeface="DejaVu Sans"/>
               </a:rPr>
-              <a:t>[3] $ r1 &amp;&amp; rosrun foo_pkg_ros2 receiver</a:t>
+              <a:t>[3] $ r1 &amp;&amp; rosrun foo_pkg_ros1 receiver</a:t>
             </a:r>
             <a:endParaRPr b="0" lang="en-US" sz="2000" spc="-1" strike="noStrike">
               <a:latin typeface="Arial"/>
@@ -13450,7 +13785,7 @@
       </p:sp>
       <p:sp>
         <p:nvSpPr>
-          <p:cNvPr id="124" name="Line 3"/>
+          <p:cNvPr id="86" name="Line 3"/>
           <p:cNvSpPr/>
           <p:nvPr/>
         </p:nvSpPr>
@@ -13487,14 +13822,14 @@
       </p:sp>
       <p:sp>
         <p:nvSpPr>
-          <p:cNvPr id="125" name="CustomShape 4"/>
+          <p:cNvPr id="87" name="CustomShape 4"/>
           <p:cNvSpPr/>
           <p:nvPr/>
         </p:nvSpPr>
         <p:spPr>
           <a:xfrm>
             <a:off x="6516720" y="1985400"/>
-            <a:ext cx="5461920" cy="2403720"/>
+            <a:ext cx="5461560" cy="2403360"/>
           </a:xfrm>
           <a:prstGeom prst="rect">
             <a:avLst/>
@@ -13587,14 +13922,14 @@
       </p:sp>
       <p:sp>
         <p:nvSpPr>
-          <p:cNvPr id="126" name="CustomShape 5"/>
+          <p:cNvPr id="88" name="CustomShape 5"/>
           <p:cNvSpPr/>
           <p:nvPr/>
         </p:nvSpPr>
         <p:spPr>
           <a:xfrm>
             <a:off x="494640" y="1082880"/>
-            <a:ext cx="5632920" cy="412560"/>
+            <a:ext cx="5632560" cy="412200"/>
           </a:xfrm>
           <a:prstGeom prst="rect">
             <a:avLst/>
@@ -13676,14 +14011,14 @@
       </p:sp>
       <p:sp>
         <p:nvSpPr>
-          <p:cNvPr id="127" name="CustomShape 6"/>
+          <p:cNvPr id="89" name="CustomShape 6"/>
           <p:cNvSpPr/>
           <p:nvPr/>
         </p:nvSpPr>
         <p:spPr>
           <a:xfrm>
             <a:off x="6397560" y="1078200"/>
-            <a:ext cx="5632920" cy="412560"/>
+            <a:ext cx="5632560" cy="412200"/>
           </a:xfrm>
           <a:prstGeom prst="rect">
             <a:avLst/>
@@ -13732,6 +14067,2950 @@
           <p:childTnLst>
             <p:seq>
               <p:cTn id="16" dur="indefinite" nodeType="mainSeq"/>
+              <p:prevCondLst>
+                <p:cond delay="0" evt="onPrev">
+                  <p:tgtEl>
+                    <p:sldTgt/>
+                  </p:tgtEl>
+                </p:cond>
+              </p:prevCondLst>
+              <p:nextCondLst>
+                <p:cond delay="0" evt="onNext">
+                  <p:tgtEl>
+                    <p:sldTgt/>
+                  </p:tgtEl>
+                </p:cond>
+              </p:nextCondLst>
+            </p:seq>
+          </p:childTnLst>
+        </p:cTn>
+      </p:par>
+    </p:tnLst>
+  </p:timing>
+</p:sld>
+</file>
+
+<file path=ppt/slides/slide9.xml><?xml version="1.0" encoding="utf-8"?>
+<p:sld xmlns:a="http://schemas.openxmlformats.org/drawingml/2006/main" xmlns:p="http://schemas.openxmlformats.org/presentationml/2006/main" xmlns:r="http://schemas.openxmlformats.org/officeDocument/2006/relationships" xmlns:p14="http://schemas.microsoft.com/office/powerpoint/2010/main" xmlns:p15="http://schemas.microsoft.com/office/powerpoint/2012/main" xmlns:mc="http://schemas.openxmlformats.org/markup-compatibility/2006">
+  <p:cSld>
+    <p:spTree>
+      <p:nvGrpSpPr>
+        <p:cNvPr id="1" name=""/>
+        <p:cNvGrpSpPr/>
+        <p:nvPr/>
+      </p:nvGrpSpPr>
+      <p:grpSpPr>
+        <a:xfrm>
+          <a:off x="0" y="0"/>
+          <a:ext cx="0" cy="0"/>
+          <a:chOff x="0" y="0"/>
+          <a:chExt cx="0" cy="0"/>
+        </a:xfrm>
+      </p:grpSpPr>
+      <p:pic>
+        <p:nvPicPr>
+          <p:cNvPr id="90" name="Picture 12" descr=""/>
+          <p:cNvPicPr/>
+          <p:nvPr/>
+        </p:nvPicPr>
+        <p:blipFill>
+          <a:blip r:embed="rId1"/>
+          <a:stretch/>
+        </p:blipFill>
+        <p:spPr>
+          <a:xfrm>
+            <a:off x="343080" y="125640"/>
+            <a:ext cx="1158120" cy="1158120"/>
+          </a:xfrm>
+          <a:prstGeom prst="rect">
+            <a:avLst/>
+          </a:prstGeom>
+          <a:ln>
+            <a:noFill/>
+          </a:ln>
+        </p:spPr>
+      </p:pic>
+      <p:sp>
+        <p:nvSpPr>
+          <p:cNvPr id="91" name="CustomShape 1"/>
+          <p:cNvSpPr/>
+          <p:nvPr/>
+        </p:nvSpPr>
+        <p:spPr>
+          <a:xfrm>
+            <a:off x="1737360" y="382680"/>
+            <a:ext cx="2909520" cy="636840"/>
+          </a:xfrm>
+          <a:prstGeom prst="rect">
+            <a:avLst/>
+          </a:prstGeom>
+          <a:noFill/>
+          <a:ln>
+            <a:noFill/>
+          </a:ln>
+        </p:spPr>
+        <p:style>
+          <a:lnRef idx="0"/>
+          <a:fillRef idx="0"/>
+          <a:effectRef idx="0"/>
+          <a:fontRef idx="minor"/>
+        </p:style>
+        <p:txBody>
+          <a:bodyPr wrap="none" lIns="90000" rIns="90000" tIns="45000" bIns="45000"/>
+          <a:p>
+            <a:pPr>
+              <a:lnSpc>
+                <a:spcPct val="100000"/>
+              </a:lnSpc>
+            </a:pPr>
+            <a:r>
+              <a:rPr b="0" lang="en-US" sz="3600" spc="-1" strike="noStrike">
+                <a:solidFill>
+                  <a:srgbClr val="000000"/>
+                </a:solidFill>
+                <a:latin typeface="맑은 고딕"/>
+                <a:ea typeface="DejaVu Sans"/>
+              </a:rPr>
+              <a:t>ROS Node – sender.cpp</a:t>
+            </a:r>
+            <a:endParaRPr b="0" lang="en-US" sz="3600" spc="-1" strike="noStrike">
+              <a:latin typeface="Arial"/>
+            </a:endParaRPr>
+          </a:p>
+        </p:txBody>
+      </p:sp>
+      <p:sp>
+        <p:nvSpPr>
+          <p:cNvPr id="92" name="CustomShape 2"/>
+          <p:cNvSpPr/>
+          <p:nvPr/>
+        </p:nvSpPr>
+        <p:spPr>
+          <a:xfrm>
+            <a:off x="494640" y="1082880"/>
+            <a:ext cx="3345840" cy="412200"/>
+          </a:xfrm>
+          <a:prstGeom prst="rect">
+            <a:avLst/>
+          </a:prstGeom>
+          <a:noFill/>
+          <a:ln>
+            <a:noFill/>
+          </a:ln>
+        </p:spPr>
+        <p:style>
+          <a:lnRef idx="0"/>
+          <a:fillRef idx="0"/>
+          <a:effectRef idx="0"/>
+          <a:fontRef idx="minor"/>
+        </p:style>
+        <p:txBody>
+          <a:bodyPr lIns="90000" rIns="90000" tIns="45000" bIns="45000"/>
+          <a:p>
+            <a:pPr marL="1440" algn="ctr">
+              <a:lnSpc>
+                <a:spcPct val="100000"/>
+              </a:lnSpc>
+            </a:pPr>
+            <a:r>
+              <a:rPr b="1" lang="en-US" sz="2000" spc="-1" strike="noStrike">
+                <a:solidFill>
+                  <a:srgbClr val="000000"/>
+                </a:solidFill>
+                <a:latin typeface="맑은 고딕"/>
+                <a:ea typeface="DejaVu Sans"/>
+              </a:rPr>
+              <a:t>ROS2 – unripe</a:t>
+            </a:r>
+            <a:endParaRPr b="0" lang="en-US" sz="2000" spc="-1" strike="noStrike">
+              <a:latin typeface="Arial"/>
+            </a:endParaRPr>
+          </a:p>
+          <a:p>
+            <a:pPr marL="1440">
+              <a:lnSpc>
+                <a:spcPct val="100000"/>
+              </a:lnSpc>
+            </a:pPr>
+            <a:endParaRPr b="0" lang="en-US" sz="2000" spc="-1" strike="noStrike">
+              <a:latin typeface="Arial"/>
+            </a:endParaRPr>
+          </a:p>
+          <a:p>
+            <a:pPr marL="1440">
+              <a:lnSpc>
+                <a:spcPct val="100000"/>
+              </a:lnSpc>
+            </a:pPr>
+            <a:endParaRPr b="0" lang="en-US" sz="2000" spc="-1" strike="noStrike">
+              <a:latin typeface="Arial"/>
+            </a:endParaRPr>
+          </a:p>
+          <a:p>
+            <a:pPr marL="457200">
+              <a:lnSpc>
+                <a:spcPct val="100000"/>
+              </a:lnSpc>
+            </a:pPr>
+            <a:endParaRPr b="0" lang="en-US" sz="2000" spc="-1" strike="noStrike">
+              <a:latin typeface="Arial"/>
+            </a:endParaRPr>
+          </a:p>
+          <a:p>
+            <a:pPr marL="457200">
+              <a:lnSpc>
+                <a:spcPct val="100000"/>
+              </a:lnSpc>
+            </a:pPr>
+            <a:endParaRPr b="0" lang="en-US" sz="2000" spc="-1" strike="noStrike">
+              <a:latin typeface="Arial"/>
+            </a:endParaRPr>
+          </a:p>
+        </p:txBody>
+      </p:sp>
+      <p:sp>
+        <p:nvSpPr>
+          <p:cNvPr id="93" name="Line 3"/>
+          <p:cNvSpPr/>
+          <p:nvPr/>
+        </p:nvSpPr>
+        <p:spPr>
+          <a:xfrm>
+            <a:off x="4023000" y="1491480"/>
+            <a:ext cx="360" cy="5184000"/>
+          </a:xfrm>
+          <a:prstGeom prst="line">
+            <a:avLst/>
+          </a:prstGeom>
+          <a:ln w="76320">
+            <a:solidFill>
+              <a:schemeClr val="tx2">
+                <a:lumMod val="60000"/>
+                <a:lumOff val="40000"/>
+              </a:schemeClr>
+            </a:solidFill>
+            <a:round/>
+          </a:ln>
+        </p:spPr>
+        <p:style>
+          <a:lnRef idx="1">
+            <a:schemeClr val="accent1"/>
+          </a:lnRef>
+          <a:fillRef idx="0">
+            <a:schemeClr val="accent1"/>
+          </a:fillRef>
+          <a:effectRef idx="0">
+            <a:schemeClr val="accent1"/>
+          </a:effectRef>
+          <a:fontRef idx="minor"/>
+        </p:style>
+      </p:sp>
+      <p:sp>
+        <p:nvSpPr>
+          <p:cNvPr id="94" name="CustomShape 4"/>
+          <p:cNvSpPr/>
+          <p:nvPr/>
+        </p:nvSpPr>
+        <p:spPr>
+          <a:xfrm>
+            <a:off x="8138160" y="1078200"/>
+            <a:ext cx="3891960" cy="412200"/>
+          </a:xfrm>
+          <a:prstGeom prst="rect">
+            <a:avLst/>
+          </a:prstGeom>
+          <a:noFill/>
+          <a:ln>
+            <a:noFill/>
+          </a:ln>
+        </p:spPr>
+        <p:style>
+          <a:lnRef idx="0"/>
+          <a:fillRef idx="0"/>
+          <a:effectRef idx="0"/>
+          <a:fontRef idx="minor"/>
+        </p:style>
+        <p:txBody>
+          <a:bodyPr lIns="90000" rIns="90000" tIns="45000" bIns="45000"/>
+          <a:p>
+            <a:pPr marL="1440" algn="ctr">
+              <a:lnSpc>
+                <a:spcPct val="100000"/>
+              </a:lnSpc>
+            </a:pPr>
+            <a:r>
+              <a:rPr b="1" lang="en-US" sz="2000" spc="-1" strike="noStrike">
+                <a:solidFill>
+                  <a:srgbClr val="000000"/>
+                </a:solidFill>
+                <a:latin typeface="맑은 고딕"/>
+                <a:ea typeface="DejaVu Sans"/>
+              </a:rPr>
+              <a:t>ROS2 – lambda func.</a:t>
+            </a:r>
+            <a:endParaRPr b="0" lang="en-US" sz="2000" spc="-1" strike="noStrike">
+              <a:latin typeface="Arial"/>
+            </a:endParaRPr>
+          </a:p>
+        </p:txBody>
+      </p:sp>
+      <p:sp>
+        <p:nvSpPr>
+          <p:cNvPr id="95" name="CustomShape 5"/>
+          <p:cNvSpPr/>
+          <p:nvPr/>
+        </p:nvSpPr>
+        <p:spPr>
+          <a:xfrm>
+            <a:off x="91440" y="1427040"/>
+            <a:ext cx="3749040" cy="5339520"/>
+          </a:xfrm>
+          <a:prstGeom prst="rect">
+            <a:avLst/>
+          </a:prstGeom>
+          <a:noFill/>
+          <a:ln>
+            <a:noFill/>
+          </a:ln>
+        </p:spPr>
+        <p:style>
+          <a:lnRef idx="0"/>
+          <a:fillRef idx="0"/>
+          <a:effectRef idx="0"/>
+          <a:fontRef idx="minor"/>
+        </p:style>
+        <p:txBody>
+          <a:bodyPr lIns="90000" rIns="90000" tIns="45000" bIns="45000"/>
+          <a:p>
+            <a:pPr marL="1440">
+              <a:lnSpc>
+                <a:spcPct val="100000"/>
+              </a:lnSpc>
+            </a:pPr>
+            <a:r>
+              <a:rPr b="0" lang="en-US" sz="1050" spc="-1" strike="noStrike">
+                <a:solidFill>
+                  <a:srgbClr val="000000"/>
+                </a:solidFill>
+                <a:latin typeface="Arial"/>
+                <a:ea typeface="DejaVu Sans"/>
+              </a:rPr>
+              <a:t>#include "rclcpp/rclcpp.hpp"</a:t>
+            </a:r>
+            <a:endParaRPr b="0" lang="en-US" sz="1050" spc="-1" strike="noStrike">
+              <a:latin typeface="Arial"/>
+            </a:endParaRPr>
+          </a:p>
+          <a:p>
+            <a:pPr marL="1440">
+              <a:lnSpc>
+                <a:spcPct val="100000"/>
+              </a:lnSpc>
+            </a:pPr>
+            <a:r>
+              <a:rPr b="0" lang="en-US" sz="1050" spc="-1" strike="noStrike">
+                <a:solidFill>
+                  <a:srgbClr val="000000"/>
+                </a:solidFill>
+                <a:latin typeface="Arial"/>
+                <a:ea typeface="DejaVu Sans"/>
+              </a:rPr>
+              <a:t>#include "foo_pkg_ros2/msg/baz.hpp"</a:t>
+            </a:r>
+            <a:endParaRPr b="0" lang="en-US" sz="1050" spc="-1" strike="noStrike">
+              <a:latin typeface="Arial"/>
+            </a:endParaRPr>
+          </a:p>
+          <a:p>
+            <a:pPr marL="1440">
+              <a:lnSpc>
+                <a:spcPct val="100000"/>
+              </a:lnSpc>
+            </a:pPr>
+            <a:endParaRPr b="0" lang="en-US" sz="1050" spc="-1" strike="noStrike">
+              <a:latin typeface="Arial"/>
+            </a:endParaRPr>
+          </a:p>
+          <a:p>
+            <a:pPr marL="1440">
+              <a:lnSpc>
+                <a:spcPct val="100000"/>
+              </a:lnSpc>
+            </a:pPr>
+            <a:r>
+              <a:rPr b="0" lang="en-US" sz="1050" spc="-1" strike="noStrike">
+                <a:solidFill>
+                  <a:srgbClr val="000000"/>
+                </a:solidFill>
+                <a:latin typeface="Arial"/>
+                <a:ea typeface="DejaVu Sans"/>
+              </a:rPr>
+              <a:t>#include &lt;chrono&gt;</a:t>
+            </a:r>
+            <a:endParaRPr b="0" lang="en-US" sz="1050" spc="-1" strike="noStrike">
+              <a:latin typeface="Arial"/>
+            </a:endParaRPr>
+          </a:p>
+          <a:p>
+            <a:pPr marL="1440">
+              <a:lnSpc>
+                <a:spcPct val="100000"/>
+              </a:lnSpc>
+            </a:pPr>
+            <a:r>
+              <a:rPr b="0" lang="en-US" sz="1050" spc="-1" strike="noStrike">
+                <a:solidFill>
+                  <a:srgbClr val="000000"/>
+                </a:solidFill>
+                <a:latin typeface="Arial"/>
+                <a:ea typeface="DejaVu Sans"/>
+              </a:rPr>
+              <a:t>using namespace std::chrono_literals;</a:t>
+            </a:r>
+            <a:endParaRPr b="0" lang="en-US" sz="1050" spc="-1" strike="noStrike">
+              <a:latin typeface="Arial"/>
+            </a:endParaRPr>
+          </a:p>
+          <a:p>
+            <a:pPr marL="1440">
+              <a:lnSpc>
+                <a:spcPct val="100000"/>
+              </a:lnSpc>
+            </a:pPr>
+            <a:endParaRPr b="0" lang="en-US" sz="1050" spc="-1" strike="noStrike">
+              <a:latin typeface="Arial"/>
+            </a:endParaRPr>
+          </a:p>
+          <a:p>
+            <a:pPr marL="1440">
+              <a:lnSpc>
+                <a:spcPct val="100000"/>
+              </a:lnSpc>
+            </a:pPr>
+            <a:r>
+              <a:rPr b="0" lang="en-US" sz="1050" spc="-1" strike="noStrike">
+                <a:solidFill>
+                  <a:srgbClr val="000000"/>
+                </a:solidFill>
+                <a:latin typeface="Arial"/>
+                <a:ea typeface="DejaVu Sans"/>
+              </a:rPr>
+              <a:t>int main(int argc, char * argv[])</a:t>
+            </a:r>
+            <a:endParaRPr b="0" lang="en-US" sz="1050" spc="-1" strike="noStrike">
+              <a:latin typeface="Arial"/>
+            </a:endParaRPr>
+          </a:p>
+          <a:p>
+            <a:pPr marL="1440">
+              <a:lnSpc>
+                <a:spcPct val="100000"/>
+              </a:lnSpc>
+            </a:pPr>
+            <a:r>
+              <a:rPr b="0" lang="en-US" sz="1050" spc="-1" strike="noStrike">
+                <a:solidFill>
+                  <a:srgbClr val="000000"/>
+                </a:solidFill>
+                <a:latin typeface="Arial"/>
+                <a:ea typeface="DejaVu Sans"/>
+              </a:rPr>
+              <a:t>{</a:t>
+            </a:r>
+            <a:endParaRPr b="0" lang="en-US" sz="1050" spc="-1" strike="noStrike">
+              <a:latin typeface="Arial"/>
+            </a:endParaRPr>
+          </a:p>
+          <a:p>
+            <a:pPr marL="1440">
+              <a:lnSpc>
+                <a:spcPct val="100000"/>
+              </a:lnSpc>
+            </a:pPr>
+            <a:r>
+              <a:rPr b="0" lang="en-US" sz="1050" spc="-1" strike="noStrike">
+                <a:solidFill>
+                  <a:srgbClr val="000000"/>
+                </a:solidFill>
+                <a:latin typeface="Arial"/>
+                <a:ea typeface="DejaVu Sans"/>
+              </a:rPr>
+              <a:t>  </a:t>
+            </a:r>
+            <a:r>
+              <a:rPr b="0" lang="en-US" sz="1050" spc="-1" strike="noStrike">
+                <a:solidFill>
+                  <a:srgbClr val="000000"/>
+                </a:solidFill>
+                <a:latin typeface="Arial"/>
+                <a:ea typeface="DejaVu Sans"/>
+              </a:rPr>
+              <a:t>rclcpp::init(argc, argv);</a:t>
+            </a:r>
+            <a:endParaRPr b="0" lang="en-US" sz="1050" spc="-1" strike="noStrike">
+              <a:latin typeface="Arial"/>
+            </a:endParaRPr>
+          </a:p>
+          <a:p>
+            <a:pPr marL="1440">
+              <a:lnSpc>
+                <a:spcPct val="100000"/>
+              </a:lnSpc>
+            </a:pPr>
+            <a:r>
+              <a:rPr b="0" lang="en-US" sz="1050" spc="-1" strike="noStrike">
+                <a:solidFill>
+                  <a:srgbClr val="000000"/>
+                </a:solidFill>
+                <a:latin typeface="Arial"/>
+                <a:ea typeface="DejaVu Sans"/>
+              </a:rPr>
+              <a:t>  </a:t>
+            </a:r>
+            <a:r>
+              <a:rPr b="0" lang="en-US" sz="1050" spc="-1" strike="noStrike">
+                <a:solidFill>
+                  <a:srgbClr val="000000"/>
+                </a:solidFill>
+                <a:latin typeface="Arial"/>
+                <a:ea typeface="DejaVu Sans"/>
+              </a:rPr>
+              <a:t>auto node = rclcpp::Node::make_shared("sender");</a:t>
+            </a:r>
+            <a:endParaRPr b="0" lang="en-US" sz="1050" spc="-1" strike="noStrike">
+              <a:latin typeface="Arial"/>
+            </a:endParaRPr>
+          </a:p>
+          <a:p>
+            <a:pPr marL="1440">
+              <a:lnSpc>
+                <a:spcPct val="100000"/>
+              </a:lnSpc>
+            </a:pPr>
+            <a:r>
+              <a:rPr b="0" lang="en-US" sz="1050" spc="-1" strike="noStrike">
+                <a:solidFill>
+                  <a:srgbClr val="000000"/>
+                </a:solidFill>
+                <a:latin typeface="Arial"/>
+                <a:ea typeface="DejaVu Sans"/>
+              </a:rPr>
+              <a:t>  </a:t>
+            </a:r>
+            <a:r>
+              <a:rPr b="0" lang="en-US" sz="1050" spc="-1" strike="noStrike">
+                <a:solidFill>
+                  <a:srgbClr val="000000"/>
+                </a:solidFill>
+                <a:latin typeface="Arial"/>
+                <a:ea typeface="DejaVu Sans"/>
+              </a:rPr>
+              <a:t>auto pub_number = node-&gt;create_publisher</a:t>
+            </a:r>
+            <a:br/>
+            <a:r>
+              <a:rPr b="0" lang="en-US" sz="1050" spc="-1" strike="noStrike">
+                <a:solidFill>
+                  <a:srgbClr val="000000"/>
+                </a:solidFill>
+                <a:latin typeface="Arial"/>
+                <a:ea typeface="DejaVu Sans"/>
+              </a:rPr>
+              <a:t>                             &lt;foo_pkg_ros2::msg::Baz&gt;("/number", 1);</a:t>
+            </a:r>
+            <a:endParaRPr b="0" lang="en-US" sz="1050" spc="-1" strike="noStrike">
+              <a:latin typeface="Arial"/>
+            </a:endParaRPr>
+          </a:p>
+          <a:p>
+            <a:pPr marL="1440">
+              <a:lnSpc>
+                <a:spcPct val="100000"/>
+              </a:lnSpc>
+            </a:pPr>
+            <a:r>
+              <a:rPr b="0" lang="en-US" sz="1050" spc="-1" strike="noStrike">
+                <a:solidFill>
+                  <a:srgbClr val="000000"/>
+                </a:solidFill>
+                <a:latin typeface="Arial"/>
+                <a:ea typeface="DejaVu Sans"/>
+              </a:rPr>
+              <a:t>  </a:t>
+            </a:r>
+            <a:r>
+              <a:rPr b="0" lang="en-US" sz="1050" spc="-1" strike="noStrike">
+                <a:solidFill>
+                  <a:srgbClr val="000000"/>
+                </a:solidFill>
+                <a:latin typeface="Arial"/>
+                <a:ea typeface="DejaVu Sans"/>
+              </a:rPr>
+              <a:t>auto msg_num = std::make_shared</a:t>
+            </a:r>
+            <a:br/>
+            <a:r>
+              <a:rPr b="0" lang="en-US" sz="1050" spc="-1" strike="noStrike">
+                <a:solidFill>
+                  <a:srgbClr val="000000"/>
+                </a:solidFill>
+                <a:latin typeface="Arial"/>
+                <a:ea typeface="DejaVu Sans"/>
+              </a:rPr>
+              <a:t>                             &lt;foo_pkg_ros2::msg::Baz&gt;();</a:t>
+            </a:r>
+            <a:endParaRPr b="0" lang="en-US" sz="1050" spc="-1" strike="noStrike">
+              <a:latin typeface="Arial"/>
+            </a:endParaRPr>
+          </a:p>
+          <a:p>
+            <a:pPr marL="1440">
+              <a:lnSpc>
+                <a:spcPct val="100000"/>
+              </a:lnSpc>
+            </a:pPr>
+            <a:r>
+              <a:rPr b="0" lang="en-US" sz="1050" spc="-1" strike="noStrike">
+                <a:solidFill>
+                  <a:srgbClr val="000000"/>
+                </a:solidFill>
+                <a:latin typeface="Arial"/>
+                <a:ea typeface="DejaVu Sans"/>
+              </a:rPr>
+              <a:t>  </a:t>
+            </a:r>
+            <a:r>
+              <a:rPr b="0" lang="en-US" sz="1050" spc="-1" strike="noStrike">
+                <a:solidFill>
+                  <a:srgbClr val="000000"/>
+                </a:solidFill>
+                <a:latin typeface="Arial"/>
+                <a:ea typeface="DejaVu Sans"/>
+              </a:rPr>
+              <a:t>auto publish_count = 0;</a:t>
+            </a:r>
+            <a:endParaRPr b="0" lang="en-US" sz="1050" spc="-1" strike="noStrike">
+              <a:latin typeface="Arial"/>
+            </a:endParaRPr>
+          </a:p>
+          <a:p>
+            <a:pPr marL="1440">
+              <a:lnSpc>
+                <a:spcPct val="100000"/>
+              </a:lnSpc>
+            </a:pPr>
+            <a:r>
+              <a:rPr b="0" lang="en-US" sz="1050" spc="-1" strike="noStrike">
+                <a:solidFill>
+                  <a:srgbClr val="000000"/>
+                </a:solidFill>
+                <a:latin typeface="Arial"/>
+                <a:ea typeface="DejaVu Sans"/>
+              </a:rPr>
+              <a:t>  </a:t>
+            </a:r>
+            <a:r>
+              <a:rPr b="1" lang="en-US" sz="1050" spc="-1" strike="noStrike">
+                <a:solidFill>
+                  <a:srgbClr val="000000"/>
+                </a:solidFill>
+                <a:latin typeface="Arial"/>
+                <a:ea typeface="DejaVu Sans"/>
+              </a:rPr>
+              <a:t>rclcpp::WallRate loop_rate(10ms);</a:t>
+            </a:r>
+            <a:endParaRPr b="0" lang="en-US" sz="1050" spc="-1" strike="noStrike">
+              <a:latin typeface="Arial"/>
+            </a:endParaRPr>
+          </a:p>
+          <a:p>
+            <a:pPr marL="1440">
+              <a:lnSpc>
+                <a:spcPct val="100000"/>
+              </a:lnSpc>
+            </a:pPr>
+            <a:endParaRPr b="0" lang="en-US" sz="1050" spc="-1" strike="noStrike">
+              <a:latin typeface="Arial"/>
+            </a:endParaRPr>
+          </a:p>
+          <a:p>
+            <a:pPr marL="1440">
+              <a:lnSpc>
+                <a:spcPct val="100000"/>
+              </a:lnSpc>
+            </a:pPr>
+            <a:r>
+              <a:rPr b="0" lang="en-US" sz="1050" spc="-1" strike="noStrike">
+                <a:solidFill>
+                  <a:srgbClr val="000000"/>
+                </a:solidFill>
+                <a:latin typeface="Arial"/>
+                <a:ea typeface="DejaVu Sans"/>
+              </a:rPr>
+              <a:t>  </a:t>
+            </a:r>
+            <a:r>
+              <a:rPr b="1" lang="en-US" sz="1050" spc="-1" strike="noStrike">
+                <a:solidFill>
+                  <a:srgbClr val="000000"/>
+                </a:solidFill>
+                <a:latin typeface="Arial"/>
+                <a:ea typeface="DejaVu Sans"/>
+              </a:rPr>
+              <a:t>while (rclcpp::ok())</a:t>
+            </a:r>
+            <a:endParaRPr b="0" lang="en-US" sz="1050" spc="-1" strike="noStrike">
+              <a:latin typeface="Arial"/>
+            </a:endParaRPr>
+          </a:p>
+          <a:p>
+            <a:pPr marL="1440">
+              <a:lnSpc>
+                <a:spcPct val="100000"/>
+              </a:lnSpc>
+            </a:pPr>
+            <a:r>
+              <a:rPr b="1" lang="en-US" sz="1050" spc="-1" strike="noStrike">
+                <a:solidFill>
+                  <a:srgbClr val="000000"/>
+                </a:solidFill>
+                <a:latin typeface="Arial"/>
+                <a:ea typeface="DejaVu Sans"/>
+              </a:rPr>
+              <a:t>  </a:t>
+            </a:r>
+            <a:r>
+              <a:rPr b="1" lang="en-US" sz="1050" spc="-1" strike="noStrike">
+                <a:solidFill>
+                  <a:srgbClr val="000000"/>
+                </a:solidFill>
+                <a:latin typeface="Arial"/>
+                <a:ea typeface="DejaVu Sans"/>
+              </a:rPr>
+              <a:t>{</a:t>
+            </a:r>
+            <a:endParaRPr b="0" lang="en-US" sz="1050" spc="-1" strike="noStrike">
+              <a:latin typeface="Arial"/>
+            </a:endParaRPr>
+          </a:p>
+          <a:p>
+            <a:pPr marL="1440">
+              <a:lnSpc>
+                <a:spcPct val="100000"/>
+              </a:lnSpc>
+            </a:pPr>
+            <a:r>
+              <a:rPr b="1" lang="en-US" sz="1050" spc="-1" strike="noStrike">
+                <a:solidFill>
+                  <a:srgbClr val="000000"/>
+                </a:solidFill>
+                <a:latin typeface="Arial"/>
+                <a:ea typeface="DejaVu Sans"/>
+              </a:rPr>
+              <a:t>    </a:t>
+            </a:r>
+            <a:r>
+              <a:rPr b="1" lang="en-US" sz="1050" spc="-1" strike="noStrike">
+                <a:solidFill>
+                  <a:srgbClr val="000000"/>
+                </a:solidFill>
+                <a:latin typeface="Arial"/>
+                <a:ea typeface="DejaVu Sans"/>
+              </a:rPr>
+              <a:t>publish_count++;</a:t>
+            </a:r>
+            <a:endParaRPr b="0" lang="en-US" sz="1050" spc="-1" strike="noStrike">
+              <a:latin typeface="Arial"/>
+            </a:endParaRPr>
+          </a:p>
+          <a:p>
+            <a:pPr marL="1440">
+              <a:lnSpc>
+                <a:spcPct val="100000"/>
+              </a:lnSpc>
+            </a:pPr>
+            <a:r>
+              <a:rPr b="1" lang="en-US" sz="1050" spc="-1" strike="noStrike">
+                <a:solidFill>
+                  <a:srgbClr val="000000"/>
+                </a:solidFill>
+                <a:latin typeface="Arial"/>
+                <a:ea typeface="DejaVu Sans"/>
+              </a:rPr>
+              <a:t>    </a:t>
+            </a:r>
+            <a:r>
+              <a:rPr b="1" lang="en-US" sz="1050" spc="-1" strike="noStrike">
+                <a:solidFill>
+                  <a:srgbClr val="000000"/>
+                </a:solidFill>
+                <a:latin typeface="Arial"/>
+                <a:ea typeface="DejaVu Sans"/>
+              </a:rPr>
+              <a:t>msg_num-&gt;data = publish_count;</a:t>
+            </a:r>
+            <a:endParaRPr b="0" lang="en-US" sz="1050" spc="-1" strike="noStrike">
+              <a:latin typeface="Arial"/>
+            </a:endParaRPr>
+          </a:p>
+          <a:p>
+            <a:pPr marL="1440">
+              <a:lnSpc>
+                <a:spcPct val="100000"/>
+              </a:lnSpc>
+            </a:pPr>
+            <a:r>
+              <a:rPr b="1" lang="en-US" sz="1050" spc="-1" strike="noStrike">
+                <a:solidFill>
+                  <a:srgbClr val="000000"/>
+                </a:solidFill>
+                <a:latin typeface="Arial"/>
+                <a:ea typeface="DejaVu Sans"/>
+              </a:rPr>
+              <a:t>    </a:t>
+            </a:r>
+            <a:r>
+              <a:rPr b="1" lang="en-US" sz="1050" spc="-1" strike="noStrike">
+                <a:solidFill>
+                  <a:srgbClr val="000000"/>
+                </a:solidFill>
+                <a:latin typeface="Arial"/>
+                <a:ea typeface="DejaVu Sans"/>
+              </a:rPr>
+              <a:t>pub_number-&gt;publish(msg_num);</a:t>
+            </a:r>
+            <a:endParaRPr b="0" lang="en-US" sz="1050" spc="-1" strike="noStrike">
+              <a:latin typeface="Arial"/>
+            </a:endParaRPr>
+          </a:p>
+          <a:p>
+            <a:pPr marL="1440">
+              <a:lnSpc>
+                <a:spcPct val="100000"/>
+              </a:lnSpc>
+            </a:pPr>
+            <a:r>
+              <a:rPr b="1" lang="en-US" sz="1050" spc="-1" strike="noStrike">
+                <a:solidFill>
+                  <a:srgbClr val="000000"/>
+                </a:solidFill>
+                <a:latin typeface="Arial"/>
+                <a:ea typeface="DejaVu Sans"/>
+              </a:rPr>
+              <a:t>    </a:t>
+            </a:r>
+            <a:r>
+              <a:rPr b="1" lang="en-US" sz="1050" spc="-1" strike="noStrike">
+                <a:solidFill>
+                  <a:srgbClr val="000000"/>
+                </a:solidFill>
+                <a:latin typeface="Arial"/>
+                <a:ea typeface="DejaVu Sans"/>
+              </a:rPr>
+              <a:t>rclcpp::spin_some(node);</a:t>
+            </a:r>
+            <a:endParaRPr b="0" lang="en-US" sz="1050" spc="-1" strike="noStrike">
+              <a:latin typeface="Arial"/>
+            </a:endParaRPr>
+          </a:p>
+          <a:p>
+            <a:pPr marL="1440">
+              <a:lnSpc>
+                <a:spcPct val="100000"/>
+              </a:lnSpc>
+            </a:pPr>
+            <a:r>
+              <a:rPr b="1" lang="en-US" sz="1050" spc="-1" strike="noStrike">
+                <a:solidFill>
+                  <a:srgbClr val="000000"/>
+                </a:solidFill>
+                <a:latin typeface="Arial"/>
+                <a:ea typeface="DejaVu Sans"/>
+              </a:rPr>
+              <a:t>    </a:t>
+            </a:r>
+            <a:r>
+              <a:rPr b="1" lang="en-US" sz="1050" spc="-1" strike="noStrike">
+                <a:solidFill>
+                  <a:srgbClr val="000000"/>
+                </a:solidFill>
+                <a:latin typeface="Arial"/>
+                <a:ea typeface="DejaVu Sans"/>
+              </a:rPr>
+              <a:t>loop_rate.sleep();</a:t>
+            </a:r>
+            <a:endParaRPr b="0" lang="en-US" sz="1050" spc="-1" strike="noStrike">
+              <a:latin typeface="Arial"/>
+            </a:endParaRPr>
+          </a:p>
+          <a:p>
+            <a:pPr marL="1440">
+              <a:lnSpc>
+                <a:spcPct val="100000"/>
+              </a:lnSpc>
+            </a:pPr>
+            <a:r>
+              <a:rPr b="1" lang="en-US" sz="1050" spc="-1" strike="noStrike">
+                <a:solidFill>
+                  <a:srgbClr val="000000"/>
+                </a:solidFill>
+                <a:latin typeface="Arial"/>
+                <a:ea typeface="DejaVu Sans"/>
+              </a:rPr>
+              <a:t>  </a:t>
+            </a:r>
+            <a:r>
+              <a:rPr b="1" lang="en-US" sz="1050" spc="-1" strike="noStrike">
+                <a:solidFill>
+                  <a:srgbClr val="000000"/>
+                </a:solidFill>
+                <a:latin typeface="Arial"/>
+                <a:ea typeface="DejaVu Sans"/>
+              </a:rPr>
+              <a:t>}</a:t>
+            </a:r>
+            <a:endParaRPr b="0" lang="en-US" sz="1050" spc="-1" strike="noStrike">
+              <a:latin typeface="Arial"/>
+            </a:endParaRPr>
+          </a:p>
+          <a:p>
+            <a:pPr marL="1440">
+              <a:lnSpc>
+                <a:spcPct val="100000"/>
+              </a:lnSpc>
+            </a:pPr>
+            <a:endParaRPr b="0" lang="en-US" sz="1050" spc="-1" strike="noStrike">
+              <a:latin typeface="Arial"/>
+            </a:endParaRPr>
+          </a:p>
+          <a:p>
+            <a:pPr marL="1440">
+              <a:lnSpc>
+                <a:spcPct val="100000"/>
+              </a:lnSpc>
+            </a:pPr>
+            <a:r>
+              <a:rPr b="0" lang="en-US" sz="1050" spc="-1" strike="noStrike">
+                <a:solidFill>
+                  <a:srgbClr val="000000"/>
+                </a:solidFill>
+                <a:latin typeface="Arial"/>
+                <a:ea typeface="DejaVu Sans"/>
+              </a:rPr>
+              <a:t>  </a:t>
+            </a:r>
+            <a:r>
+              <a:rPr b="0" lang="en-US" sz="1050" spc="-1" strike="noStrike">
+                <a:solidFill>
+                  <a:srgbClr val="000000"/>
+                </a:solidFill>
+                <a:latin typeface="Arial"/>
+                <a:ea typeface="DejaVu Sans"/>
+              </a:rPr>
+              <a:t>rclcpp::shutdown();</a:t>
+            </a:r>
+            <a:endParaRPr b="0" lang="en-US" sz="1050" spc="-1" strike="noStrike">
+              <a:latin typeface="Arial"/>
+            </a:endParaRPr>
+          </a:p>
+          <a:p>
+            <a:pPr marL="1440">
+              <a:lnSpc>
+                <a:spcPct val="100000"/>
+              </a:lnSpc>
+            </a:pPr>
+            <a:r>
+              <a:rPr b="0" lang="en-US" sz="1050" spc="-1" strike="noStrike">
+                <a:solidFill>
+                  <a:srgbClr val="000000"/>
+                </a:solidFill>
+                <a:latin typeface="Arial"/>
+                <a:ea typeface="DejaVu Sans"/>
+              </a:rPr>
+              <a:t>  </a:t>
+            </a:r>
+            <a:endParaRPr b="0" lang="en-US" sz="1050" spc="-1" strike="noStrike">
+              <a:latin typeface="Arial"/>
+            </a:endParaRPr>
+          </a:p>
+          <a:p>
+            <a:pPr marL="1440">
+              <a:lnSpc>
+                <a:spcPct val="100000"/>
+              </a:lnSpc>
+            </a:pPr>
+            <a:r>
+              <a:rPr b="0" lang="en-US" sz="1050" spc="-1" strike="noStrike">
+                <a:solidFill>
+                  <a:srgbClr val="000000"/>
+                </a:solidFill>
+                <a:latin typeface="Arial"/>
+                <a:ea typeface="DejaVu Sans"/>
+              </a:rPr>
+              <a:t>  </a:t>
+            </a:r>
+            <a:r>
+              <a:rPr b="0" lang="en-US" sz="1050" spc="-1" strike="noStrike">
+                <a:solidFill>
+                  <a:srgbClr val="000000"/>
+                </a:solidFill>
+                <a:latin typeface="Arial"/>
+                <a:ea typeface="DejaVu Sans"/>
+              </a:rPr>
+              <a:t>return 0;</a:t>
+            </a:r>
+            <a:endParaRPr b="0" lang="en-US" sz="1050" spc="-1" strike="noStrike">
+              <a:latin typeface="Arial"/>
+            </a:endParaRPr>
+          </a:p>
+          <a:p>
+            <a:pPr marL="1440">
+              <a:lnSpc>
+                <a:spcPct val="100000"/>
+              </a:lnSpc>
+            </a:pPr>
+            <a:r>
+              <a:rPr b="0" lang="en-US" sz="1050" spc="-1" strike="noStrike">
+                <a:solidFill>
+                  <a:srgbClr val="000000"/>
+                </a:solidFill>
+                <a:latin typeface="Arial"/>
+                <a:ea typeface="DejaVu Sans"/>
+              </a:rPr>
+              <a:t>}</a:t>
+            </a:r>
+            <a:endParaRPr b="0" lang="en-US" sz="1050" spc="-1" strike="noStrike">
+              <a:latin typeface="Arial"/>
+            </a:endParaRPr>
+          </a:p>
+        </p:txBody>
+      </p:sp>
+      <p:sp>
+        <p:nvSpPr>
+          <p:cNvPr id="96" name="Line 6"/>
+          <p:cNvSpPr/>
+          <p:nvPr/>
+        </p:nvSpPr>
+        <p:spPr>
+          <a:xfrm>
+            <a:off x="8046720" y="1508400"/>
+            <a:ext cx="360" cy="5184000"/>
+          </a:xfrm>
+          <a:prstGeom prst="line">
+            <a:avLst/>
+          </a:prstGeom>
+          <a:ln w="76320">
+            <a:solidFill>
+              <a:schemeClr val="tx2">
+                <a:lumMod val="60000"/>
+                <a:lumOff val="40000"/>
+              </a:schemeClr>
+            </a:solidFill>
+            <a:round/>
+          </a:ln>
+        </p:spPr>
+        <p:style>
+          <a:lnRef idx="1">
+            <a:schemeClr val="accent1"/>
+          </a:lnRef>
+          <a:fillRef idx="0">
+            <a:schemeClr val="accent1"/>
+          </a:fillRef>
+          <a:effectRef idx="0">
+            <a:schemeClr val="accent1"/>
+          </a:effectRef>
+          <a:fontRef idx="minor"/>
+        </p:style>
+      </p:sp>
+      <p:sp>
+        <p:nvSpPr>
+          <p:cNvPr id="97" name="CustomShape 7"/>
+          <p:cNvSpPr/>
+          <p:nvPr/>
+        </p:nvSpPr>
+        <p:spPr>
+          <a:xfrm>
+            <a:off x="4206240" y="1427040"/>
+            <a:ext cx="3749040" cy="5339520"/>
+          </a:xfrm>
+          <a:prstGeom prst="rect">
+            <a:avLst/>
+          </a:prstGeom>
+          <a:noFill/>
+          <a:ln>
+            <a:noFill/>
+          </a:ln>
+        </p:spPr>
+        <p:style>
+          <a:lnRef idx="0"/>
+          <a:fillRef idx="0"/>
+          <a:effectRef idx="0"/>
+          <a:fontRef idx="minor"/>
+        </p:style>
+        <p:txBody>
+          <a:bodyPr lIns="90000" rIns="90000" tIns="45000" bIns="45000"/>
+          <a:p>
+            <a:pPr marL="1440">
+              <a:lnSpc>
+                <a:spcPct val="100000"/>
+              </a:lnSpc>
+            </a:pPr>
+            <a:r>
+              <a:rPr b="0" lang="en-US" sz="1050" spc="-1" strike="noStrike">
+                <a:solidFill>
+                  <a:srgbClr val="000000"/>
+                </a:solidFill>
+                <a:latin typeface="Arial"/>
+                <a:ea typeface="DejaVu Sans"/>
+              </a:rPr>
+              <a:t>#include "rclcpp/rclcpp.hpp"</a:t>
+            </a:r>
+            <a:endParaRPr b="0" lang="en-US" sz="1050" spc="-1" strike="noStrike">
+              <a:latin typeface="Arial"/>
+            </a:endParaRPr>
+          </a:p>
+          <a:p>
+            <a:pPr marL="1440">
+              <a:lnSpc>
+                <a:spcPct val="100000"/>
+              </a:lnSpc>
+            </a:pPr>
+            <a:r>
+              <a:rPr b="0" lang="en-US" sz="1050" spc="-1" strike="noStrike">
+                <a:solidFill>
+                  <a:srgbClr val="000000"/>
+                </a:solidFill>
+                <a:latin typeface="Arial"/>
+                <a:ea typeface="DejaVu Sans"/>
+              </a:rPr>
+              <a:t>#include "foo_pkg_ros2/msg/baz.hpp"</a:t>
+            </a:r>
+            <a:endParaRPr b="0" lang="en-US" sz="1050" spc="-1" strike="noStrike">
+              <a:latin typeface="Arial"/>
+            </a:endParaRPr>
+          </a:p>
+          <a:p>
+            <a:pPr marL="1440">
+              <a:lnSpc>
+                <a:spcPct val="100000"/>
+              </a:lnSpc>
+            </a:pPr>
+            <a:endParaRPr b="0" lang="en-US" sz="1050" spc="-1" strike="noStrike">
+              <a:latin typeface="Arial"/>
+            </a:endParaRPr>
+          </a:p>
+          <a:p>
+            <a:pPr marL="1440">
+              <a:lnSpc>
+                <a:spcPct val="100000"/>
+              </a:lnSpc>
+            </a:pPr>
+            <a:r>
+              <a:rPr b="0" lang="en-US" sz="1050" spc="-1" strike="noStrike">
+                <a:solidFill>
+                  <a:srgbClr val="000000"/>
+                </a:solidFill>
+                <a:latin typeface="Arial"/>
+                <a:ea typeface="DejaVu Sans"/>
+              </a:rPr>
+              <a:t>#include &lt;chrono&gt;</a:t>
+            </a:r>
+            <a:endParaRPr b="0" lang="en-US" sz="1050" spc="-1" strike="noStrike">
+              <a:latin typeface="Arial"/>
+            </a:endParaRPr>
+          </a:p>
+          <a:p>
+            <a:pPr marL="1440">
+              <a:lnSpc>
+                <a:spcPct val="100000"/>
+              </a:lnSpc>
+            </a:pPr>
+            <a:r>
+              <a:rPr b="0" lang="en-US" sz="1050" spc="-1" strike="noStrike">
+                <a:solidFill>
+                  <a:srgbClr val="000000"/>
+                </a:solidFill>
+                <a:latin typeface="Arial"/>
+                <a:ea typeface="DejaVu Sans"/>
+              </a:rPr>
+              <a:t>using namespace std::chrono_literals;</a:t>
+            </a:r>
+            <a:endParaRPr b="0" lang="en-US" sz="1050" spc="-1" strike="noStrike">
+              <a:latin typeface="Arial"/>
+            </a:endParaRPr>
+          </a:p>
+          <a:p>
+            <a:pPr marL="1440">
+              <a:lnSpc>
+                <a:spcPct val="100000"/>
+              </a:lnSpc>
+            </a:pPr>
+            <a:endParaRPr b="0" lang="en-US" sz="1050" spc="-1" strike="noStrike">
+              <a:latin typeface="Arial"/>
+            </a:endParaRPr>
+          </a:p>
+          <a:p>
+            <a:pPr marL="1440">
+              <a:lnSpc>
+                <a:spcPct val="100000"/>
+              </a:lnSpc>
+            </a:pPr>
+            <a:r>
+              <a:rPr b="0" lang="en-US" sz="1050" spc="-1" strike="noStrike">
+                <a:solidFill>
+                  <a:srgbClr val="000000"/>
+                </a:solidFill>
+                <a:latin typeface="Arial"/>
+                <a:ea typeface="DejaVu Sans"/>
+              </a:rPr>
+              <a:t>class Sender : public rclcpp::Node</a:t>
+            </a:r>
+            <a:endParaRPr b="0" lang="en-US" sz="1050" spc="-1" strike="noStrike">
+              <a:latin typeface="Arial"/>
+            </a:endParaRPr>
+          </a:p>
+          <a:p>
+            <a:pPr marL="1440">
+              <a:lnSpc>
+                <a:spcPct val="100000"/>
+              </a:lnSpc>
+            </a:pPr>
+            <a:r>
+              <a:rPr b="0" lang="en-US" sz="1050" spc="-1" strike="noStrike">
+                <a:solidFill>
+                  <a:srgbClr val="000000"/>
+                </a:solidFill>
+                <a:latin typeface="Arial"/>
+                <a:ea typeface="DejaVu Sans"/>
+              </a:rPr>
+              <a:t>{</a:t>
+            </a:r>
+            <a:endParaRPr b="0" lang="en-US" sz="1050" spc="-1" strike="noStrike">
+              <a:latin typeface="Arial"/>
+            </a:endParaRPr>
+          </a:p>
+          <a:p>
+            <a:pPr marL="1440">
+              <a:lnSpc>
+                <a:spcPct val="100000"/>
+              </a:lnSpc>
+            </a:pPr>
+            <a:r>
+              <a:rPr b="0" lang="en-US" sz="1050" spc="-1" strike="noStrike">
+                <a:solidFill>
+                  <a:srgbClr val="000000"/>
+                </a:solidFill>
+                <a:latin typeface="Arial"/>
+                <a:ea typeface="DejaVu Sans"/>
+              </a:rPr>
+              <a:t>public:</a:t>
+            </a:r>
+            <a:endParaRPr b="0" lang="en-US" sz="1050" spc="-1" strike="noStrike">
+              <a:latin typeface="Arial"/>
+            </a:endParaRPr>
+          </a:p>
+          <a:p>
+            <a:pPr marL="1440">
+              <a:lnSpc>
+                <a:spcPct val="100000"/>
+              </a:lnSpc>
+            </a:pPr>
+            <a:r>
+              <a:rPr b="0" lang="en-US" sz="1050" spc="-1" strike="noStrike">
+                <a:solidFill>
+                  <a:srgbClr val="000000"/>
+                </a:solidFill>
+                <a:latin typeface="Arial"/>
+                <a:ea typeface="DejaVu Sans"/>
+              </a:rPr>
+              <a:t>  </a:t>
+            </a:r>
+            <a:r>
+              <a:rPr b="0" lang="en-US" sz="1050" spc="-1" strike="noStrike">
+                <a:solidFill>
+                  <a:srgbClr val="000000"/>
+                </a:solidFill>
+                <a:latin typeface="Arial"/>
+                <a:ea typeface="DejaVu Sans"/>
+              </a:rPr>
+              <a:t>Sender() : Node("sender"), publish_count(0)</a:t>
+            </a:r>
+            <a:endParaRPr b="0" lang="en-US" sz="1050" spc="-1" strike="noStrike">
+              <a:latin typeface="Arial"/>
+            </a:endParaRPr>
+          </a:p>
+          <a:p>
+            <a:pPr marL="1440">
+              <a:lnSpc>
+                <a:spcPct val="100000"/>
+              </a:lnSpc>
+            </a:pPr>
+            <a:r>
+              <a:rPr b="0" lang="en-US" sz="1050" spc="-1" strike="noStrike">
+                <a:solidFill>
+                  <a:srgbClr val="000000"/>
+                </a:solidFill>
+                <a:latin typeface="Arial"/>
+                <a:ea typeface="DejaVu Sans"/>
+              </a:rPr>
+              <a:t>  </a:t>
+            </a:r>
+            <a:r>
+              <a:rPr b="0" lang="en-US" sz="1050" spc="-1" strike="noStrike">
+                <a:solidFill>
+                  <a:srgbClr val="000000"/>
+                </a:solidFill>
+                <a:latin typeface="Arial"/>
+                <a:ea typeface="DejaVu Sans"/>
+              </a:rPr>
+              <a:t>{</a:t>
+            </a:r>
+            <a:endParaRPr b="0" lang="en-US" sz="1050" spc="-1" strike="noStrike">
+              <a:latin typeface="Arial"/>
+            </a:endParaRPr>
+          </a:p>
+          <a:p>
+            <a:pPr marL="1440">
+              <a:lnSpc>
+                <a:spcPct val="100000"/>
+              </a:lnSpc>
+            </a:pPr>
+            <a:r>
+              <a:rPr b="0" lang="en-US" sz="1050" spc="-1" strike="noStrike">
+                <a:solidFill>
+                  <a:srgbClr val="000000"/>
+                </a:solidFill>
+                <a:latin typeface="Arial"/>
+                <a:ea typeface="DejaVu Sans"/>
+              </a:rPr>
+              <a:t>    </a:t>
+            </a:r>
+            <a:r>
+              <a:rPr b="0" lang="en-US" sz="1050" spc="-1" strike="noStrike">
+                <a:solidFill>
+                  <a:srgbClr val="000000"/>
+                </a:solidFill>
+                <a:latin typeface="Arial"/>
+                <a:ea typeface="DejaVu Sans"/>
+              </a:rPr>
+              <a:t>pub_number = this-&gt;create_publisher</a:t>
+            </a:r>
+            <a:br/>
+            <a:r>
+              <a:rPr b="0" lang="en-US" sz="1050" spc="-1" strike="noStrike">
+                <a:solidFill>
+                  <a:srgbClr val="000000"/>
+                </a:solidFill>
+                <a:latin typeface="Arial"/>
+                <a:ea typeface="DejaVu Sans"/>
+              </a:rPr>
+              <a:t>                               &lt;foo_pkg_ros2::msg::Baz&gt;("/number", 1);</a:t>
+            </a:r>
+            <a:endParaRPr b="0" lang="en-US" sz="1050" spc="-1" strike="noStrike">
+              <a:latin typeface="Arial"/>
+            </a:endParaRPr>
+          </a:p>
+          <a:p>
+            <a:pPr marL="1440">
+              <a:lnSpc>
+                <a:spcPct val="100000"/>
+              </a:lnSpc>
+            </a:pPr>
+            <a:r>
+              <a:rPr b="0" lang="en-US" sz="1050" spc="-1" strike="noStrike">
+                <a:solidFill>
+                  <a:srgbClr val="000000"/>
+                </a:solidFill>
+                <a:latin typeface="Arial"/>
+                <a:ea typeface="DejaVu Sans"/>
+              </a:rPr>
+              <a:t>    </a:t>
+            </a:r>
+            <a:r>
+              <a:rPr b="1" lang="en-US" sz="1050" spc="-1" strike="noStrike">
+                <a:solidFill>
+                  <a:srgbClr val="000000"/>
+                </a:solidFill>
+                <a:latin typeface="Arial"/>
+                <a:ea typeface="DejaVu Sans"/>
+              </a:rPr>
+              <a:t>timer_ = this-&gt;create_wall_timer</a:t>
+            </a:r>
+            <a:br/>
+            <a:r>
+              <a:rPr b="1" lang="en-US" sz="1050" spc="-1" strike="noStrike">
+                <a:solidFill>
+                  <a:srgbClr val="000000"/>
+                </a:solidFill>
+                <a:latin typeface="Arial"/>
+                <a:ea typeface="DejaVu Sans"/>
+              </a:rPr>
+              <a:t>                        (10ms, std::bind(&amp;</a:t>
+            </a:r>
+            <a:r>
+              <a:rPr b="1" lang="en-US" sz="1050" spc="-1" strike="noStrike">
+                <a:solidFill>
+                  <a:srgbClr val="000000"/>
+                </a:solidFill>
+                <a:latin typeface="Arial"/>
+                <a:ea typeface="DejaVu Sans"/>
+              </a:rPr>
+              <a:t>Sender::callback, this));</a:t>
+            </a:r>
+            <a:endParaRPr b="0" lang="en-US" sz="1050" spc="-1" strike="noStrike">
+              <a:latin typeface="Arial"/>
+            </a:endParaRPr>
+          </a:p>
+          <a:p>
+            <a:pPr marL="1440">
+              <a:lnSpc>
+                <a:spcPct val="100000"/>
+              </a:lnSpc>
+            </a:pPr>
+            <a:r>
+              <a:rPr b="0" lang="en-US" sz="1050" spc="-1" strike="noStrike">
+                <a:solidFill>
+                  <a:srgbClr val="000000"/>
+                </a:solidFill>
+                <a:latin typeface="Arial"/>
+                <a:ea typeface="DejaVu Sans"/>
+              </a:rPr>
+              <a:t>  </a:t>
+            </a:r>
+            <a:r>
+              <a:rPr b="0" lang="en-US" sz="1050" spc="-1" strike="noStrike">
+                <a:solidFill>
+                  <a:srgbClr val="000000"/>
+                </a:solidFill>
+                <a:latin typeface="Arial"/>
+                <a:ea typeface="DejaVu Sans"/>
+              </a:rPr>
+              <a:t>}</a:t>
+            </a:r>
+            <a:endParaRPr b="0" lang="en-US" sz="1050" spc="-1" strike="noStrike">
+              <a:latin typeface="Arial"/>
+            </a:endParaRPr>
+          </a:p>
+          <a:p>
+            <a:pPr marL="1440">
+              <a:lnSpc>
+                <a:spcPct val="100000"/>
+              </a:lnSpc>
+            </a:pPr>
+            <a:endParaRPr b="0" lang="en-US" sz="1050" spc="-1" strike="noStrike">
+              <a:latin typeface="Arial"/>
+            </a:endParaRPr>
+          </a:p>
+          <a:p>
+            <a:pPr marL="1440">
+              <a:lnSpc>
+                <a:spcPct val="100000"/>
+              </a:lnSpc>
+            </a:pPr>
+            <a:r>
+              <a:rPr b="0" lang="en-US" sz="1050" spc="-1" strike="noStrike">
+                <a:solidFill>
+                  <a:srgbClr val="000000"/>
+                </a:solidFill>
+                <a:latin typeface="Arial"/>
+                <a:ea typeface="DejaVu Sans"/>
+              </a:rPr>
+              <a:t>private:</a:t>
+            </a:r>
+            <a:endParaRPr b="0" lang="en-US" sz="1050" spc="-1" strike="noStrike">
+              <a:latin typeface="Arial"/>
+            </a:endParaRPr>
+          </a:p>
+          <a:p>
+            <a:pPr marL="1440">
+              <a:lnSpc>
+                <a:spcPct val="100000"/>
+              </a:lnSpc>
+            </a:pPr>
+            <a:r>
+              <a:rPr b="1" lang="en-US" sz="1050" spc="-1" strike="noStrike">
+                <a:solidFill>
+                  <a:srgbClr val="000000"/>
+                </a:solidFill>
+                <a:latin typeface="Arial"/>
+                <a:ea typeface="DejaVu Sans"/>
+              </a:rPr>
+              <a:t>  </a:t>
+            </a:r>
+            <a:r>
+              <a:rPr b="1" lang="en-US" sz="1050" spc="-1" strike="noStrike">
+                <a:solidFill>
+                  <a:srgbClr val="000000"/>
+                </a:solidFill>
+                <a:latin typeface="Arial"/>
+                <a:ea typeface="DejaVu Sans"/>
+              </a:rPr>
+              <a:t>void callback()</a:t>
+            </a:r>
+            <a:endParaRPr b="0" lang="en-US" sz="1050" spc="-1" strike="noStrike">
+              <a:latin typeface="Arial"/>
+            </a:endParaRPr>
+          </a:p>
+          <a:p>
+            <a:pPr marL="1440">
+              <a:lnSpc>
+                <a:spcPct val="100000"/>
+              </a:lnSpc>
+            </a:pPr>
+            <a:r>
+              <a:rPr b="1" lang="en-US" sz="1050" spc="-1" strike="noStrike">
+                <a:solidFill>
+                  <a:srgbClr val="000000"/>
+                </a:solidFill>
+                <a:latin typeface="Arial"/>
+                <a:ea typeface="DejaVu Sans"/>
+              </a:rPr>
+              <a:t>  </a:t>
+            </a:r>
+            <a:r>
+              <a:rPr b="1" lang="en-US" sz="1050" spc="-1" strike="noStrike">
+                <a:solidFill>
+                  <a:srgbClr val="000000"/>
+                </a:solidFill>
+                <a:latin typeface="Arial"/>
+                <a:ea typeface="DejaVu Sans"/>
+              </a:rPr>
+              <a:t>{</a:t>
+            </a:r>
+            <a:endParaRPr b="0" lang="en-US" sz="1050" spc="-1" strike="noStrike">
+              <a:latin typeface="Arial"/>
+            </a:endParaRPr>
+          </a:p>
+          <a:p>
+            <a:pPr marL="1440">
+              <a:lnSpc>
+                <a:spcPct val="100000"/>
+              </a:lnSpc>
+            </a:pPr>
+            <a:r>
+              <a:rPr b="1" lang="en-US" sz="1050" spc="-1" strike="noStrike">
+                <a:solidFill>
+                  <a:srgbClr val="000000"/>
+                </a:solidFill>
+                <a:latin typeface="Arial"/>
+                <a:ea typeface="DejaVu Sans"/>
+              </a:rPr>
+              <a:t>    </a:t>
+            </a:r>
+            <a:r>
+              <a:rPr b="1" lang="en-US" sz="1050" spc="-1" strike="noStrike">
+                <a:solidFill>
+                  <a:srgbClr val="000000"/>
+                </a:solidFill>
+                <a:latin typeface="Arial"/>
+                <a:ea typeface="DejaVu Sans"/>
+              </a:rPr>
+              <a:t>auto msg_num = foo_pkg_ros2::msg::Baz();</a:t>
+            </a:r>
+            <a:endParaRPr b="0" lang="en-US" sz="1050" spc="-1" strike="noStrike">
+              <a:latin typeface="Arial"/>
+            </a:endParaRPr>
+          </a:p>
+          <a:p>
+            <a:pPr marL="1440">
+              <a:lnSpc>
+                <a:spcPct val="100000"/>
+              </a:lnSpc>
+            </a:pPr>
+            <a:r>
+              <a:rPr b="1" lang="en-US" sz="1050" spc="-1" strike="noStrike">
+                <a:solidFill>
+                  <a:srgbClr val="000000"/>
+                </a:solidFill>
+                <a:latin typeface="Arial"/>
+                <a:ea typeface="DejaVu Sans"/>
+              </a:rPr>
+              <a:t>    </a:t>
+            </a:r>
+            <a:r>
+              <a:rPr b="1" lang="en-US" sz="1050" spc="-1" strike="noStrike">
+                <a:solidFill>
+                  <a:srgbClr val="000000"/>
+                </a:solidFill>
+                <a:latin typeface="Arial"/>
+                <a:ea typeface="DejaVu Sans"/>
+              </a:rPr>
+              <a:t>msg_num.data = publish_count++;</a:t>
+            </a:r>
+            <a:endParaRPr b="0" lang="en-US" sz="1050" spc="-1" strike="noStrike">
+              <a:latin typeface="Arial"/>
+            </a:endParaRPr>
+          </a:p>
+          <a:p>
+            <a:pPr marL="1440">
+              <a:lnSpc>
+                <a:spcPct val="100000"/>
+              </a:lnSpc>
+            </a:pPr>
+            <a:r>
+              <a:rPr b="1" lang="en-US" sz="1050" spc="-1" strike="noStrike">
+                <a:solidFill>
+                  <a:srgbClr val="000000"/>
+                </a:solidFill>
+                <a:latin typeface="Arial"/>
+                <a:ea typeface="DejaVu Sans"/>
+              </a:rPr>
+              <a:t>    </a:t>
+            </a:r>
+            <a:r>
+              <a:rPr b="1" lang="en-US" sz="1050" spc="-1" strike="noStrike">
+                <a:solidFill>
+                  <a:srgbClr val="000000"/>
+                </a:solidFill>
+                <a:latin typeface="Arial"/>
+                <a:ea typeface="DejaVu Sans"/>
+              </a:rPr>
+              <a:t>pub_number-&gt;publish(msg_num);</a:t>
+            </a:r>
+            <a:endParaRPr b="0" lang="en-US" sz="1050" spc="-1" strike="noStrike">
+              <a:latin typeface="Arial"/>
+            </a:endParaRPr>
+          </a:p>
+          <a:p>
+            <a:pPr marL="1440">
+              <a:lnSpc>
+                <a:spcPct val="100000"/>
+              </a:lnSpc>
+            </a:pPr>
+            <a:r>
+              <a:rPr b="1" lang="en-US" sz="1050" spc="-1" strike="noStrike">
+                <a:solidFill>
+                  <a:srgbClr val="000000"/>
+                </a:solidFill>
+                <a:latin typeface="Arial"/>
+                <a:ea typeface="DejaVu Sans"/>
+              </a:rPr>
+              <a:t>  </a:t>
+            </a:r>
+            <a:r>
+              <a:rPr b="1" lang="en-US" sz="1050" spc="-1" strike="noStrike">
+                <a:solidFill>
+                  <a:srgbClr val="000000"/>
+                </a:solidFill>
+                <a:latin typeface="Arial"/>
+                <a:ea typeface="DejaVu Sans"/>
+              </a:rPr>
+              <a:t>}</a:t>
+            </a:r>
+            <a:endParaRPr b="0" lang="en-US" sz="1050" spc="-1" strike="noStrike">
+              <a:latin typeface="Arial"/>
+            </a:endParaRPr>
+          </a:p>
+          <a:p>
+            <a:pPr marL="1440">
+              <a:lnSpc>
+                <a:spcPct val="100000"/>
+              </a:lnSpc>
+            </a:pPr>
+            <a:r>
+              <a:rPr b="0" lang="en-US" sz="1050" spc="-1" strike="noStrike">
+                <a:solidFill>
+                  <a:srgbClr val="000000"/>
+                </a:solidFill>
+                <a:latin typeface="Arial"/>
+                <a:ea typeface="DejaVu Sans"/>
+              </a:rPr>
+              <a:t>  </a:t>
+            </a:r>
+            <a:r>
+              <a:rPr b="0" lang="en-US" sz="1050" spc="-1" strike="noStrike">
+                <a:solidFill>
+                  <a:srgbClr val="000000"/>
+                </a:solidFill>
+                <a:latin typeface="Arial"/>
+                <a:ea typeface="DejaVu Sans"/>
+              </a:rPr>
+              <a:t>rclcpp::TimerBase::SharedPtr timer_;</a:t>
+            </a:r>
+            <a:endParaRPr b="0" lang="en-US" sz="1050" spc="-1" strike="noStrike">
+              <a:latin typeface="Arial"/>
+            </a:endParaRPr>
+          </a:p>
+          <a:p>
+            <a:pPr marL="1440">
+              <a:lnSpc>
+                <a:spcPct val="100000"/>
+              </a:lnSpc>
+            </a:pPr>
+            <a:r>
+              <a:rPr b="0" lang="en-US" sz="1050" spc="-1" strike="noStrike">
+                <a:solidFill>
+                  <a:srgbClr val="000000"/>
+                </a:solidFill>
+                <a:latin typeface="Arial"/>
+                <a:ea typeface="DejaVu Sans"/>
+              </a:rPr>
+              <a:t>  </a:t>
+            </a:r>
+            <a:r>
+              <a:rPr b="0" lang="en-US" sz="1050" spc="-1" strike="noStrike">
+                <a:solidFill>
+                  <a:srgbClr val="000000"/>
+                </a:solidFill>
+                <a:latin typeface="Arial"/>
+                <a:ea typeface="DejaVu Sans"/>
+              </a:rPr>
+              <a:t>rclcpp::Publisher&lt;foo_pkg_ros2::msg::Baz&gt;</a:t>
+            </a:r>
+            <a:br/>
+            <a:r>
+              <a:rPr b="0" lang="en-US" sz="1050" spc="-1" strike="noStrike">
+                <a:solidFill>
+                  <a:srgbClr val="000000"/>
+                </a:solidFill>
+                <a:latin typeface="Arial"/>
+                <a:ea typeface="DejaVu Sans"/>
+              </a:rPr>
+              <a:t>                                   ::SharedPtr pub_number;</a:t>
+            </a:r>
+            <a:endParaRPr b="0" lang="en-US" sz="1050" spc="-1" strike="noStrike">
+              <a:latin typeface="Arial"/>
+            </a:endParaRPr>
+          </a:p>
+          <a:p>
+            <a:pPr marL="1440">
+              <a:lnSpc>
+                <a:spcPct val="100000"/>
+              </a:lnSpc>
+            </a:pPr>
+            <a:r>
+              <a:rPr b="0" lang="en-US" sz="1050" spc="-1" strike="noStrike">
+                <a:solidFill>
+                  <a:srgbClr val="000000"/>
+                </a:solidFill>
+                <a:latin typeface="Arial"/>
+                <a:ea typeface="DejaVu Sans"/>
+              </a:rPr>
+              <a:t>  </a:t>
+            </a:r>
+            <a:r>
+              <a:rPr b="0" lang="en-US" sz="1050" spc="-1" strike="noStrike">
+                <a:solidFill>
+                  <a:srgbClr val="000000"/>
+                </a:solidFill>
+                <a:latin typeface="Arial"/>
+                <a:ea typeface="DejaVu Sans"/>
+              </a:rPr>
+              <a:t>size_t publish_count;</a:t>
+            </a:r>
+            <a:endParaRPr b="0" lang="en-US" sz="1050" spc="-1" strike="noStrike">
+              <a:latin typeface="Arial"/>
+            </a:endParaRPr>
+          </a:p>
+          <a:p>
+            <a:pPr marL="1440">
+              <a:lnSpc>
+                <a:spcPct val="100000"/>
+              </a:lnSpc>
+            </a:pPr>
+            <a:r>
+              <a:rPr b="0" lang="en-US" sz="1050" spc="-1" strike="noStrike">
+                <a:solidFill>
+                  <a:srgbClr val="000000"/>
+                </a:solidFill>
+                <a:latin typeface="Arial"/>
+                <a:ea typeface="DejaVu Sans"/>
+              </a:rPr>
+              <a:t>};</a:t>
+            </a:r>
+            <a:endParaRPr b="0" lang="en-US" sz="1050" spc="-1" strike="noStrike">
+              <a:latin typeface="Arial"/>
+            </a:endParaRPr>
+          </a:p>
+          <a:p>
+            <a:pPr marL="1440">
+              <a:lnSpc>
+                <a:spcPct val="100000"/>
+              </a:lnSpc>
+            </a:pPr>
+            <a:endParaRPr b="0" lang="en-US" sz="1050" spc="-1" strike="noStrike">
+              <a:latin typeface="Arial"/>
+            </a:endParaRPr>
+          </a:p>
+          <a:p>
+            <a:pPr marL="1440">
+              <a:lnSpc>
+                <a:spcPct val="100000"/>
+              </a:lnSpc>
+            </a:pPr>
+            <a:r>
+              <a:rPr b="0" lang="en-US" sz="1050" spc="-1" strike="noStrike">
+                <a:solidFill>
+                  <a:srgbClr val="000000"/>
+                </a:solidFill>
+                <a:latin typeface="Arial"/>
+                <a:ea typeface="DejaVu Sans"/>
+              </a:rPr>
+              <a:t>int main(int argc, char * argv[])</a:t>
+            </a:r>
+            <a:endParaRPr b="0" lang="en-US" sz="1050" spc="-1" strike="noStrike">
+              <a:latin typeface="Arial"/>
+            </a:endParaRPr>
+          </a:p>
+          <a:p>
+            <a:pPr marL="1440">
+              <a:lnSpc>
+                <a:spcPct val="100000"/>
+              </a:lnSpc>
+            </a:pPr>
+            <a:r>
+              <a:rPr b="0" lang="en-US" sz="1050" spc="-1" strike="noStrike">
+                <a:solidFill>
+                  <a:srgbClr val="000000"/>
+                </a:solidFill>
+                <a:latin typeface="Arial"/>
+                <a:ea typeface="DejaVu Sans"/>
+              </a:rPr>
+              <a:t>{</a:t>
+            </a:r>
+            <a:endParaRPr b="0" lang="en-US" sz="1050" spc="-1" strike="noStrike">
+              <a:latin typeface="Arial"/>
+            </a:endParaRPr>
+          </a:p>
+          <a:p>
+            <a:pPr marL="1440">
+              <a:lnSpc>
+                <a:spcPct val="100000"/>
+              </a:lnSpc>
+            </a:pPr>
+            <a:r>
+              <a:rPr b="0" lang="en-US" sz="1050" spc="-1" strike="noStrike">
+                <a:solidFill>
+                  <a:srgbClr val="000000"/>
+                </a:solidFill>
+                <a:latin typeface="Arial"/>
+                <a:ea typeface="DejaVu Sans"/>
+              </a:rPr>
+              <a:t>  </a:t>
+            </a:r>
+            <a:r>
+              <a:rPr b="0" lang="en-US" sz="1050" spc="-1" strike="noStrike">
+                <a:solidFill>
+                  <a:srgbClr val="000000"/>
+                </a:solidFill>
+                <a:latin typeface="Arial"/>
+                <a:ea typeface="DejaVu Sans"/>
+              </a:rPr>
+              <a:t>rclcpp::init(argc, argv);</a:t>
+            </a:r>
+            <a:endParaRPr b="0" lang="en-US" sz="1050" spc="-1" strike="noStrike">
+              <a:latin typeface="Arial"/>
+            </a:endParaRPr>
+          </a:p>
+          <a:p>
+            <a:pPr marL="1440">
+              <a:lnSpc>
+                <a:spcPct val="100000"/>
+              </a:lnSpc>
+            </a:pPr>
+            <a:r>
+              <a:rPr b="0" lang="en-US" sz="1050" spc="-1" strike="noStrike">
+                <a:solidFill>
+                  <a:srgbClr val="000000"/>
+                </a:solidFill>
+                <a:latin typeface="Arial"/>
+                <a:ea typeface="DejaVu Sans"/>
+              </a:rPr>
+              <a:t>  </a:t>
+            </a:r>
+            <a:r>
+              <a:rPr b="0" lang="en-US" sz="1050" spc="-1" strike="noStrike">
+                <a:solidFill>
+                  <a:srgbClr val="000000"/>
+                </a:solidFill>
+                <a:latin typeface="Arial"/>
+                <a:ea typeface="DejaVu Sans"/>
+              </a:rPr>
+              <a:t>rclcpp::spin(std::make_shared&lt;</a:t>
+            </a:r>
+            <a:r>
+              <a:rPr b="0" lang="en-US" sz="1050" spc="-1" strike="noStrike">
+                <a:solidFill>
+                  <a:srgbClr val="000000"/>
+                </a:solidFill>
+                <a:latin typeface="Arial"/>
+                <a:ea typeface="DejaVu Sans"/>
+              </a:rPr>
+              <a:t>Sender&gt;());</a:t>
+            </a:r>
+            <a:endParaRPr b="0" lang="en-US" sz="1050" spc="-1" strike="noStrike">
+              <a:latin typeface="Arial"/>
+            </a:endParaRPr>
+          </a:p>
+          <a:p>
+            <a:pPr marL="1440">
+              <a:lnSpc>
+                <a:spcPct val="100000"/>
+              </a:lnSpc>
+            </a:pPr>
+            <a:r>
+              <a:rPr b="0" lang="en-US" sz="1050" spc="-1" strike="noStrike">
+                <a:solidFill>
+                  <a:srgbClr val="000000"/>
+                </a:solidFill>
+                <a:latin typeface="Arial"/>
+                <a:ea typeface="DejaVu Sans"/>
+              </a:rPr>
+              <a:t>  </a:t>
+            </a:r>
+            <a:r>
+              <a:rPr b="0" lang="en-US" sz="1050" spc="-1" strike="noStrike">
+                <a:solidFill>
+                  <a:srgbClr val="000000"/>
+                </a:solidFill>
+                <a:latin typeface="Arial"/>
+                <a:ea typeface="DejaVu Sans"/>
+              </a:rPr>
+              <a:t>rclcpp::shutdown();</a:t>
+            </a:r>
+            <a:endParaRPr b="0" lang="en-US" sz="1050" spc="-1" strike="noStrike">
+              <a:latin typeface="Arial"/>
+            </a:endParaRPr>
+          </a:p>
+          <a:p>
+            <a:pPr marL="1440">
+              <a:lnSpc>
+                <a:spcPct val="100000"/>
+              </a:lnSpc>
+            </a:pPr>
+            <a:r>
+              <a:rPr b="0" lang="en-US" sz="1050" spc="-1" strike="noStrike">
+                <a:solidFill>
+                  <a:srgbClr val="000000"/>
+                </a:solidFill>
+                <a:latin typeface="Arial"/>
+                <a:ea typeface="DejaVu Sans"/>
+              </a:rPr>
+              <a:t>  </a:t>
+            </a:r>
+            <a:r>
+              <a:rPr b="0" lang="en-US" sz="1050" spc="-1" strike="noStrike">
+                <a:solidFill>
+                  <a:srgbClr val="000000"/>
+                </a:solidFill>
+                <a:latin typeface="Arial"/>
+                <a:ea typeface="DejaVu Sans"/>
+              </a:rPr>
+              <a:t>return 0;</a:t>
+            </a:r>
+            <a:endParaRPr b="0" lang="en-US" sz="1050" spc="-1" strike="noStrike">
+              <a:latin typeface="Arial"/>
+            </a:endParaRPr>
+          </a:p>
+          <a:p>
+            <a:pPr marL="1440">
+              <a:lnSpc>
+                <a:spcPct val="100000"/>
+              </a:lnSpc>
+            </a:pPr>
+            <a:r>
+              <a:rPr b="0" lang="en-US" sz="1050" spc="-1" strike="noStrike">
+                <a:solidFill>
+                  <a:srgbClr val="000000"/>
+                </a:solidFill>
+                <a:latin typeface="Arial"/>
+                <a:ea typeface="DejaVu Sans"/>
+              </a:rPr>
+              <a:t>}</a:t>
+            </a:r>
+            <a:endParaRPr b="0" lang="en-US" sz="1050" spc="-1" strike="noStrike">
+              <a:latin typeface="Arial"/>
+            </a:endParaRPr>
+          </a:p>
+        </p:txBody>
+      </p:sp>
+      <p:sp>
+        <p:nvSpPr>
+          <p:cNvPr id="98" name="CustomShape 8"/>
+          <p:cNvSpPr/>
+          <p:nvPr/>
+        </p:nvSpPr>
+        <p:spPr>
+          <a:xfrm>
+            <a:off x="8229600" y="1427040"/>
+            <a:ext cx="3749040" cy="5339520"/>
+          </a:xfrm>
+          <a:prstGeom prst="rect">
+            <a:avLst/>
+          </a:prstGeom>
+          <a:noFill/>
+          <a:ln>
+            <a:noFill/>
+          </a:ln>
+        </p:spPr>
+        <p:style>
+          <a:lnRef idx="0"/>
+          <a:fillRef idx="0"/>
+          <a:effectRef idx="0"/>
+          <a:fontRef idx="minor"/>
+        </p:style>
+        <p:txBody>
+          <a:bodyPr lIns="90000" rIns="90000" tIns="45000" bIns="45000"/>
+          <a:p>
+            <a:pPr marL="1440">
+              <a:lnSpc>
+                <a:spcPct val="100000"/>
+              </a:lnSpc>
+            </a:pPr>
+            <a:r>
+              <a:rPr b="0" lang="en-US" sz="1050" spc="-1" strike="noStrike">
+                <a:solidFill>
+                  <a:srgbClr val="000000"/>
+                </a:solidFill>
+                <a:latin typeface="Arial"/>
+                <a:ea typeface="DejaVu Sans"/>
+              </a:rPr>
+              <a:t>#include "rclcpp/rclcpp.hpp"</a:t>
+            </a:r>
+            <a:endParaRPr b="0" lang="en-US" sz="1050" spc="-1" strike="noStrike">
+              <a:latin typeface="Arial"/>
+            </a:endParaRPr>
+          </a:p>
+          <a:p>
+            <a:pPr marL="1440">
+              <a:lnSpc>
+                <a:spcPct val="100000"/>
+              </a:lnSpc>
+            </a:pPr>
+            <a:r>
+              <a:rPr b="0" lang="en-US" sz="1050" spc="-1" strike="noStrike">
+                <a:solidFill>
+                  <a:srgbClr val="000000"/>
+                </a:solidFill>
+                <a:latin typeface="Arial"/>
+                <a:ea typeface="DejaVu Sans"/>
+              </a:rPr>
+              <a:t>#include "foo_pkg_ros2/msg/baz.hpp"</a:t>
+            </a:r>
+            <a:endParaRPr b="0" lang="en-US" sz="1050" spc="-1" strike="noStrike">
+              <a:latin typeface="Arial"/>
+            </a:endParaRPr>
+          </a:p>
+          <a:p>
+            <a:pPr marL="1440">
+              <a:lnSpc>
+                <a:spcPct val="100000"/>
+              </a:lnSpc>
+            </a:pPr>
+            <a:endParaRPr b="0" lang="en-US" sz="1050" spc="-1" strike="noStrike">
+              <a:latin typeface="Arial"/>
+            </a:endParaRPr>
+          </a:p>
+          <a:p>
+            <a:pPr marL="1440">
+              <a:lnSpc>
+                <a:spcPct val="100000"/>
+              </a:lnSpc>
+            </a:pPr>
+            <a:r>
+              <a:rPr b="0" lang="en-US" sz="1050" spc="-1" strike="noStrike">
+                <a:solidFill>
+                  <a:srgbClr val="000000"/>
+                </a:solidFill>
+                <a:latin typeface="Arial"/>
+                <a:ea typeface="DejaVu Sans"/>
+              </a:rPr>
+              <a:t>#include &lt;chrono&gt;</a:t>
+            </a:r>
+            <a:endParaRPr b="0" lang="en-US" sz="1050" spc="-1" strike="noStrike">
+              <a:latin typeface="Arial"/>
+            </a:endParaRPr>
+          </a:p>
+          <a:p>
+            <a:pPr marL="1440">
+              <a:lnSpc>
+                <a:spcPct val="100000"/>
+              </a:lnSpc>
+            </a:pPr>
+            <a:r>
+              <a:rPr b="0" lang="en-US" sz="1050" spc="-1" strike="noStrike">
+                <a:solidFill>
+                  <a:srgbClr val="000000"/>
+                </a:solidFill>
+                <a:latin typeface="Arial"/>
+                <a:ea typeface="DejaVu Sans"/>
+              </a:rPr>
+              <a:t>using namespace std::chrono_literals;</a:t>
+            </a:r>
+            <a:endParaRPr b="0" lang="en-US" sz="1050" spc="-1" strike="noStrike">
+              <a:latin typeface="Arial"/>
+            </a:endParaRPr>
+          </a:p>
+          <a:p>
+            <a:pPr marL="1440">
+              <a:lnSpc>
+                <a:spcPct val="100000"/>
+              </a:lnSpc>
+            </a:pPr>
+            <a:endParaRPr b="0" lang="en-US" sz="1050" spc="-1" strike="noStrike">
+              <a:latin typeface="Arial"/>
+            </a:endParaRPr>
+          </a:p>
+          <a:p>
+            <a:pPr marL="1440">
+              <a:lnSpc>
+                <a:spcPct val="100000"/>
+              </a:lnSpc>
+            </a:pPr>
+            <a:r>
+              <a:rPr b="0" lang="en-US" sz="1050" spc="-1" strike="noStrike">
+                <a:solidFill>
+                  <a:srgbClr val="000000"/>
+                </a:solidFill>
+                <a:latin typeface="Arial"/>
+                <a:ea typeface="DejaVu Sans"/>
+              </a:rPr>
+              <a:t>class Sender : public rclcpp::Node</a:t>
+            </a:r>
+            <a:endParaRPr b="0" lang="en-US" sz="1050" spc="-1" strike="noStrike">
+              <a:latin typeface="Arial"/>
+            </a:endParaRPr>
+          </a:p>
+          <a:p>
+            <a:pPr marL="1440">
+              <a:lnSpc>
+                <a:spcPct val="100000"/>
+              </a:lnSpc>
+            </a:pPr>
+            <a:r>
+              <a:rPr b="0" lang="en-US" sz="1050" spc="-1" strike="noStrike">
+                <a:solidFill>
+                  <a:srgbClr val="000000"/>
+                </a:solidFill>
+                <a:latin typeface="Arial"/>
+                <a:ea typeface="DejaVu Sans"/>
+              </a:rPr>
+              <a:t>{</a:t>
+            </a:r>
+            <a:endParaRPr b="0" lang="en-US" sz="1050" spc="-1" strike="noStrike">
+              <a:latin typeface="Arial"/>
+            </a:endParaRPr>
+          </a:p>
+          <a:p>
+            <a:pPr marL="1440">
+              <a:lnSpc>
+                <a:spcPct val="100000"/>
+              </a:lnSpc>
+            </a:pPr>
+            <a:r>
+              <a:rPr b="0" lang="en-US" sz="1050" spc="-1" strike="noStrike">
+                <a:solidFill>
+                  <a:srgbClr val="000000"/>
+                </a:solidFill>
+                <a:latin typeface="Arial"/>
+                <a:ea typeface="DejaVu Sans"/>
+              </a:rPr>
+              <a:t>public:</a:t>
+            </a:r>
+            <a:endParaRPr b="0" lang="en-US" sz="1050" spc="-1" strike="noStrike">
+              <a:latin typeface="Arial"/>
+            </a:endParaRPr>
+          </a:p>
+          <a:p>
+            <a:pPr marL="1440">
+              <a:lnSpc>
+                <a:spcPct val="100000"/>
+              </a:lnSpc>
+            </a:pPr>
+            <a:r>
+              <a:rPr b="0" lang="en-US" sz="1050" spc="-1" strike="noStrike">
+                <a:solidFill>
+                  <a:srgbClr val="000000"/>
+                </a:solidFill>
+                <a:latin typeface="Arial"/>
+                <a:ea typeface="DejaVu Sans"/>
+              </a:rPr>
+              <a:t>  </a:t>
+            </a:r>
+            <a:r>
+              <a:rPr b="0" lang="en-US" sz="1050" spc="-1" strike="noStrike">
+                <a:solidFill>
+                  <a:srgbClr val="000000"/>
+                </a:solidFill>
+                <a:latin typeface="Arial"/>
+                <a:ea typeface="DejaVu Sans"/>
+              </a:rPr>
+              <a:t>Sender() : Node("sender"), publish_count(0)</a:t>
+            </a:r>
+            <a:endParaRPr b="0" lang="en-US" sz="1050" spc="-1" strike="noStrike">
+              <a:latin typeface="Arial"/>
+            </a:endParaRPr>
+          </a:p>
+          <a:p>
+            <a:pPr marL="1440">
+              <a:lnSpc>
+                <a:spcPct val="100000"/>
+              </a:lnSpc>
+            </a:pPr>
+            <a:r>
+              <a:rPr b="0" lang="en-US" sz="1050" spc="-1" strike="noStrike">
+                <a:solidFill>
+                  <a:srgbClr val="000000"/>
+                </a:solidFill>
+                <a:latin typeface="Arial"/>
+                <a:ea typeface="DejaVu Sans"/>
+              </a:rPr>
+              <a:t>  </a:t>
+            </a:r>
+            <a:r>
+              <a:rPr b="0" lang="en-US" sz="1050" spc="-1" strike="noStrike">
+                <a:solidFill>
+                  <a:srgbClr val="000000"/>
+                </a:solidFill>
+                <a:latin typeface="Arial"/>
+                <a:ea typeface="DejaVu Sans"/>
+              </a:rPr>
+              <a:t>{</a:t>
+            </a:r>
+            <a:endParaRPr b="0" lang="en-US" sz="1050" spc="-1" strike="noStrike">
+              <a:latin typeface="Arial"/>
+            </a:endParaRPr>
+          </a:p>
+          <a:p>
+            <a:pPr marL="1440">
+              <a:lnSpc>
+                <a:spcPct val="100000"/>
+              </a:lnSpc>
+            </a:pPr>
+            <a:r>
+              <a:rPr b="0" lang="en-US" sz="1050" spc="-1" strike="noStrike">
+                <a:solidFill>
+                  <a:srgbClr val="000000"/>
+                </a:solidFill>
+                <a:latin typeface="Arial"/>
+                <a:ea typeface="DejaVu Sans"/>
+              </a:rPr>
+              <a:t>    </a:t>
+            </a:r>
+            <a:r>
+              <a:rPr b="0" lang="en-US" sz="1050" spc="-1" strike="noStrike">
+                <a:solidFill>
+                  <a:srgbClr val="000000"/>
+                </a:solidFill>
+                <a:latin typeface="Arial"/>
+                <a:ea typeface="DejaVu Sans"/>
+              </a:rPr>
+              <a:t>publisher_ = this</a:t>
+            </a:r>
+            <a:r>
+              <a:rPr b="0" lang="en-US" sz="1050" spc="-1" strike="noStrike">
+                <a:solidFill>
+                  <a:srgbClr val="000000"/>
+                </a:solidFill>
+                <a:latin typeface="Arial"/>
+                <a:ea typeface="DejaVu Sans"/>
+              </a:rPr>
+              <a:t>-&gt;create_publisher</a:t>
+            </a:r>
+            <a:endParaRPr b="0" lang="en-US" sz="1050" spc="-1" strike="noStrike">
+              <a:latin typeface="Arial"/>
+            </a:endParaRPr>
+          </a:p>
+          <a:p>
+            <a:pPr marL="1440">
+              <a:lnSpc>
+                <a:spcPct val="100000"/>
+              </a:lnSpc>
+            </a:pPr>
+            <a:r>
+              <a:rPr b="0" lang="en-US" sz="1050" spc="-1" strike="noStrike">
+                <a:solidFill>
+                  <a:srgbClr val="000000"/>
+                </a:solidFill>
+                <a:latin typeface="Arial"/>
+                <a:ea typeface="DejaVu Sans"/>
+              </a:rPr>
+              <a:t>                               </a:t>
+            </a:r>
+            <a:r>
+              <a:rPr b="0" lang="en-US" sz="1050" spc="-1" strike="noStrike">
+                <a:solidFill>
+                  <a:srgbClr val="000000"/>
+                </a:solidFill>
+                <a:latin typeface="Arial"/>
+                <a:ea typeface="DejaVu Sans"/>
+              </a:rPr>
+              <a:t>&lt;foo_pkg_ros2::msg::Baz&gt;("/number", 1);</a:t>
+            </a:r>
+            <a:endParaRPr b="0" lang="en-US" sz="1050" spc="-1" strike="noStrike">
+              <a:latin typeface="Arial"/>
+            </a:endParaRPr>
+          </a:p>
+          <a:p>
+            <a:pPr marL="1440">
+              <a:lnSpc>
+                <a:spcPct val="100000"/>
+              </a:lnSpc>
+            </a:pPr>
+            <a:r>
+              <a:rPr b="1" lang="en-US" sz="1050" spc="-1" strike="noStrike">
+                <a:solidFill>
+                  <a:srgbClr val="000000"/>
+                </a:solidFill>
+                <a:latin typeface="Arial"/>
+                <a:ea typeface="DejaVu Sans"/>
+              </a:rPr>
+              <a:t>    </a:t>
+            </a:r>
+            <a:r>
+              <a:rPr b="1" lang="en-US" sz="1050" spc="-1" strike="noStrike">
+                <a:solidFill>
+                  <a:srgbClr val="000000"/>
+                </a:solidFill>
+                <a:latin typeface="Arial"/>
+                <a:ea typeface="DejaVu Sans"/>
+              </a:rPr>
+              <a:t>auto callback =</a:t>
+            </a:r>
+            <a:endParaRPr b="0" lang="en-US" sz="1050" spc="-1" strike="noStrike">
+              <a:latin typeface="Arial"/>
+            </a:endParaRPr>
+          </a:p>
+          <a:p>
+            <a:pPr marL="1440">
+              <a:lnSpc>
+                <a:spcPct val="100000"/>
+              </a:lnSpc>
+            </a:pPr>
+            <a:r>
+              <a:rPr b="1" lang="en-US" sz="1050" spc="-1" strike="noStrike">
+                <a:solidFill>
+                  <a:srgbClr val="000000"/>
+                </a:solidFill>
+                <a:latin typeface="Arial"/>
+                <a:ea typeface="DejaVu Sans"/>
+              </a:rPr>
+              <a:t>      </a:t>
+            </a:r>
+            <a:r>
+              <a:rPr b="1" lang="en-US" sz="1050" spc="-1" strike="noStrike">
+                <a:solidFill>
+                  <a:srgbClr val="000000"/>
+                </a:solidFill>
+                <a:latin typeface="Arial"/>
+                <a:ea typeface="DejaVu Sans"/>
+              </a:rPr>
+              <a:t>[this]() -&gt; void {</a:t>
+            </a:r>
+            <a:endParaRPr b="0" lang="en-US" sz="1050" spc="-1" strike="noStrike">
+              <a:latin typeface="Arial"/>
+            </a:endParaRPr>
+          </a:p>
+          <a:p>
+            <a:pPr marL="1440">
+              <a:lnSpc>
+                <a:spcPct val="100000"/>
+              </a:lnSpc>
+            </a:pPr>
+            <a:r>
+              <a:rPr b="1" lang="en-US" sz="1050" spc="-1" strike="noStrike">
+                <a:solidFill>
+                  <a:srgbClr val="000000"/>
+                </a:solidFill>
+                <a:latin typeface="Arial"/>
+                <a:ea typeface="DejaVu Sans"/>
+              </a:rPr>
+              <a:t>        </a:t>
+            </a:r>
+            <a:r>
+              <a:rPr b="1" lang="en-US" sz="1050" spc="-1" strike="noStrike">
+                <a:solidFill>
+                  <a:srgbClr val="000000"/>
+                </a:solidFill>
+                <a:latin typeface="Arial"/>
+                <a:ea typeface="DejaVu Sans"/>
+              </a:rPr>
+              <a:t>auto msg_num = foo_pkg_ros2::msg::Baz();</a:t>
+            </a:r>
+            <a:endParaRPr b="0" lang="en-US" sz="1050" spc="-1" strike="noStrike">
+              <a:latin typeface="Arial"/>
+            </a:endParaRPr>
+          </a:p>
+          <a:p>
+            <a:pPr marL="1440">
+              <a:lnSpc>
+                <a:spcPct val="100000"/>
+              </a:lnSpc>
+            </a:pPr>
+            <a:r>
+              <a:rPr b="1" lang="en-US" sz="1050" spc="-1" strike="noStrike">
+                <a:solidFill>
+                  <a:srgbClr val="000000"/>
+                </a:solidFill>
+                <a:latin typeface="Arial"/>
+                <a:ea typeface="DejaVu Sans"/>
+              </a:rPr>
+              <a:t>        </a:t>
+            </a:r>
+            <a:r>
+              <a:rPr b="1" lang="en-US" sz="1050" spc="-1" strike="noStrike">
+                <a:solidFill>
+                  <a:srgbClr val="000000"/>
+                </a:solidFill>
+                <a:latin typeface="Arial"/>
+                <a:ea typeface="DejaVu Sans"/>
+              </a:rPr>
+              <a:t>msg_num.data = publish_count++;</a:t>
+            </a:r>
+            <a:endParaRPr b="0" lang="en-US" sz="1050" spc="-1" strike="noStrike">
+              <a:latin typeface="Arial"/>
+            </a:endParaRPr>
+          </a:p>
+          <a:p>
+            <a:pPr marL="1440">
+              <a:lnSpc>
+                <a:spcPct val="100000"/>
+              </a:lnSpc>
+            </a:pPr>
+            <a:r>
+              <a:rPr b="1" lang="en-US" sz="1050" spc="-1" strike="noStrike">
+                <a:solidFill>
+                  <a:srgbClr val="000000"/>
+                </a:solidFill>
+                <a:latin typeface="Arial"/>
+                <a:ea typeface="DejaVu Sans"/>
+              </a:rPr>
+              <a:t>        </a:t>
+            </a:r>
+            <a:r>
+              <a:rPr b="1" lang="en-US" sz="1050" spc="-1" strike="noStrike">
+                <a:solidFill>
+                  <a:srgbClr val="000000"/>
+                </a:solidFill>
+                <a:latin typeface="Arial"/>
+                <a:ea typeface="DejaVu Sans"/>
+              </a:rPr>
+              <a:t>this-&gt;publisher_-&gt;publish(msg_num);</a:t>
+            </a:r>
+            <a:endParaRPr b="0" lang="en-US" sz="1050" spc="-1" strike="noStrike">
+              <a:latin typeface="Arial"/>
+            </a:endParaRPr>
+          </a:p>
+          <a:p>
+            <a:pPr marL="1440">
+              <a:lnSpc>
+                <a:spcPct val="100000"/>
+              </a:lnSpc>
+            </a:pPr>
+            <a:r>
+              <a:rPr b="1" lang="en-US" sz="1050" spc="-1" strike="noStrike">
+                <a:solidFill>
+                  <a:srgbClr val="000000"/>
+                </a:solidFill>
+                <a:latin typeface="Arial"/>
+                <a:ea typeface="DejaVu Sans"/>
+              </a:rPr>
+              <a:t>      </a:t>
+            </a:r>
+            <a:r>
+              <a:rPr b="1" lang="en-US" sz="1050" spc="-1" strike="noStrike">
+                <a:solidFill>
+                  <a:srgbClr val="000000"/>
+                </a:solidFill>
+                <a:latin typeface="Arial"/>
+                <a:ea typeface="DejaVu Sans"/>
+              </a:rPr>
+              <a:t>};</a:t>
+            </a:r>
+            <a:endParaRPr b="0" lang="en-US" sz="1050" spc="-1" strike="noStrike">
+              <a:latin typeface="Arial"/>
+            </a:endParaRPr>
+          </a:p>
+          <a:p>
+            <a:pPr marL="1440">
+              <a:lnSpc>
+                <a:spcPct val="100000"/>
+              </a:lnSpc>
+            </a:pPr>
+            <a:r>
+              <a:rPr b="1" lang="en-US" sz="1050" spc="-1" strike="noStrike">
+                <a:solidFill>
+                  <a:srgbClr val="000000"/>
+                </a:solidFill>
+                <a:latin typeface="Arial"/>
+                <a:ea typeface="DejaVu Sans"/>
+              </a:rPr>
+              <a:t>    </a:t>
+            </a:r>
+            <a:r>
+              <a:rPr b="1" lang="en-US" sz="1050" spc="-1" strike="noStrike">
+                <a:solidFill>
+                  <a:srgbClr val="000000"/>
+                </a:solidFill>
+                <a:latin typeface="Arial"/>
+                <a:ea typeface="DejaVu Sans"/>
+              </a:rPr>
+              <a:t>timer_ = this-&gt;create_wall_timer(10ms, callback);</a:t>
+            </a:r>
+            <a:endParaRPr b="0" lang="en-US" sz="1050" spc="-1" strike="noStrike">
+              <a:latin typeface="Arial"/>
+            </a:endParaRPr>
+          </a:p>
+          <a:p>
+            <a:pPr marL="1440">
+              <a:lnSpc>
+                <a:spcPct val="100000"/>
+              </a:lnSpc>
+            </a:pPr>
+            <a:r>
+              <a:rPr b="0" lang="en-US" sz="1050" spc="-1" strike="noStrike">
+                <a:solidFill>
+                  <a:srgbClr val="000000"/>
+                </a:solidFill>
+                <a:latin typeface="Arial"/>
+                <a:ea typeface="DejaVu Sans"/>
+              </a:rPr>
+              <a:t>  </a:t>
+            </a:r>
+            <a:r>
+              <a:rPr b="0" lang="en-US" sz="1050" spc="-1" strike="noStrike">
+                <a:solidFill>
+                  <a:srgbClr val="000000"/>
+                </a:solidFill>
+                <a:latin typeface="Arial"/>
+                <a:ea typeface="DejaVu Sans"/>
+              </a:rPr>
+              <a:t>}</a:t>
+            </a:r>
+            <a:endParaRPr b="0" lang="en-US" sz="1050" spc="-1" strike="noStrike">
+              <a:latin typeface="Arial"/>
+            </a:endParaRPr>
+          </a:p>
+          <a:p>
+            <a:pPr marL="1440">
+              <a:lnSpc>
+                <a:spcPct val="100000"/>
+              </a:lnSpc>
+            </a:pPr>
+            <a:endParaRPr b="0" lang="en-US" sz="1050" spc="-1" strike="noStrike">
+              <a:latin typeface="Arial"/>
+            </a:endParaRPr>
+          </a:p>
+          <a:p>
+            <a:pPr marL="1440">
+              <a:lnSpc>
+                <a:spcPct val="100000"/>
+              </a:lnSpc>
+            </a:pPr>
+            <a:r>
+              <a:rPr b="0" lang="en-US" sz="1050" spc="-1" strike="noStrike">
+                <a:solidFill>
+                  <a:srgbClr val="000000"/>
+                </a:solidFill>
+                <a:latin typeface="Arial"/>
+                <a:ea typeface="DejaVu Sans"/>
+              </a:rPr>
+              <a:t>private:</a:t>
+            </a:r>
+            <a:endParaRPr b="0" lang="en-US" sz="1050" spc="-1" strike="noStrike">
+              <a:latin typeface="Arial"/>
+            </a:endParaRPr>
+          </a:p>
+          <a:p>
+            <a:pPr marL="1440">
+              <a:lnSpc>
+                <a:spcPct val="100000"/>
+              </a:lnSpc>
+            </a:pPr>
+            <a:r>
+              <a:rPr b="0" lang="en-US" sz="1050" spc="-1" strike="noStrike">
+                <a:solidFill>
+                  <a:srgbClr val="000000"/>
+                </a:solidFill>
+                <a:latin typeface="Arial"/>
+                <a:ea typeface="DejaVu Sans"/>
+              </a:rPr>
+              <a:t>  </a:t>
+            </a:r>
+            <a:r>
+              <a:rPr b="0" lang="en-US" sz="1050" spc="-1" strike="noStrike">
+                <a:solidFill>
+                  <a:srgbClr val="000000"/>
+                </a:solidFill>
+                <a:latin typeface="Arial"/>
+                <a:ea typeface="DejaVu Sans"/>
+              </a:rPr>
+              <a:t>rclcpp::TimerBase::SharedPtr timer_;</a:t>
+            </a:r>
+            <a:endParaRPr b="0" lang="en-US" sz="1050" spc="-1" strike="noStrike">
+              <a:latin typeface="Arial"/>
+            </a:endParaRPr>
+          </a:p>
+          <a:p>
+            <a:pPr marL="1440">
+              <a:lnSpc>
+                <a:spcPct val="100000"/>
+              </a:lnSpc>
+            </a:pPr>
+            <a:r>
+              <a:rPr b="0" lang="en-US" sz="1050" spc="-1" strike="noStrike">
+                <a:solidFill>
+                  <a:srgbClr val="000000"/>
+                </a:solidFill>
+                <a:latin typeface="Arial"/>
+                <a:ea typeface="DejaVu Sans"/>
+              </a:rPr>
+              <a:t>  </a:t>
+            </a:r>
+            <a:r>
+              <a:rPr b="0" lang="en-US" sz="1050" spc="-1" strike="noStrike">
+                <a:solidFill>
+                  <a:srgbClr val="000000"/>
+                </a:solidFill>
+                <a:latin typeface="Arial"/>
+                <a:ea typeface="DejaVu Sans"/>
+              </a:rPr>
+              <a:t>rclcpp::Publisher&lt;foo_pkg_ros2::msg::Baz&gt;::SharedPtr publisher_;</a:t>
+            </a:r>
+            <a:endParaRPr b="0" lang="en-US" sz="1050" spc="-1" strike="noStrike">
+              <a:latin typeface="Arial"/>
+            </a:endParaRPr>
+          </a:p>
+          <a:p>
+            <a:pPr marL="1440">
+              <a:lnSpc>
+                <a:spcPct val="100000"/>
+              </a:lnSpc>
+            </a:pPr>
+            <a:r>
+              <a:rPr b="0" lang="en-US" sz="1050" spc="-1" strike="noStrike">
+                <a:solidFill>
+                  <a:srgbClr val="000000"/>
+                </a:solidFill>
+                <a:latin typeface="Arial"/>
+                <a:ea typeface="DejaVu Sans"/>
+              </a:rPr>
+              <a:t>  </a:t>
+            </a:r>
+            <a:r>
+              <a:rPr b="0" lang="en-US" sz="1050" spc="-1" strike="noStrike">
+                <a:solidFill>
+                  <a:srgbClr val="000000"/>
+                </a:solidFill>
+                <a:latin typeface="Arial"/>
+                <a:ea typeface="DejaVu Sans"/>
+              </a:rPr>
+              <a:t>size_t publish_count;</a:t>
+            </a:r>
+            <a:endParaRPr b="0" lang="en-US" sz="1050" spc="-1" strike="noStrike">
+              <a:latin typeface="Arial"/>
+            </a:endParaRPr>
+          </a:p>
+          <a:p>
+            <a:pPr marL="1440">
+              <a:lnSpc>
+                <a:spcPct val="100000"/>
+              </a:lnSpc>
+            </a:pPr>
+            <a:r>
+              <a:rPr b="0" lang="en-US" sz="1050" spc="-1" strike="noStrike">
+                <a:solidFill>
+                  <a:srgbClr val="000000"/>
+                </a:solidFill>
+                <a:latin typeface="Arial"/>
+                <a:ea typeface="DejaVu Sans"/>
+              </a:rPr>
+              <a:t>};</a:t>
+            </a:r>
+            <a:endParaRPr b="0" lang="en-US" sz="1050" spc="-1" strike="noStrike">
+              <a:latin typeface="Arial"/>
+            </a:endParaRPr>
+          </a:p>
+          <a:p>
+            <a:pPr marL="1440">
+              <a:lnSpc>
+                <a:spcPct val="100000"/>
+              </a:lnSpc>
+            </a:pPr>
+            <a:endParaRPr b="0" lang="en-US" sz="1050" spc="-1" strike="noStrike">
+              <a:latin typeface="Arial"/>
+            </a:endParaRPr>
+          </a:p>
+          <a:p>
+            <a:pPr marL="1440">
+              <a:lnSpc>
+                <a:spcPct val="100000"/>
+              </a:lnSpc>
+            </a:pPr>
+            <a:r>
+              <a:rPr b="0" lang="en-US" sz="1050" spc="-1" strike="noStrike">
+                <a:solidFill>
+                  <a:srgbClr val="000000"/>
+                </a:solidFill>
+                <a:latin typeface="Arial"/>
+                <a:ea typeface="DejaVu Sans"/>
+              </a:rPr>
+              <a:t>int main(int argc, char * argv[])</a:t>
+            </a:r>
+            <a:endParaRPr b="0" lang="en-US" sz="1050" spc="-1" strike="noStrike">
+              <a:latin typeface="Arial"/>
+            </a:endParaRPr>
+          </a:p>
+          <a:p>
+            <a:pPr marL="1440">
+              <a:lnSpc>
+                <a:spcPct val="100000"/>
+              </a:lnSpc>
+            </a:pPr>
+            <a:r>
+              <a:rPr b="0" lang="en-US" sz="1050" spc="-1" strike="noStrike">
+                <a:solidFill>
+                  <a:srgbClr val="000000"/>
+                </a:solidFill>
+                <a:latin typeface="Arial"/>
+                <a:ea typeface="DejaVu Sans"/>
+              </a:rPr>
+              <a:t>{</a:t>
+            </a:r>
+            <a:endParaRPr b="0" lang="en-US" sz="1050" spc="-1" strike="noStrike">
+              <a:latin typeface="Arial"/>
+            </a:endParaRPr>
+          </a:p>
+          <a:p>
+            <a:pPr marL="1440">
+              <a:lnSpc>
+                <a:spcPct val="100000"/>
+              </a:lnSpc>
+            </a:pPr>
+            <a:r>
+              <a:rPr b="0" lang="en-US" sz="1050" spc="-1" strike="noStrike">
+                <a:solidFill>
+                  <a:srgbClr val="000000"/>
+                </a:solidFill>
+                <a:latin typeface="Arial"/>
+                <a:ea typeface="DejaVu Sans"/>
+              </a:rPr>
+              <a:t>  </a:t>
+            </a:r>
+            <a:r>
+              <a:rPr b="0" lang="en-US" sz="1050" spc="-1" strike="noStrike">
+                <a:solidFill>
+                  <a:srgbClr val="000000"/>
+                </a:solidFill>
+                <a:latin typeface="Arial"/>
+                <a:ea typeface="DejaVu Sans"/>
+              </a:rPr>
+              <a:t>rclcpp::init(argc, argv);</a:t>
+            </a:r>
+            <a:endParaRPr b="0" lang="en-US" sz="1050" spc="-1" strike="noStrike">
+              <a:latin typeface="Arial"/>
+            </a:endParaRPr>
+          </a:p>
+          <a:p>
+            <a:pPr marL="1440">
+              <a:lnSpc>
+                <a:spcPct val="100000"/>
+              </a:lnSpc>
+            </a:pPr>
+            <a:r>
+              <a:rPr b="0" lang="en-US" sz="1050" spc="-1" strike="noStrike">
+                <a:solidFill>
+                  <a:srgbClr val="000000"/>
+                </a:solidFill>
+                <a:latin typeface="Arial"/>
+                <a:ea typeface="DejaVu Sans"/>
+              </a:rPr>
+              <a:t>  </a:t>
+            </a:r>
+            <a:r>
+              <a:rPr b="0" lang="en-US" sz="1050" spc="-1" strike="noStrike">
+                <a:solidFill>
+                  <a:srgbClr val="000000"/>
+                </a:solidFill>
+                <a:latin typeface="Arial"/>
+                <a:ea typeface="DejaVu Sans"/>
+              </a:rPr>
+              <a:t>rclcpp::spin(std::make_shared&lt;Sender&gt;());</a:t>
+            </a:r>
+            <a:endParaRPr b="0" lang="en-US" sz="1050" spc="-1" strike="noStrike">
+              <a:latin typeface="Arial"/>
+            </a:endParaRPr>
+          </a:p>
+          <a:p>
+            <a:pPr marL="1440">
+              <a:lnSpc>
+                <a:spcPct val="100000"/>
+              </a:lnSpc>
+            </a:pPr>
+            <a:r>
+              <a:rPr b="0" lang="en-US" sz="1050" spc="-1" strike="noStrike">
+                <a:solidFill>
+                  <a:srgbClr val="000000"/>
+                </a:solidFill>
+                <a:latin typeface="Arial"/>
+                <a:ea typeface="DejaVu Sans"/>
+              </a:rPr>
+              <a:t>  </a:t>
+            </a:r>
+            <a:r>
+              <a:rPr b="0" lang="en-US" sz="1050" spc="-1" strike="noStrike">
+                <a:solidFill>
+                  <a:srgbClr val="000000"/>
+                </a:solidFill>
+                <a:latin typeface="Arial"/>
+                <a:ea typeface="DejaVu Sans"/>
+              </a:rPr>
+              <a:t>rclcpp::shutdown();</a:t>
+            </a:r>
+            <a:endParaRPr b="0" lang="en-US" sz="1050" spc="-1" strike="noStrike">
+              <a:latin typeface="Arial"/>
+            </a:endParaRPr>
+          </a:p>
+          <a:p>
+            <a:pPr marL="1440">
+              <a:lnSpc>
+                <a:spcPct val="100000"/>
+              </a:lnSpc>
+            </a:pPr>
+            <a:r>
+              <a:rPr b="0" lang="en-US" sz="1050" spc="-1" strike="noStrike">
+                <a:solidFill>
+                  <a:srgbClr val="000000"/>
+                </a:solidFill>
+                <a:latin typeface="Arial"/>
+                <a:ea typeface="DejaVu Sans"/>
+              </a:rPr>
+              <a:t>  </a:t>
+            </a:r>
+            <a:r>
+              <a:rPr b="0" lang="en-US" sz="1050" spc="-1" strike="noStrike">
+                <a:solidFill>
+                  <a:srgbClr val="000000"/>
+                </a:solidFill>
+                <a:latin typeface="Arial"/>
+                <a:ea typeface="DejaVu Sans"/>
+              </a:rPr>
+              <a:t>return 0;</a:t>
+            </a:r>
+            <a:endParaRPr b="0" lang="en-US" sz="1050" spc="-1" strike="noStrike">
+              <a:latin typeface="Arial"/>
+            </a:endParaRPr>
+          </a:p>
+          <a:p>
+            <a:pPr marL="1440">
+              <a:lnSpc>
+                <a:spcPct val="100000"/>
+              </a:lnSpc>
+            </a:pPr>
+            <a:r>
+              <a:rPr b="0" lang="en-US" sz="1050" spc="-1" strike="noStrike">
+                <a:solidFill>
+                  <a:srgbClr val="000000"/>
+                </a:solidFill>
+                <a:latin typeface="Arial"/>
+                <a:ea typeface="DejaVu Sans"/>
+              </a:rPr>
+              <a:t>}</a:t>
+            </a:r>
+            <a:endParaRPr b="0" lang="en-US" sz="1050" spc="-1" strike="noStrike">
+              <a:latin typeface="Arial"/>
+            </a:endParaRPr>
+          </a:p>
+        </p:txBody>
+      </p:sp>
+      <p:sp>
+        <p:nvSpPr>
+          <p:cNvPr id="99" name="CustomShape 9"/>
+          <p:cNvSpPr/>
+          <p:nvPr/>
+        </p:nvSpPr>
+        <p:spPr>
+          <a:xfrm>
+            <a:off x="4389120" y="1082880"/>
+            <a:ext cx="3345840" cy="412200"/>
+          </a:xfrm>
+          <a:prstGeom prst="rect">
+            <a:avLst/>
+          </a:prstGeom>
+          <a:noFill/>
+          <a:ln>
+            <a:noFill/>
+          </a:ln>
+        </p:spPr>
+        <p:style>
+          <a:lnRef idx="0"/>
+          <a:fillRef idx="0"/>
+          <a:effectRef idx="0"/>
+          <a:fontRef idx="minor"/>
+        </p:style>
+        <p:txBody>
+          <a:bodyPr lIns="90000" rIns="90000" tIns="45000" bIns="45000"/>
+          <a:p>
+            <a:pPr marL="1440" algn="ctr">
+              <a:lnSpc>
+                <a:spcPct val="100000"/>
+              </a:lnSpc>
+            </a:pPr>
+            <a:r>
+              <a:rPr b="1" lang="en-US" sz="2000" spc="-1" strike="noStrike">
+                <a:solidFill>
+                  <a:srgbClr val="000000"/>
+                </a:solidFill>
+                <a:latin typeface="맑은 고딕"/>
+                <a:ea typeface="DejaVu Sans"/>
+              </a:rPr>
+              <a:t>ROS2 – member func.</a:t>
+            </a:r>
+            <a:endParaRPr b="0" lang="en-US" sz="2000" spc="-1" strike="noStrike">
+              <a:latin typeface="Arial"/>
+            </a:endParaRPr>
+          </a:p>
+          <a:p>
+            <a:pPr marL="1440">
+              <a:lnSpc>
+                <a:spcPct val="100000"/>
+              </a:lnSpc>
+            </a:pPr>
+            <a:endParaRPr b="0" lang="en-US" sz="2000" spc="-1" strike="noStrike">
+              <a:latin typeface="Arial"/>
+            </a:endParaRPr>
+          </a:p>
+          <a:p>
+            <a:pPr marL="1440">
+              <a:lnSpc>
+                <a:spcPct val="100000"/>
+              </a:lnSpc>
+            </a:pPr>
+            <a:endParaRPr b="0" lang="en-US" sz="2000" spc="-1" strike="noStrike">
+              <a:latin typeface="Arial"/>
+            </a:endParaRPr>
+          </a:p>
+          <a:p>
+            <a:pPr marL="457200">
+              <a:lnSpc>
+                <a:spcPct val="100000"/>
+              </a:lnSpc>
+            </a:pPr>
+            <a:endParaRPr b="0" lang="en-US" sz="2000" spc="-1" strike="noStrike">
+              <a:latin typeface="Arial"/>
+            </a:endParaRPr>
+          </a:p>
+          <a:p>
+            <a:pPr marL="457200">
+              <a:lnSpc>
+                <a:spcPct val="100000"/>
+              </a:lnSpc>
+            </a:pPr>
+            <a:endParaRPr b="0" lang="en-US" sz="2000" spc="-1" strike="noStrike">
+              <a:latin typeface="Arial"/>
+            </a:endParaRPr>
+          </a:p>
+        </p:txBody>
+      </p:sp>
+    </p:spTree>
+  </p:cSld>
+  <p:timing>
+    <p:tnLst>
+      <p:par>
+        <p:cTn id="17" dur="indefinite" restart="never" nodeType="tmRoot">
+          <p:childTnLst>
+            <p:seq>
+              <p:cTn id="18" dur="indefinite" nodeType="mainSeq"/>
               <p:prevCondLst>
                 <p:cond delay="0" evt="onPrev">
                   <p:tgtEl>
@@ -13976,227 +17255,4 @@
     </a:fmtScheme>
   </a:themeElements>
 </a:theme>
-</file>
-
-<file path=ppt/theme/theme2.xml><?xml version="1.0" encoding="utf-8"?>
-<a:theme xmlns:a="http://schemas.openxmlformats.org/drawingml/2006/main" name="Office Theme">
-  <a:themeElements>
-    <a:clrScheme name="Office">
-      <a:dk1>
-        <a:sysClr val="windowText" lastClr="000000"/>
-      </a:dk1>
-      <a:lt1>
-        <a:sysClr val="window" lastClr="FFFFFF"/>
-      </a:lt1>
-      <a:dk2>
-        <a:srgbClr val="1f497d"/>
-      </a:dk2>
-      <a:lt2>
-        <a:srgbClr val="eeece1"/>
-      </a:lt2>
-      <a:accent1>
-        <a:srgbClr val="4f81bd"/>
-      </a:accent1>
-      <a:accent2>
-        <a:srgbClr val="c0504d"/>
-      </a:accent2>
-      <a:accent3>
-        <a:srgbClr val="9bbb59"/>
-      </a:accent3>
-      <a:accent4>
-        <a:srgbClr val="8064a2"/>
-      </a:accent4>
-      <a:accent5>
-        <a:srgbClr val="4bacc6"/>
-      </a:accent5>
-      <a:accent6>
-        <a:srgbClr val="f79646"/>
-      </a:accent6>
-      <a:hlink>
-        <a:srgbClr val="0000ff"/>
-      </a:hlink>
-      <a:folHlink>
-        <a:srgbClr val="800080"/>
-      </a:folHlink>
-    </a:clrScheme>
-    <a:fontScheme name="Office">
-      <a:majorFont>
-        <a:latin typeface="Arial"/>
-        <a:ea typeface="DejaVu Sans"/>
-        <a:cs typeface="DejaVu Sans"/>
-      </a:majorFont>
-      <a:minorFont>
-        <a:latin typeface="Arial"/>
-        <a:ea typeface="DejaVu Sans"/>
-        <a:cs typeface="DejaVu Sans"/>
-      </a:minorFont>
-    </a:fontScheme>
-    <a:fmtScheme name="Office">
-      <a:fillStyleLst>
-        <a:solidFill>
-          <a:schemeClr val="phClr"/>
-        </a:solidFill>
-        <a:gradFill rotWithShape="1">
-          <a:gsLst>
-            <a:gs pos="0">
-              <a:schemeClr val="phClr">
-                <a:tint val="50000"/>
-                <a:satMod val="300000"/>
-              </a:schemeClr>
-            </a:gs>
-            <a:gs pos="35000">
-              <a:schemeClr val="phClr">
-                <a:tint val="37000"/>
-                <a:satMod val="300000"/>
-              </a:schemeClr>
-            </a:gs>
-            <a:gs pos="100000">
-              <a:schemeClr val="phClr">
-                <a:tint val="15000"/>
-                <a:satMod val="350000"/>
-              </a:schemeClr>
-            </a:gs>
-          </a:gsLst>
-          <a:lin ang="16200000" scaled="1"/>
-        </a:gradFill>
-        <a:gradFill rotWithShape="1">
-          <a:gsLst>
-            <a:gs pos="0">
-              <a:schemeClr val="phClr">
-                <a:shade val="51000"/>
-                <a:satMod val="130000"/>
-              </a:schemeClr>
-            </a:gs>
-            <a:gs pos="80000">
-              <a:schemeClr val="phClr">
-                <a:shade val="93000"/>
-                <a:satMod val="130000"/>
-              </a:schemeClr>
-            </a:gs>
-            <a:gs pos="100000">
-              <a:schemeClr val="phClr">
-                <a:shade val="94000"/>
-                <a:satMod val="135000"/>
-              </a:schemeClr>
-            </a:gs>
-          </a:gsLst>
-          <a:lin ang="16200000" scaled="0"/>
-        </a:gradFill>
-      </a:fillStyleLst>
-      <a:lnStyleLst>
-        <a:ln w="9525" cap="flat" cmpd="sng" algn="ctr">
-          <a:solidFill>
-            <a:schemeClr val="phClr">
-              <a:shade val="95000"/>
-              <a:satMod val="105000"/>
-            </a:schemeClr>
-          </a:solidFill>
-          <a:prstDash val="solid"/>
-        </a:ln>
-        <a:ln w="25400" cap="flat" cmpd="sng" algn="ctr">
-          <a:solidFill>
-            <a:schemeClr val="phClr"/>
-          </a:solidFill>
-          <a:prstDash val="solid"/>
-        </a:ln>
-        <a:ln w="38100" cap="flat" cmpd="sng" algn="ctr">
-          <a:solidFill>
-            <a:schemeClr val="phClr"/>
-          </a:solidFill>
-          <a:prstDash val="solid"/>
-        </a:ln>
-      </a:lnStyleLst>
-      <a:effectStyleLst>
-        <a:effectStyle>
-          <a:effectLst>
-            <a:outerShdw blurRad="40000" dist="20000" dir="5400000" rotWithShape="0">
-              <a:srgbClr val="000000">
-                <a:alpha val="38000"/>
-              </a:srgbClr>
-            </a:outerShdw>
-          </a:effectLst>
-        </a:effectStyle>
-        <a:effectStyle>
-          <a:effectLst>
-            <a:outerShdw blurRad="40000" dist="23000" dir="5400000" rotWithShape="0">
-              <a:srgbClr val="000000">
-                <a:alpha val="35000"/>
-              </a:srgbClr>
-            </a:outerShdw>
-          </a:effectLst>
-        </a:effectStyle>
-        <a:effectStyle>
-          <a:effectLst>
-            <a:outerShdw blurRad="40000" dist="23000" dir="5400000" rotWithShape="0">
-              <a:srgbClr val="000000">
-                <a:alpha val="35000"/>
-              </a:srgbClr>
-            </a:outerShdw>
-          </a:effectLst>
-          <a:scene3d>
-            <a:camera prst="orthographicFront">
-              <a:rot lat="0" lon="0" rev="0"/>
-            </a:camera>
-            <a:lightRig rig="threePt" dir="t">
-              <a:rot lat="0" lon="0" rev="1200000"/>
-            </a:lightRig>
-          </a:scene3d>
-          <a:sp3d>
-            <a:bevelT w="63500" h="25400"/>
-          </a:sp3d>
-        </a:effectStyle>
-      </a:effectStyleLst>
-      <a:bgFillStyleLst>
-        <a:solidFill>
-          <a:schemeClr val="phClr"/>
-        </a:solidFill>
-        <a:gradFill rotWithShape="1">
-          <a:gsLst>
-            <a:gs pos="0">
-              <a:schemeClr val="phClr">
-                <a:tint val="40000"/>
-                <a:satMod val="350000"/>
-              </a:schemeClr>
-            </a:gs>
-            <a:gs pos="40000">
-              <a:schemeClr val="phClr">
-                <a:tint val="45000"/>
-                <a:shade val="99000"/>
-                <a:satMod val="350000"/>
-              </a:schemeClr>
-            </a:gs>
-            <a:gs pos="100000">
-              <a:schemeClr val="phClr">
-                <a:shade val="20000"/>
-                <a:satMod val="255000"/>
-              </a:schemeClr>
-            </a:gs>
-          </a:gsLst>
-          <a:path path="circle">
-            <a:fillToRect l="50000" t="-80000" r="50000" b="180000"/>
-          </a:path>
-        </a:gradFill>
-        <a:gradFill rotWithShape="1">
-          <a:gsLst>
-            <a:gs pos="0">
-              <a:schemeClr val="phClr">
-                <a:tint val="80000"/>
-                <a:satMod val="300000"/>
-              </a:schemeClr>
-            </a:gs>
-            <a:gs pos="100000">
-              <a:schemeClr val="phClr">
-                <a:shade val="30000"/>
-                <a:satMod val="200000"/>
-              </a:schemeClr>
-            </a:gs>
-          </a:gsLst>
-          <a:path path="circle">
-            <a:fillToRect l="50000" t="50000" r="50000" b="50000"/>
-          </a:path>
-        </a:gradFill>
-      </a:bgFillStyleLst>
-    </a:fmtScheme>
-  </a:themeElements>
-</a:theme>
 </file>